--- a/hrf/international_conflict.pptx
+++ b/hrf/international_conflict.pptx
@@ -5912,7 +5912,7 @@
         <p:spPr>
           <a:xfrm>
             <a:off x="311700" y="1152475"/>
-            <a:ext cx="8520600" cy="3416400"/>
+            <a:ext cx="1678200" cy="3416400"/>
           </a:xfrm>
           <a:prstGeom prst="rect">
             <a:avLst/>
@@ -5934,7 +5934,8 @@
               <a:buNone/>
             </a:pPr>
             <a:r>
-              <a:t/>
+              <a:rPr lang="en"/>
+              <a:t>International Conflict (10277)</a:t>
             </a:r>
             <a:endParaRPr/>
           </a:p>
@@ -6055,7 +6056,7 @@
             </a:pPr>
             <a:r>
               <a:rPr lang="en"/>
-              <a:t>Battle Episode</a:t>
+              <a:t>Battle Episode (10286)</a:t>
             </a:r>
             <a:endParaRPr/>
           </a:p>
@@ -6096,7 +6097,7 @@
             </a:pPr>
             <a:r>
               <a:rPr b="1" lang="en" sz="1200"/>
-              <a:t>Attack</a:t>
+              <a:t>Attack (10278)</a:t>
             </a:r>
             <a:r>
               <a:rPr lang="en" sz="1200"/>
@@ -6117,7 +6118,7 @@
             </a:pPr>
             <a:r>
               <a:rPr b="1" lang="en" sz="1200"/>
-              <a:t>Scarcity</a:t>
+              <a:t>Scarcity (10282)</a:t>
             </a:r>
             <a:r>
               <a:rPr lang="en" sz="1200"/>
@@ -6138,7 +6139,7 @@
             </a:pPr>
             <a:r>
               <a:rPr b="1" lang="en" sz="1200"/>
-              <a:t>Injury</a:t>
+              <a:t>Injury (10280)</a:t>
             </a:r>
             <a:r>
               <a:rPr lang="en" sz="1200"/>
@@ -6159,7 +6160,7 @@
             </a:pPr>
             <a:r>
               <a:rPr b="1" lang="en" sz="1200"/>
-              <a:t>Death</a:t>
+              <a:t>Death (10279)</a:t>
             </a:r>
             <a:r>
               <a:rPr lang="en" sz="1200"/>
@@ -6180,7 +6181,7 @@
             </a:pPr>
             <a:r>
               <a:rPr b="1" lang="en" sz="1200"/>
-              <a:t>Damage</a:t>
+              <a:t>Damage (10281)</a:t>
             </a:r>
             <a:r>
               <a:rPr lang="en" sz="1200"/>
@@ -6209,7 +6210,7 @@
             </a:pPr>
             <a:r>
               <a:rPr b="1" lang="en" sz="1200"/>
-              <a:t>Transport</a:t>
+              <a:t>Transport (10283)</a:t>
             </a:r>
             <a:r>
               <a:rPr lang="en" sz="1200"/>
@@ -6230,7 +6231,7 @@
             </a:pPr>
             <a:r>
               <a:rPr b="1" lang="en" sz="1200"/>
-              <a:t>Demonstration</a:t>
+              <a:t>Demonstration (10284)</a:t>
             </a:r>
             <a:r>
               <a:rPr lang="en" sz="1200"/>
@@ -6251,7 +6252,7 @@
             </a:pPr>
             <a:r>
               <a:rPr b="1" lang="en" sz="1200"/>
-              <a:t>Arrest</a:t>
+              <a:t>Arrest (10285)</a:t>
             </a:r>
             <a:r>
               <a:rPr lang="en" sz="1200"/>
@@ -6348,7 +6349,7 @@
             </a:pPr>
             <a:r>
               <a:rPr lang="en"/>
-              <a:t>Ceasefire Episode</a:t>
+              <a:t>Ceasefire Episode (10292)</a:t>
             </a:r>
             <a:endParaRPr/>
           </a:p>
@@ -6373,7 +6374,7 @@
         </p:spPr>
         <p:txBody>
           <a:bodyPr anchorCtr="0" anchor="t" bIns="91425" lIns="91425" spcFirstLastPara="1" rIns="91425" wrap="square" tIns="91425">
-            <a:normAutofit lnSpcReduction="10000"/>
+            <a:normAutofit fontScale="92500" lnSpcReduction="10000"/>
           </a:bodyPr>
           <a:lstStyle/>
           <a:p>
@@ -6388,7 +6389,7 @@
             </a:pPr>
             <a:r>
               <a:rPr b="1" lang="en" sz="1200"/>
-              <a:t>Remote Communication</a:t>
+              <a:t>Remote Communication (10287)</a:t>
             </a:r>
             <a:r>
               <a:rPr lang="en" sz="1200"/>
@@ -6408,7 +6409,7 @@
             </a:pPr>
             <a:r>
               <a:rPr b="1" lang="en" sz="1200"/>
-              <a:t>Negotiation</a:t>
+              <a:t>Negotiation (10288)</a:t>
             </a:r>
             <a:r>
               <a:rPr lang="en" sz="1200"/>
@@ -6428,7 +6429,7 @@
             </a:pPr>
             <a:r>
               <a:rPr b="1" lang="en" sz="1200"/>
-              <a:t>Negotiation Result</a:t>
+              <a:t>Negotiation Result (10289)</a:t>
             </a:r>
             <a:r>
               <a:rPr lang="en" sz="1200"/>
@@ -6448,7 +6449,7 @@
             </a:pPr>
             <a:r>
               <a:rPr b="1" lang="en" sz="1200"/>
-              <a:t>Rejection</a:t>
+              <a:t>Rejection (10290)</a:t>
             </a:r>
             <a:r>
               <a:rPr lang="en" sz="1200"/>
@@ -6472,7 +6473,7 @@
             </a:pPr>
             <a:r>
               <a:rPr b="1" lang="en" sz="1200"/>
-              <a:t>Agreement</a:t>
+              <a:t>Agreement (10291)</a:t>
             </a:r>
             <a:r>
               <a:rPr lang="en" sz="1200"/>
@@ -6492,7 +6493,7 @@
             </a:pPr>
             <a:r>
               <a:rPr b="1" lang="en" sz="1200"/>
-              <a:t>Announcement</a:t>
+              <a:t>Announcement (10293)</a:t>
             </a:r>
             <a:r>
               <a:rPr lang="en" sz="1200"/>
@@ -6512,7 +6513,7 @@
             </a:pPr>
             <a:r>
               <a:rPr b="1" lang="en" sz="1200"/>
-              <a:t>Withdrawal</a:t>
+              <a:t>Withdrawal (10294)</a:t>
             </a:r>
             <a:r>
               <a:rPr lang="en" sz="1200"/>

--- a/hrf/international_conflict.pptx
+++ b/hrf/international_conflict.pptx
@@ -1,22 +1,28 @@
 
 <file path=ppt/presentation.xml><?xml version="1.0" encoding="utf-8"?>
-<p:presentation xmlns:a="http://schemas.openxmlformats.org/drawingml/2006/main" xmlns:r="http://schemas.openxmlformats.org/officeDocument/2006/relationships" xmlns:mc="http://schemas.openxmlformats.org/markup-compatibility/2006" xmlns:mv="urn:schemas-microsoft-com:mac:vml" xmlns:p="http://schemas.openxmlformats.org/presentationml/2006/main" xmlns:c="http://schemas.openxmlformats.org/drawingml/2006/chart" xmlns:dgm="http://schemas.openxmlformats.org/drawingml/2006/diagram" xmlns:o="urn:schemas-microsoft-com:office:office" xmlns:v="urn:schemas-microsoft-com:vml" xmlns:pvml="urn:schemas-microsoft-com:office:powerpoint" xmlns:com="http://schemas.openxmlformats.org/drawingml/2006/compatibility" xmlns:p14="http://schemas.microsoft.com/office/powerpoint/2010/main" xmlns:p15="http://schemas.microsoft.com/office/powerpoint/2012/main" xmlns:ahyp="http://schemas.microsoft.com/office/drawing/2018/hyperlinkcolor" autoCompressPictures="0" strictFirstAndLastChars="0" saveSubsetFonts="1">
+<p:presentation xmlns:a="http://schemas.openxmlformats.org/drawingml/2006/main" xmlns:r="http://schemas.openxmlformats.org/officeDocument/2006/relationships" xmlns:p="http://schemas.openxmlformats.org/presentationml/2006/main" strictFirstAndLastChars="0" saveSubsetFonts="1" autoCompressPictures="0">
   <p:sldMasterIdLst>
-    <p:sldMasterId id="2147483659" r:id="rId4"/>
+    <p:sldMasterId id="2147483659" r:id="rId1"/>
   </p:sldMasterIdLst>
   <p:notesMasterIdLst>
-    <p:notesMasterId r:id="rId5"/>
+    <p:notesMasterId r:id="rId12"/>
   </p:notesMasterIdLst>
   <p:sldIdLst>
-    <p:sldId id="256" r:id="rId6"/>
-    <p:sldId id="257" r:id="rId7"/>
-    <p:sldId id="258" r:id="rId8"/>
-    <p:sldId id="259" r:id="rId9"/>
+    <p:sldId id="256" r:id="rId2"/>
+    <p:sldId id="257" r:id="rId3"/>
+    <p:sldId id="258" r:id="rId4"/>
+    <p:sldId id="259" r:id="rId5"/>
+    <p:sldId id="260" r:id="rId6"/>
+    <p:sldId id="261" r:id="rId7"/>
+    <p:sldId id="262" r:id="rId8"/>
+    <p:sldId id="263" r:id="rId9"/>
+    <p:sldId id="264" r:id="rId10"/>
+    <p:sldId id="265" r:id="rId11"/>
   </p:sldIdLst>
-  <p:sldSz cy="5143500" cx="9144000"/>
+  <p:sldSz cx="9144000" cy="5143500" type="screen16x9"/>
   <p:notesSz cx="6858000" cy="9144000"/>
   <p:defaultTextStyle>
-    <a:defPPr lvl="0" marR="0" rtl="0" algn="l">
+    <a:defPPr marR="0" lvl="0" algn="l" rtl="0">
       <a:lnSpc>
         <a:spcPct val="100000"/>
       </a:lnSpc>
@@ -27,7 +33,7 @@
         <a:spcPts val="0"/>
       </a:spcAft>
     </a:defPPr>
-    <a:lvl1pPr lvl="0" marR="0" rtl="0" algn="l">
+    <a:lvl1pPr marR="0" lvl="0" algn="l" rtl="0">
       <a:lnSpc>
         <a:spcPct val="100000"/>
       </a:lnSpc>
@@ -41,7 +47,7 @@
         <a:srgbClr val="000000"/>
       </a:buClr>
       <a:buFont typeface="Arial"/>
-      <a:defRPr b="0" i="0" sz="1400" u="none" cap="none" strike="noStrike">
+      <a:defRPr sz="1400" b="0" i="0" u="none" strike="noStrike" cap="none">
         <a:solidFill>
           <a:srgbClr val="000000"/>
         </a:solidFill>
@@ -51,7 +57,7 @@
         <a:sym typeface="Arial"/>
       </a:defRPr>
     </a:lvl1pPr>
-    <a:lvl2pPr lvl="1" marR="0" rtl="0" algn="l">
+    <a:lvl2pPr marR="0" lvl="1" algn="l" rtl="0">
       <a:lnSpc>
         <a:spcPct val="100000"/>
       </a:lnSpc>
@@ -65,7 +71,7 @@
         <a:srgbClr val="000000"/>
       </a:buClr>
       <a:buFont typeface="Arial"/>
-      <a:defRPr b="0" i="0" sz="1400" u="none" cap="none" strike="noStrike">
+      <a:defRPr sz="1400" b="0" i="0" u="none" strike="noStrike" cap="none">
         <a:solidFill>
           <a:srgbClr val="000000"/>
         </a:solidFill>
@@ -75,7 +81,7 @@
         <a:sym typeface="Arial"/>
       </a:defRPr>
     </a:lvl2pPr>
-    <a:lvl3pPr lvl="2" marR="0" rtl="0" algn="l">
+    <a:lvl3pPr marR="0" lvl="2" algn="l" rtl="0">
       <a:lnSpc>
         <a:spcPct val="100000"/>
       </a:lnSpc>
@@ -89,7 +95,7 @@
         <a:srgbClr val="000000"/>
       </a:buClr>
       <a:buFont typeface="Arial"/>
-      <a:defRPr b="0" i="0" sz="1400" u="none" cap="none" strike="noStrike">
+      <a:defRPr sz="1400" b="0" i="0" u="none" strike="noStrike" cap="none">
         <a:solidFill>
           <a:srgbClr val="000000"/>
         </a:solidFill>
@@ -99,7 +105,7 @@
         <a:sym typeface="Arial"/>
       </a:defRPr>
     </a:lvl3pPr>
-    <a:lvl4pPr lvl="3" marR="0" rtl="0" algn="l">
+    <a:lvl4pPr marR="0" lvl="3" algn="l" rtl="0">
       <a:lnSpc>
         <a:spcPct val="100000"/>
       </a:lnSpc>
@@ -113,7 +119,7 @@
         <a:srgbClr val="000000"/>
       </a:buClr>
       <a:buFont typeface="Arial"/>
-      <a:defRPr b="0" i="0" sz="1400" u="none" cap="none" strike="noStrike">
+      <a:defRPr sz="1400" b="0" i="0" u="none" strike="noStrike" cap="none">
         <a:solidFill>
           <a:srgbClr val="000000"/>
         </a:solidFill>
@@ -123,7 +129,7 @@
         <a:sym typeface="Arial"/>
       </a:defRPr>
     </a:lvl4pPr>
-    <a:lvl5pPr lvl="4" marR="0" rtl="0" algn="l">
+    <a:lvl5pPr marR="0" lvl="4" algn="l" rtl="0">
       <a:lnSpc>
         <a:spcPct val="100000"/>
       </a:lnSpc>
@@ -137,7 +143,7 @@
         <a:srgbClr val="000000"/>
       </a:buClr>
       <a:buFont typeface="Arial"/>
-      <a:defRPr b="0" i="0" sz="1400" u="none" cap="none" strike="noStrike">
+      <a:defRPr sz="1400" b="0" i="0" u="none" strike="noStrike" cap="none">
         <a:solidFill>
           <a:srgbClr val="000000"/>
         </a:solidFill>
@@ -147,7 +153,7 @@
         <a:sym typeface="Arial"/>
       </a:defRPr>
     </a:lvl5pPr>
-    <a:lvl6pPr lvl="5" marR="0" rtl="0" algn="l">
+    <a:lvl6pPr marR="0" lvl="5" algn="l" rtl="0">
       <a:lnSpc>
         <a:spcPct val="100000"/>
       </a:lnSpc>
@@ -161,7 +167,7 @@
         <a:srgbClr val="000000"/>
       </a:buClr>
       <a:buFont typeface="Arial"/>
-      <a:defRPr b="0" i="0" sz="1400" u="none" cap="none" strike="noStrike">
+      <a:defRPr sz="1400" b="0" i="0" u="none" strike="noStrike" cap="none">
         <a:solidFill>
           <a:srgbClr val="000000"/>
         </a:solidFill>
@@ -171,7 +177,7 @@
         <a:sym typeface="Arial"/>
       </a:defRPr>
     </a:lvl6pPr>
-    <a:lvl7pPr lvl="6" marR="0" rtl="0" algn="l">
+    <a:lvl7pPr marR="0" lvl="6" algn="l" rtl="0">
       <a:lnSpc>
         <a:spcPct val="100000"/>
       </a:lnSpc>
@@ -185,7 +191,7 @@
         <a:srgbClr val="000000"/>
       </a:buClr>
       <a:buFont typeface="Arial"/>
-      <a:defRPr b="0" i="0" sz="1400" u="none" cap="none" strike="noStrike">
+      <a:defRPr sz="1400" b="0" i="0" u="none" strike="noStrike" cap="none">
         <a:solidFill>
           <a:srgbClr val="000000"/>
         </a:solidFill>
@@ -195,7 +201,7 @@
         <a:sym typeface="Arial"/>
       </a:defRPr>
     </a:lvl7pPr>
-    <a:lvl8pPr lvl="7" marR="0" rtl="0" algn="l">
+    <a:lvl8pPr marR="0" lvl="7" algn="l" rtl="0">
       <a:lnSpc>
         <a:spcPct val="100000"/>
       </a:lnSpc>
@@ -209,7 +215,7 @@
         <a:srgbClr val="000000"/>
       </a:buClr>
       <a:buFont typeface="Arial"/>
-      <a:defRPr b="0" i="0" sz="1400" u="none" cap="none" strike="noStrike">
+      <a:defRPr sz="1400" b="0" i="0" u="none" strike="noStrike" cap="none">
         <a:solidFill>
           <a:srgbClr val="000000"/>
         </a:solidFill>
@@ -219,7 +225,7 @@
         <a:sym typeface="Arial"/>
       </a:defRPr>
     </a:lvl8pPr>
-    <a:lvl9pPr lvl="8" marR="0" rtl="0" algn="l">
+    <a:lvl9pPr marR="0" lvl="8" algn="l" rtl="0">
       <a:lnSpc>
         <a:spcPct val="100000"/>
       </a:lnSpc>
@@ -233,7 +239,7 @@
         <a:srgbClr val="000000"/>
       </a:buClr>
       <a:buFont typeface="Arial"/>
-      <a:defRPr b="0" i="0" sz="1400" u="none" cap="none" strike="noStrike">
+      <a:defRPr sz="1400" b="0" i="0" u="none" strike="noStrike" cap="none">
         <a:solidFill>
           <a:srgbClr val="000000"/>
         </a:solidFill>
@@ -246,7 +252,7 @@
   </p:defaultTextStyle>
   <p:extLst>
     <p:ext uri="{EFAFB233-063F-42B5-8137-9DF3F51BA10A}">
-      <p15:sldGuideLst>
+      <p15:sldGuideLst xmlns:p15="http://schemas.microsoft.com/office/powerpoint/2012/main">
         <p15:guide id="1" orient="horz" pos="1620">
           <p15:clr>
             <a:srgbClr val="A4A3A4"/>
@@ -264,11 +270,16 @@
 </file>
 
 <file path=ppt/notesMasters/notesMaster1.xml><?xml version="1.0" encoding="utf-8"?>
-<p:notesMaster xmlns:a="http://schemas.openxmlformats.org/drawingml/2006/main" xmlns:r="http://schemas.openxmlformats.org/officeDocument/2006/relationships" xmlns:mc="http://schemas.openxmlformats.org/markup-compatibility/2006" xmlns:mv="urn:schemas-microsoft-com:mac:vml" xmlns:p="http://schemas.openxmlformats.org/presentationml/2006/main" xmlns:c="http://schemas.openxmlformats.org/drawingml/2006/chart" xmlns:dgm="http://schemas.openxmlformats.org/drawingml/2006/diagram" xmlns:o="urn:schemas-microsoft-com:office:office" xmlns:v="urn:schemas-microsoft-com:vml" xmlns:pvml="urn:schemas-microsoft-com:office:powerpoint" xmlns:com="http://schemas.openxmlformats.org/drawingml/2006/compatibility" xmlns:p14="http://schemas.microsoft.com/office/powerpoint/2010/main" xmlns:p15="http://schemas.microsoft.com/office/powerpoint/2012/main" xmlns:ahyp="http://schemas.microsoft.com/office/drawing/2018/hyperlinkcolor">
+<p:notesMaster xmlns:a="http://schemas.openxmlformats.org/drawingml/2006/main" xmlns:r="http://schemas.openxmlformats.org/officeDocument/2006/relationships" xmlns:p="http://schemas.openxmlformats.org/presentationml/2006/main">
   <p:cSld>
+    <p:bg>
+      <p:bgRef idx="1001">
+        <a:schemeClr val="bg1"/>
+      </p:bgRef>
+    </p:bg>
     <p:spTree>
       <p:nvGrpSpPr>
-        <p:cNvPr id="2" name="Shape 2"/>
+        <p:cNvPr id="1" name="Shape 2"/>
         <p:cNvGrpSpPr/>
         <p:nvPr/>
       </p:nvGrpSpPr>
@@ -283,9 +294,11 @@
       <p:sp>
         <p:nvSpPr>
           <p:cNvPr id="3" name="Google Shape;3;n"/>
-          <p:cNvSpPr/>
+          <p:cNvSpPr>
+            <a:spLocks noGrp="1" noRot="1" noChangeAspect="1"/>
+          </p:cNvSpPr>
           <p:nvPr>
-            <p:ph idx="2" type="sldImg"/>
+            <p:ph type="sldImg" idx="2"/>
           </p:nvPr>
         </p:nvSpPr>
         <p:spPr>
@@ -294,9 +307,13 @@
             <a:ext cx="6096075" cy="3429000"/>
           </a:xfrm>
           <a:custGeom>
-            <a:rect b="b" l="l" r="r" t="t"/>
+            <a:avLst/>
+            <a:gdLst/>
+            <a:ahLst/>
+            <a:cxnLst/>
+            <a:rect l="l" t="t" r="r" b="b"/>
             <a:pathLst>
-              <a:path extrusionOk="0" h="120000" w="120000">
+              <a:path w="120000" h="120000" extrusionOk="0">
                 <a:moveTo>
                   <a:pt x="0" y="0"/>
                 </a:moveTo>
@@ -314,23 +331,25 @@
             </a:pathLst>
           </a:custGeom>
           <a:noFill/>
-          <a:ln cap="flat" cmpd="sng" w="9525">
+          <a:ln w="9525" cap="flat" cmpd="sng">
             <a:solidFill>
               <a:srgbClr val="000000"/>
             </a:solidFill>
             <a:prstDash val="solid"/>
             <a:round/>
-            <a:headEnd len="sm" w="sm" type="none"/>
-            <a:tailEnd len="sm" w="sm" type="none"/>
+            <a:headEnd type="none" w="sm" len="sm"/>
+            <a:tailEnd type="none" w="sm" len="sm"/>
           </a:ln>
         </p:spPr>
       </p:sp>
       <p:sp>
         <p:nvSpPr>
           <p:cNvPr id="4" name="Google Shape;4;n"/>
-          <p:cNvSpPr txBox="1"/>
+          <p:cNvSpPr txBox="1">
+            <a:spLocks noGrp="1"/>
+          </p:cNvSpPr>
           <p:nvPr>
-            <p:ph idx="1" type="body"/>
+            <p:ph type="body" idx="1"/>
           </p:nvPr>
         </p:nvSpPr>
         <p:spPr>
@@ -347,11 +366,11 @@
           </a:ln>
         </p:spPr>
         <p:txBody>
-          <a:bodyPr anchorCtr="0" anchor="t" bIns="91425" lIns="91425" spcFirstLastPara="1" rIns="91425" wrap="square" tIns="91425">
+          <a:bodyPr spcFirstLastPara="1" wrap="square" lIns="91425" tIns="91425" rIns="91425" bIns="91425" anchor="t" anchorCtr="0">
             <a:noAutofit/>
           </a:bodyPr>
           <a:lstStyle>
-            <a:lvl1pPr indent="-298450" lvl="0" marL="457200">
+            <a:lvl1pPr marL="457200" lvl="0" indent="-298450">
               <a:spcBef>
                 <a:spcPts val="0"/>
               </a:spcBef>
@@ -362,7 +381,7 @@
               <a:buChar char="●"/>
               <a:defRPr sz="1100"/>
             </a:lvl1pPr>
-            <a:lvl2pPr indent="-298450" lvl="1" marL="914400">
+            <a:lvl2pPr marL="914400" lvl="1" indent="-298450">
               <a:spcBef>
                 <a:spcPts val="0"/>
               </a:spcBef>
@@ -373,7 +392,7 @@
               <a:buChar char="○"/>
               <a:defRPr sz="1100"/>
             </a:lvl2pPr>
-            <a:lvl3pPr indent="-298450" lvl="2" marL="1371600">
+            <a:lvl3pPr marL="1371600" lvl="2" indent="-298450">
               <a:spcBef>
                 <a:spcPts val="0"/>
               </a:spcBef>
@@ -384,7 +403,7 @@
               <a:buChar char="■"/>
               <a:defRPr sz="1100"/>
             </a:lvl3pPr>
-            <a:lvl4pPr indent="-298450" lvl="3" marL="1828800">
+            <a:lvl4pPr marL="1828800" lvl="3" indent="-298450">
               <a:spcBef>
                 <a:spcPts val="0"/>
               </a:spcBef>
@@ -395,7 +414,7 @@
               <a:buChar char="●"/>
               <a:defRPr sz="1100"/>
             </a:lvl4pPr>
-            <a:lvl5pPr indent="-298450" lvl="4" marL="2286000">
+            <a:lvl5pPr marL="2286000" lvl="4" indent="-298450">
               <a:spcBef>
                 <a:spcPts val="0"/>
               </a:spcBef>
@@ -406,7 +425,7 @@
               <a:buChar char="○"/>
               <a:defRPr sz="1100"/>
             </a:lvl5pPr>
-            <a:lvl6pPr indent="-298450" lvl="5" marL="2743200">
+            <a:lvl6pPr marL="2743200" lvl="5" indent="-298450">
               <a:spcBef>
                 <a:spcPts val="0"/>
               </a:spcBef>
@@ -417,7 +436,7 @@
               <a:buChar char="■"/>
               <a:defRPr sz="1100"/>
             </a:lvl6pPr>
-            <a:lvl7pPr indent="-298450" lvl="6" marL="3200400">
+            <a:lvl7pPr marL="3200400" lvl="6" indent="-298450">
               <a:spcBef>
                 <a:spcPts val="0"/>
               </a:spcBef>
@@ -428,7 +447,7 @@
               <a:buChar char="●"/>
               <a:defRPr sz="1100"/>
             </a:lvl7pPr>
-            <a:lvl8pPr indent="-298450" lvl="7" marL="3657600">
+            <a:lvl8pPr marL="3657600" lvl="7" indent="-298450">
               <a:spcBef>
                 <a:spcPts val="0"/>
               </a:spcBef>
@@ -439,7 +458,7 @@
               <a:buChar char="○"/>
               <a:defRPr sz="1100"/>
             </a:lvl8pPr>
-            <a:lvl9pPr indent="-298450" lvl="8" marL="4114800">
+            <a:lvl9pPr marL="4114800" lvl="8" indent="-298450">
               <a:spcBef>
                 <a:spcPts val="0"/>
               </a:spcBef>
@@ -451,14 +470,16 @@
               <a:defRPr sz="1100"/>
             </a:lvl9pPr>
           </a:lstStyle>
-          <a:p/>
+          <a:p>
+            <a:endParaRPr/>
+          </a:p>
         </p:txBody>
       </p:sp>
     </p:spTree>
   </p:cSld>
-  <p:clrMap accent1="accent1" accent2="accent2" accent3="accent3" accent4="accent4" accent5="accent5" accent6="accent6" bg1="lt1" bg2="dk2" tx1="dk1" tx2="lt2" folHlink="folHlink" hlink="hlink"/>
+  <p:clrMap bg1="lt1" tx1="dk1" bg2="dk2" tx2="lt2" accent1="accent1" accent2="accent2" accent3="accent3" accent4="accent4" accent5="accent5" accent6="accent6" hlink="hlink" folHlink="folHlink"/>
   <p:notesStyle>
-    <a:defPPr lvl="0" marR="0" rtl="0" algn="l">
+    <a:defPPr marR="0" lvl="0" algn="l" rtl="0">
       <a:lnSpc>
         <a:spcPct val="100000"/>
       </a:lnSpc>
@@ -469,7 +490,7 @@
         <a:spcPts val="0"/>
       </a:spcAft>
     </a:defPPr>
-    <a:lvl1pPr lvl="0" marR="0" rtl="0" algn="l">
+    <a:lvl1pPr marR="0" lvl="0" algn="l" rtl="0">
       <a:lnSpc>
         <a:spcPct val="100000"/>
       </a:lnSpc>
@@ -483,7 +504,7 @@
         <a:srgbClr val="000000"/>
       </a:buClr>
       <a:buFont typeface="Arial"/>
-      <a:defRPr b="0" i="0" sz="1400" u="none" cap="none" strike="noStrike">
+      <a:defRPr sz="1400" b="0" i="0" u="none" strike="noStrike" cap="none">
         <a:solidFill>
           <a:srgbClr val="000000"/>
         </a:solidFill>
@@ -493,7 +514,7 @@
         <a:sym typeface="Arial"/>
       </a:defRPr>
     </a:lvl1pPr>
-    <a:lvl2pPr lvl="1" marR="0" rtl="0" algn="l">
+    <a:lvl2pPr marR="0" lvl="1" algn="l" rtl="0">
       <a:lnSpc>
         <a:spcPct val="100000"/>
       </a:lnSpc>
@@ -507,7 +528,7 @@
         <a:srgbClr val="000000"/>
       </a:buClr>
       <a:buFont typeface="Arial"/>
-      <a:defRPr b="0" i="0" sz="1400" u="none" cap="none" strike="noStrike">
+      <a:defRPr sz="1400" b="0" i="0" u="none" strike="noStrike" cap="none">
         <a:solidFill>
           <a:srgbClr val="000000"/>
         </a:solidFill>
@@ -517,7 +538,7 @@
         <a:sym typeface="Arial"/>
       </a:defRPr>
     </a:lvl2pPr>
-    <a:lvl3pPr lvl="2" marR="0" rtl="0" algn="l">
+    <a:lvl3pPr marR="0" lvl="2" algn="l" rtl="0">
       <a:lnSpc>
         <a:spcPct val="100000"/>
       </a:lnSpc>
@@ -531,7 +552,7 @@
         <a:srgbClr val="000000"/>
       </a:buClr>
       <a:buFont typeface="Arial"/>
-      <a:defRPr b="0" i="0" sz="1400" u="none" cap="none" strike="noStrike">
+      <a:defRPr sz="1400" b="0" i="0" u="none" strike="noStrike" cap="none">
         <a:solidFill>
           <a:srgbClr val="000000"/>
         </a:solidFill>
@@ -541,7 +562,7 @@
         <a:sym typeface="Arial"/>
       </a:defRPr>
     </a:lvl3pPr>
-    <a:lvl4pPr lvl="3" marR="0" rtl="0" algn="l">
+    <a:lvl4pPr marR="0" lvl="3" algn="l" rtl="0">
       <a:lnSpc>
         <a:spcPct val="100000"/>
       </a:lnSpc>
@@ -555,7 +576,7 @@
         <a:srgbClr val="000000"/>
       </a:buClr>
       <a:buFont typeface="Arial"/>
-      <a:defRPr b="0" i="0" sz="1400" u="none" cap="none" strike="noStrike">
+      <a:defRPr sz="1400" b="0" i="0" u="none" strike="noStrike" cap="none">
         <a:solidFill>
           <a:srgbClr val="000000"/>
         </a:solidFill>
@@ -565,7 +586,7 @@
         <a:sym typeface="Arial"/>
       </a:defRPr>
     </a:lvl4pPr>
-    <a:lvl5pPr lvl="4" marR="0" rtl="0" algn="l">
+    <a:lvl5pPr marR="0" lvl="4" algn="l" rtl="0">
       <a:lnSpc>
         <a:spcPct val="100000"/>
       </a:lnSpc>
@@ -579,7 +600,7 @@
         <a:srgbClr val="000000"/>
       </a:buClr>
       <a:buFont typeface="Arial"/>
-      <a:defRPr b="0" i="0" sz="1400" u="none" cap="none" strike="noStrike">
+      <a:defRPr sz="1400" b="0" i="0" u="none" strike="noStrike" cap="none">
         <a:solidFill>
           <a:srgbClr val="000000"/>
         </a:solidFill>
@@ -589,7 +610,7 @@
         <a:sym typeface="Arial"/>
       </a:defRPr>
     </a:lvl5pPr>
-    <a:lvl6pPr lvl="5" marR="0" rtl="0" algn="l">
+    <a:lvl6pPr marR="0" lvl="5" algn="l" rtl="0">
       <a:lnSpc>
         <a:spcPct val="100000"/>
       </a:lnSpc>
@@ -603,7 +624,7 @@
         <a:srgbClr val="000000"/>
       </a:buClr>
       <a:buFont typeface="Arial"/>
-      <a:defRPr b="0" i="0" sz="1400" u="none" cap="none" strike="noStrike">
+      <a:defRPr sz="1400" b="0" i="0" u="none" strike="noStrike" cap="none">
         <a:solidFill>
           <a:srgbClr val="000000"/>
         </a:solidFill>
@@ -613,7 +634,7 @@
         <a:sym typeface="Arial"/>
       </a:defRPr>
     </a:lvl6pPr>
-    <a:lvl7pPr lvl="6" marR="0" rtl="0" algn="l">
+    <a:lvl7pPr marR="0" lvl="6" algn="l" rtl="0">
       <a:lnSpc>
         <a:spcPct val="100000"/>
       </a:lnSpc>
@@ -627,7 +648,7 @@
         <a:srgbClr val="000000"/>
       </a:buClr>
       <a:buFont typeface="Arial"/>
-      <a:defRPr b="0" i="0" sz="1400" u="none" cap="none" strike="noStrike">
+      <a:defRPr sz="1400" b="0" i="0" u="none" strike="noStrike" cap="none">
         <a:solidFill>
           <a:srgbClr val="000000"/>
         </a:solidFill>
@@ -637,7 +658,7 @@
         <a:sym typeface="Arial"/>
       </a:defRPr>
     </a:lvl7pPr>
-    <a:lvl8pPr lvl="7" marR="0" rtl="0" algn="l">
+    <a:lvl8pPr marR="0" lvl="7" algn="l" rtl="0">
       <a:lnSpc>
         <a:spcPct val="100000"/>
       </a:lnSpc>
@@ -651,7 +672,7 @@
         <a:srgbClr val="000000"/>
       </a:buClr>
       <a:buFont typeface="Arial"/>
-      <a:defRPr b="0" i="0" sz="1400" u="none" cap="none" strike="noStrike">
+      <a:defRPr sz="1400" b="0" i="0" u="none" strike="noStrike" cap="none">
         <a:solidFill>
           <a:srgbClr val="000000"/>
         </a:solidFill>
@@ -661,7 +682,7 @@
         <a:sym typeface="Arial"/>
       </a:defRPr>
     </a:lvl8pPr>
-    <a:lvl9pPr lvl="8" marR="0" rtl="0" algn="l">
+    <a:lvl9pPr marR="0" lvl="8" algn="l" rtl="0">
       <a:lnSpc>
         <a:spcPct val="100000"/>
       </a:lnSpc>
@@ -675,7 +696,7 @@
         <a:srgbClr val="000000"/>
       </a:buClr>
       <a:buFont typeface="Arial"/>
-      <a:defRPr b="0" i="0" sz="1400" u="none" cap="none" strike="noStrike">
+      <a:defRPr sz="1400" b="0" i="0" u="none" strike="noStrike" cap="none">
         <a:solidFill>
           <a:srgbClr val="000000"/>
         </a:solidFill>
@@ -690,11 +711,11 @@
 </file>
 
 <file path=ppt/notesSlides/notesSlide1.xml><?xml version="1.0" encoding="utf-8"?>
-<p:notes xmlns:a="http://schemas.openxmlformats.org/drawingml/2006/main" xmlns:r="http://schemas.openxmlformats.org/officeDocument/2006/relationships" xmlns:mc="http://schemas.openxmlformats.org/markup-compatibility/2006" xmlns:mv="urn:schemas-microsoft-com:mac:vml" xmlns:p="http://schemas.openxmlformats.org/presentationml/2006/main" xmlns:c="http://schemas.openxmlformats.org/drawingml/2006/chart" xmlns:dgm="http://schemas.openxmlformats.org/drawingml/2006/diagram" xmlns:o="urn:schemas-microsoft-com:office:office" xmlns:v="urn:schemas-microsoft-com:vml" xmlns:pvml="urn:schemas-microsoft-com:office:powerpoint" xmlns:com="http://schemas.openxmlformats.org/drawingml/2006/compatibility" xmlns:p14="http://schemas.microsoft.com/office/powerpoint/2010/main" xmlns:p15="http://schemas.microsoft.com/office/powerpoint/2012/main" xmlns:ahyp="http://schemas.microsoft.com/office/drawing/2018/hyperlinkcolor" showMasterPhAnim="0" showMasterSp="0">
+<p:notes xmlns:a="http://schemas.openxmlformats.org/drawingml/2006/main" xmlns:r="http://schemas.openxmlformats.org/officeDocument/2006/relationships" xmlns:p="http://schemas.openxmlformats.org/presentationml/2006/main" showMasterSp="0" showMasterPhAnim="0">
   <p:cSld>
     <p:spTree>
       <p:nvGrpSpPr>
-        <p:cNvPr id="50" name="Shape 50"/>
+        <p:cNvPr id="1" name="Shape 50"/>
         <p:cNvGrpSpPr/>
         <p:nvPr/>
       </p:nvGrpSpPr>
@@ -709,9 +730,11 @@
       <p:sp>
         <p:nvSpPr>
           <p:cNvPr id="51" name="Google Shape;51;p:notes"/>
-          <p:cNvSpPr/>
+          <p:cNvSpPr>
+            <a:spLocks noGrp="1" noRot="1" noChangeAspect="1"/>
+          </p:cNvSpPr>
           <p:nvPr>
-            <p:ph idx="2" type="sldImg"/>
+            <p:ph type="sldImg" idx="2"/>
           </p:nvPr>
         </p:nvSpPr>
         <p:spPr>
@@ -720,9 +743,13 @@
             <a:ext cx="6096075" cy="3429000"/>
           </a:xfrm>
           <a:custGeom>
-            <a:rect b="b" l="l" r="r" t="t"/>
+            <a:avLst/>
+            <a:gdLst/>
+            <a:ahLst/>
+            <a:cxnLst/>
+            <a:rect l="l" t="t" r="r" b="b"/>
             <a:pathLst>
-              <a:path extrusionOk="0" h="120000" w="120000">
+              <a:path w="120000" h="120000" extrusionOk="0">
                 <a:moveTo>
                   <a:pt x="0" y="0"/>
                 </a:moveTo>
@@ -744,9 +771,11 @@
       <p:sp>
         <p:nvSpPr>
           <p:cNvPr id="52" name="Google Shape;52;p:notes"/>
-          <p:cNvSpPr txBox="1"/>
+          <p:cNvSpPr txBox="1">
+            <a:spLocks noGrp="1"/>
+          </p:cNvSpPr>
           <p:nvPr>
-            <p:ph idx="1" type="body"/>
+            <p:ph type="body" idx="1"/>
           </p:nvPr>
         </p:nvSpPr>
         <p:spPr>
@@ -759,23 +788,20 @@
           </a:prstGeom>
         </p:spPr>
         <p:txBody>
-          <a:bodyPr anchorCtr="0" anchor="t" bIns="91425" lIns="91425" spcFirstLastPara="1" rIns="91425" wrap="square" tIns="91425">
+          <a:bodyPr spcFirstLastPara="1" wrap="square" lIns="91425" tIns="91425" rIns="91425" bIns="91425" anchor="t" anchorCtr="0">
             <a:noAutofit/>
           </a:bodyPr>
           <a:lstStyle/>
           <a:p>
-            <a:pPr indent="0" lvl="0" marL="0" rtl="0" algn="l">
-              <a:spcBef>
-                <a:spcPts val="0"/>
-              </a:spcBef>
-              <a:spcAft>
-                <a:spcPts val="0"/>
-              </a:spcAft>
-              <a:buNone/>
-            </a:pPr>
-            <a:r>
-              <a:t/>
-            </a:r>
+            <a:pPr marL="0" lvl="0" indent="0" algn="l" rtl="0">
+              <a:spcBef>
+                <a:spcPts val="0"/>
+              </a:spcBef>
+              <a:spcAft>
+                <a:spcPts val="0"/>
+              </a:spcAft>
+              <a:buNone/>
+            </a:pPr>
             <a:endParaRPr/>
           </a:p>
         </p:txBody>
@@ -788,12 +814,12 @@
 </p:notes>
 </file>
 
-<file path=ppt/notesSlides/notesSlide2.xml><?xml version="1.0" encoding="utf-8"?>
-<p:notes xmlns:a="http://schemas.openxmlformats.org/drawingml/2006/main" xmlns:r="http://schemas.openxmlformats.org/officeDocument/2006/relationships" xmlns:mc="http://schemas.openxmlformats.org/markup-compatibility/2006" xmlns:mv="urn:schemas-microsoft-com:mac:vml" xmlns:p="http://schemas.openxmlformats.org/presentationml/2006/main" xmlns:c="http://schemas.openxmlformats.org/drawingml/2006/chart" xmlns:dgm="http://schemas.openxmlformats.org/drawingml/2006/diagram" xmlns:o="urn:schemas-microsoft-com:office:office" xmlns:v="urn:schemas-microsoft-com:vml" xmlns:pvml="urn:schemas-microsoft-com:office:powerpoint" xmlns:com="http://schemas.openxmlformats.org/drawingml/2006/compatibility" xmlns:p14="http://schemas.microsoft.com/office/powerpoint/2010/main" xmlns:p15="http://schemas.microsoft.com/office/powerpoint/2012/main" xmlns:ahyp="http://schemas.microsoft.com/office/drawing/2018/hyperlinkcolor" showMasterPhAnim="0" showMasterSp="0">
+<file path=ppt/notesSlides/notesSlide10.xml><?xml version="1.0" encoding="utf-8"?>
+<p:notes xmlns:a="http://schemas.openxmlformats.org/drawingml/2006/main" xmlns:r="http://schemas.openxmlformats.org/officeDocument/2006/relationships" xmlns:p="http://schemas.openxmlformats.org/presentationml/2006/main" showMasterSp="0" showMasterPhAnim="0">
   <p:cSld>
     <p:spTree>
       <p:nvGrpSpPr>
-        <p:cNvPr id="56" name="Shape 56"/>
+        <p:cNvPr id="1" name="Shape 112"/>
         <p:cNvGrpSpPr/>
         <p:nvPr/>
       </p:nvGrpSpPr>
@@ -807,10 +833,12 @@
       </p:grpSpPr>
       <p:sp>
         <p:nvSpPr>
-          <p:cNvPr id="57" name="Google Shape;57;g112858de781_1_0:notes"/>
-          <p:cNvSpPr/>
+          <p:cNvPr id="113" name="Google Shape;113;g11e5ab9230f_0_27:notes"/>
+          <p:cNvSpPr>
+            <a:spLocks noGrp="1" noRot="1" noChangeAspect="1"/>
+          </p:cNvSpPr>
           <p:nvPr>
-            <p:ph idx="2" type="sldImg"/>
+            <p:ph type="sldImg" idx="2"/>
           </p:nvPr>
         </p:nvSpPr>
         <p:spPr>
@@ -819,9 +847,13 @@
             <a:ext cx="6096000" cy="3429000"/>
           </a:xfrm>
           <a:custGeom>
-            <a:rect b="b" l="l" r="r" t="t"/>
+            <a:avLst/>
+            <a:gdLst/>
+            <a:ahLst/>
+            <a:cxnLst/>
+            <a:rect l="l" t="t" r="r" b="b"/>
             <a:pathLst>
-              <a:path extrusionOk="0" h="120000" w="120000">
+              <a:path w="120000" h="120000" extrusionOk="0">
                 <a:moveTo>
                   <a:pt x="0" y="0"/>
                 </a:moveTo>
@@ -842,10 +874,12 @@
       </p:sp>
       <p:sp>
         <p:nvSpPr>
-          <p:cNvPr id="58" name="Google Shape;58;g112858de781_1_0:notes"/>
-          <p:cNvSpPr txBox="1"/>
+          <p:cNvPr id="114" name="Google Shape;114;g11e5ab9230f_0_27:notes"/>
+          <p:cNvSpPr txBox="1">
+            <a:spLocks noGrp="1"/>
+          </p:cNvSpPr>
           <p:nvPr>
-            <p:ph idx="1" type="body"/>
+            <p:ph type="body" idx="1"/>
           </p:nvPr>
         </p:nvSpPr>
         <p:spPr>
@@ -858,23 +892,20 @@
           </a:prstGeom>
         </p:spPr>
         <p:txBody>
-          <a:bodyPr anchorCtr="0" anchor="t" bIns="91425" lIns="91425" spcFirstLastPara="1" rIns="91425" wrap="square" tIns="91425">
+          <a:bodyPr spcFirstLastPara="1" wrap="square" lIns="91425" tIns="91425" rIns="91425" bIns="91425" anchor="t" anchorCtr="0">
             <a:noAutofit/>
           </a:bodyPr>
           <a:lstStyle/>
           <a:p>
-            <a:pPr indent="0" lvl="0" marL="0" rtl="0" algn="l">
-              <a:spcBef>
-                <a:spcPts val="0"/>
-              </a:spcBef>
-              <a:spcAft>
-                <a:spcPts val="0"/>
-              </a:spcAft>
-              <a:buNone/>
-            </a:pPr>
-            <a:r>
-              <a:t/>
-            </a:r>
+            <a:pPr marL="0" lvl="0" indent="0" algn="l" rtl="0">
+              <a:spcBef>
+                <a:spcPts val="0"/>
+              </a:spcBef>
+              <a:spcAft>
+                <a:spcPts val="0"/>
+              </a:spcAft>
+              <a:buNone/>
+            </a:pPr>
             <a:endParaRPr/>
           </a:p>
         </p:txBody>
@@ -887,12 +918,12 @@
 </p:notes>
 </file>
 
-<file path=ppt/notesSlides/notesSlide3.xml><?xml version="1.0" encoding="utf-8"?>
-<p:notes xmlns:a="http://schemas.openxmlformats.org/drawingml/2006/main" xmlns:r="http://schemas.openxmlformats.org/officeDocument/2006/relationships" xmlns:mc="http://schemas.openxmlformats.org/markup-compatibility/2006" xmlns:mv="urn:schemas-microsoft-com:mac:vml" xmlns:p="http://schemas.openxmlformats.org/presentationml/2006/main" xmlns:c="http://schemas.openxmlformats.org/drawingml/2006/chart" xmlns:dgm="http://schemas.openxmlformats.org/drawingml/2006/diagram" xmlns:o="urn:schemas-microsoft-com:office:office" xmlns:v="urn:schemas-microsoft-com:vml" xmlns:pvml="urn:schemas-microsoft-com:office:powerpoint" xmlns:com="http://schemas.openxmlformats.org/drawingml/2006/compatibility" xmlns:p14="http://schemas.microsoft.com/office/powerpoint/2010/main" xmlns:p15="http://schemas.microsoft.com/office/powerpoint/2012/main" xmlns:ahyp="http://schemas.microsoft.com/office/drawing/2018/hyperlinkcolor" showMasterPhAnim="0" showMasterSp="0">
+<file path=ppt/notesSlides/notesSlide2.xml><?xml version="1.0" encoding="utf-8"?>
+<p:notes xmlns:a="http://schemas.openxmlformats.org/drawingml/2006/main" xmlns:r="http://schemas.openxmlformats.org/officeDocument/2006/relationships" xmlns:p="http://schemas.openxmlformats.org/presentationml/2006/main" showMasterSp="0" showMasterPhAnim="0">
   <p:cSld>
     <p:spTree>
       <p:nvGrpSpPr>
-        <p:cNvPr id="64" name="Shape 64"/>
+        <p:cNvPr id="1" name="Shape 55"/>
         <p:cNvGrpSpPr/>
         <p:nvPr/>
       </p:nvGrpSpPr>
@@ -906,10 +937,12 @@
       </p:grpSpPr>
       <p:sp>
         <p:nvSpPr>
-          <p:cNvPr id="65" name="Google Shape;65;g112858de781_1_6:notes"/>
-          <p:cNvSpPr/>
+          <p:cNvPr id="56" name="Google Shape;56;g11e5ab9230f_0_5:notes"/>
+          <p:cNvSpPr>
+            <a:spLocks noGrp="1" noRot="1" noChangeAspect="1"/>
+          </p:cNvSpPr>
           <p:nvPr>
-            <p:ph idx="2" type="sldImg"/>
+            <p:ph type="sldImg" idx="2"/>
           </p:nvPr>
         </p:nvSpPr>
         <p:spPr>
@@ -918,9 +951,13 @@
             <a:ext cx="6096000" cy="3429000"/>
           </a:xfrm>
           <a:custGeom>
-            <a:rect b="b" l="l" r="r" t="t"/>
+            <a:avLst/>
+            <a:gdLst/>
+            <a:ahLst/>
+            <a:cxnLst/>
+            <a:rect l="l" t="t" r="r" b="b"/>
             <a:pathLst>
-              <a:path extrusionOk="0" h="120000" w="120000">
+              <a:path w="120000" h="120000" extrusionOk="0">
                 <a:moveTo>
                   <a:pt x="0" y="0"/>
                 </a:moveTo>
@@ -941,10 +978,12 @@
       </p:sp>
       <p:sp>
         <p:nvSpPr>
-          <p:cNvPr id="66" name="Google Shape;66;g112858de781_1_6:notes"/>
-          <p:cNvSpPr txBox="1"/>
+          <p:cNvPr id="57" name="Google Shape;57;g11e5ab9230f_0_5:notes"/>
+          <p:cNvSpPr txBox="1">
+            <a:spLocks noGrp="1"/>
+          </p:cNvSpPr>
           <p:nvPr>
-            <p:ph idx="1" type="body"/>
+            <p:ph type="body" idx="1"/>
           </p:nvPr>
         </p:nvSpPr>
         <p:spPr>
@@ -957,23 +996,20 @@
           </a:prstGeom>
         </p:spPr>
         <p:txBody>
-          <a:bodyPr anchorCtr="0" anchor="t" bIns="91425" lIns="91425" spcFirstLastPara="1" rIns="91425" wrap="square" tIns="91425">
+          <a:bodyPr spcFirstLastPara="1" wrap="square" lIns="91425" tIns="91425" rIns="91425" bIns="91425" anchor="t" anchorCtr="0">
             <a:noAutofit/>
           </a:bodyPr>
           <a:lstStyle/>
           <a:p>
-            <a:pPr indent="0" lvl="0" marL="0" rtl="0" algn="l">
-              <a:spcBef>
-                <a:spcPts val="0"/>
-              </a:spcBef>
-              <a:spcAft>
-                <a:spcPts val="0"/>
-              </a:spcAft>
-              <a:buNone/>
-            </a:pPr>
-            <a:r>
-              <a:t/>
-            </a:r>
+            <a:pPr marL="0" lvl="0" indent="0" algn="l" rtl="0">
+              <a:spcBef>
+                <a:spcPts val="0"/>
+              </a:spcBef>
+              <a:spcAft>
+                <a:spcPts val="0"/>
+              </a:spcAft>
+              <a:buNone/>
+            </a:pPr>
             <a:endParaRPr/>
           </a:p>
         </p:txBody>
@@ -986,12 +1022,12 @@
 </p:notes>
 </file>
 
-<file path=ppt/notesSlides/notesSlide4.xml><?xml version="1.0" encoding="utf-8"?>
-<p:notes xmlns:a="http://schemas.openxmlformats.org/drawingml/2006/main" xmlns:r="http://schemas.openxmlformats.org/officeDocument/2006/relationships" xmlns:mc="http://schemas.openxmlformats.org/markup-compatibility/2006" xmlns:mv="urn:schemas-microsoft-com:mac:vml" xmlns:p="http://schemas.openxmlformats.org/presentationml/2006/main" xmlns:c="http://schemas.openxmlformats.org/drawingml/2006/chart" xmlns:dgm="http://schemas.openxmlformats.org/drawingml/2006/diagram" xmlns:o="urn:schemas-microsoft-com:office:office" xmlns:v="urn:schemas-microsoft-com:vml" xmlns:pvml="urn:schemas-microsoft-com:office:powerpoint" xmlns:com="http://schemas.openxmlformats.org/drawingml/2006/compatibility" xmlns:p14="http://schemas.microsoft.com/office/powerpoint/2010/main" xmlns:p15="http://schemas.microsoft.com/office/powerpoint/2012/main" xmlns:ahyp="http://schemas.microsoft.com/office/drawing/2018/hyperlinkcolor" showMasterPhAnim="0" showMasterSp="0">
+<file path=ppt/notesSlides/notesSlide3.xml><?xml version="1.0" encoding="utf-8"?>
+<p:notes xmlns:a="http://schemas.openxmlformats.org/drawingml/2006/main" xmlns:r="http://schemas.openxmlformats.org/officeDocument/2006/relationships" xmlns:p="http://schemas.openxmlformats.org/presentationml/2006/main" showMasterSp="0" showMasterPhAnim="0">
   <p:cSld>
     <p:spTree>
       <p:nvGrpSpPr>
-        <p:cNvPr id="71" name="Shape 71"/>
+        <p:cNvPr id="1" name="Shape 63"/>
         <p:cNvGrpSpPr/>
         <p:nvPr/>
       </p:nvGrpSpPr>
@@ -1005,10 +1041,12 @@
       </p:grpSpPr>
       <p:sp>
         <p:nvSpPr>
-          <p:cNvPr id="72" name="Google Shape;72;g112858de781_1_11:notes"/>
-          <p:cNvSpPr/>
+          <p:cNvPr id="64" name="Google Shape;64;g11e5ab9230f_0_12:notes"/>
+          <p:cNvSpPr>
+            <a:spLocks noGrp="1" noRot="1" noChangeAspect="1"/>
+          </p:cNvSpPr>
           <p:nvPr>
-            <p:ph idx="2" type="sldImg"/>
+            <p:ph type="sldImg" idx="2"/>
           </p:nvPr>
         </p:nvSpPr>
         <p:spPr>
@@ -1017,9 +1055,13 @@
             <a:ext cx="6096000" cy="3429000"/>
           </a:xfrm>
           <a:custGeom>
-            <a:rect b="b" l="l" r="r" t="t"/>
+            <a:avLst/>
+            <a:gdLst/>
+            <a:ahLst/>
+            <a:cxnLst/>
+            <a:rect l="l" t="t" r="r" b="b"/>
             <a:pathLst>
-              <a:path extrusionOk="0" h="120000" w="120000">
+              <a:path w="120000" h="120000" extrusionOk="0">
                 <a:moveTo>
                   <a:pt x="0" y="0"/>
                 </a:moveTo>
@@ -1040,10 +1082,12 @@
       </p:sp>
       <p:sp>
         <p:nvSpPr>
-          <p:cNvPr id="73" name="Google Shape;73;g112858de781_1_11:notes"/>
-          <p:cNvSpPr txBox="1"/>
+          <p:cNvPr id="65" name="Google Shape;65;g11e5ab9230f_0_12:notes"/>
+          <p:cNvSpPr txBox="1">
+            <a:spLocks noGrp="1"/>
+          </p:cNvSpPr>
           <p:nvPr>
-            <p:ph idx="1" type="body"/>
+            <p:ph type="body" idx="1"/>
           </p:nvPr>
         </p:nvSpPr>
         <p:spPr>
@@ -1056,23 +1100,644 @@
           </a:prstGeom>
         </p:spPr>
         <p:txBody>
-          <a:bodyPr anchorCtr="0" anchor="t" bIns="91425" lIns="91425" spcFirstLastPara="1" rIns="91425" wrap="square" tIns="91425">
+          <a:bodyPr spcFirstLastPara="1" wrap="square" lIns="91425" tIns="91425" rIns="91425" bIns="91425" anchor="t" anchorCtr="0">
             <a:noAutofit/>
           </a:bodyPr>
           <a:lstStyle/>
           <a:p>
-            <a:pPr indent="0" lvl="0" marL="0" rtl="0" algn="l">
-              <a:spcBef>
-                <a:spcPts val="0"/>
-              </a:spcBef>
-              <a:spcAft>
-                <a:spcPts val="0"/>
-              </a:spcAft>
-              <a:buNone/>
-            </a:pPr>
-            <a:r>
-              <a:t/>
-            </a:r>
+            <a:pPr marL="0" lvl="0" indent="0" algn="l" rtl="0">
+              <a:spcBef>
+                <a:spcPts val="0"/>
+              </a:spcBef>
+              <a:spcAft>
+                <a:spcPts val="0"/>
+              </a:spcAft>
+              <a:buNone/>
+            </a:pPr>
+            <a:endParaRPr/>
+          </a:p>
+        </p:txBody>
+      </p:sp>
+    </p:spTree>
+  </p:cSld>
+  <p:clrMapOvr>
+    <a:masterClrMapping/>
+  </p:clrMapOvr>
+</p:notes>
+</file>
+
+<file path=ppt/notesSlides/notesSlide4.xml><?xml version="1.0" encoding="utf-8"?>
+<p:notes xmlns:a="http://schemas.openxmlformats.org/drawingml/2006/main" xmlns:r="http://schemas.openxmlformats.org/officeDocument/2006/relationships" xmlns:p="http://schemas.openxmlformats.org/presentationml/2006/main" showMasterSp="0" showMasterPhAnim="0">
+  <p:cSld>
+    <p:spTree>
+      <p:nvGrpSpPr>
+        <p:cNvPr id="1" name="Shape 70"/>
+        <p:cNvGrpSpPr/>
+        <p:nvPr/>
+      </p:nvGrpSpPr>
+      <p:grpSpPr>
+        <a:xfrm>
+          <a:off x="0" y="0"/>
+          <a:ext cx="0" cy="0"/>
+          <a:chOff x="0" y="0"/>
+          <a:chExt cx="0" cy="0"/>
+        </a:xfrm>
+      </p:grpSpPr>
+      <p:sp>
+        <p:nvSpPr>
+          <p:cNvPr id="71" name="Google Shape;71;g11e5ab9230f_0_19:notes"/>
+          <p:cNvSpPr>
+            <a:spLocks noGrp="1" noRot="1" noChangeAspect="1"/>
+          </p:cNvSpPr>
+          <p:nvPr>
+            <p:ph type="sldImg" idx="2"/>
+          </p:nvPr>
+        </p:nvSpPr>
+        <p:spPr>
+          <a:xfrm>
+            <a:off x="381300" y="685800"/>
+            <a:ext cx="6096000" cy="3429000"/>
+          </a:xfrm>
+          <a:custGeom>
+            <a:avLst/>
+            <a:gdLst/>
+            <a:ahLst/>
+            <a:cxnLst/>
+            <a:rect l="l" t="t" r="r" b="b"/>
+            <a:pathLst>
+              <a:path w="120000" h="120000" extrusionOk="0">
+                <a:moveTo>
+                  <a:pt x="0" y="0"/>
+                </a:moveTo>
+                <a:lnTo>
+                  <a:pt x="120000" y="0"/>
+                </a:lnTo>
+                <a:lnTo>
+                  <a:pt x="120000" y="120000"/>
+                </a:lnTo>
+                <a:lnTo>
+                  <a:pt x="0" y="120000"/>
+                </a:lnTo>
+                <a:close/>
+              </a:path>
+            </a:pathLst>
+          </a:custGeom>
+        </p:spPr>
+      </p:sp>
+      <p:sp>
+        <p:nvSpPr>
+          <p:cNvPr id="72" name="Google Shape;72;g11e5ab9230f_0_19:notes"/>
+          <p:cNvSpPr txBox="1">
+            <a:spLocks noGrp="1"/>
+          </p:cNvSpPr>
+          <p:nvPr>
+            <p:ph type="body" idx="1"/>
+          </p:nvPr>
+        </p:nvSpPr>
+        <p:spPr>
+          <a:xfrm>
+            <a:off x="685800" y="4343400"/>
+            <a:ext cx="5486400" cy="4114800"/>
+          </a:xfrm>
+          <a:prstGeom prst="rect">
+            <a:avLst/>
+          </a:prstGeom>
+        </p:spPr>
+        <p:txBody>
+          <a:bodyPr spcFirstLastPara="1" wrap="square" lIns="91425" tIns="91425" rIns="91425" bIns="91425" anchor="t" anchorCtr="0">
+            <a:noAutofit/>
+          </a:bodyPr>
+          <a:lstStyle/>
+          <a:p>
+            <a:pPr marL="0" lvl="0" indent="0" algn="l" rtl="0">
+              <a:spcBef>
+                <a:spcPts val="0"/>
+              </a:spcBef>
+              <a:spcAft>
+                <a:spcPts val="0"/>
+              </a:spcAft>
+              <a:buNone/>
+            </a:pPr>
+            <a:endParaRPr/>
+          </a:p>
+        </p:txBody>
+      </p:sp>
+    </p:spTree>
+  </p:cSld>
+  <p:clrMapOvr>
+    <a:masterClrMapping/>
+  </p:clrMapOvr>
+</p:notes>
+</file>
+
+<file path=ppt/notesSlides/notesSlide5.xml><?xml version="1.0" encoding="utf-8"?>
+<p:notes xmlns:a="http://schemas.openxmlformats.org/drawingml/2006/main" xmlns:r="http://schemas.openxmlformats.org/officeDocument/2006/relationships" xmlns:p="http://schemas.openxmlformats.org/presentationml/2006/main" showMasterSp="0" showMasterPhAnim="0">
+  <p:cSld>
+    <p:spTree>
+      <p:nvGrpSpPr>
+        <p:cNvPr id="1" name="Shape 77"/>
+        <p:cNvGrpSpPr/>
+        <p:nvPr/>
+      </p:nvGrpSpPr>
+      <p:grpSpPr>
+        <a:xfrm>
+          <a:off x="0" y="0"/>
+          <a:ext cx="0" cy="0"/>
+          <a:chOff x="0" y="0"/>
+          <a:chExt cx="0" cy="0"/>
+        </a:xfrm>
+      </p:grpSpPr>
+      <p:sp>
+        <p:nvSpPr>
+          <p:cNvPr id="78" name="Google Shape;78;g11e5ab9230f_0_64:notes"/>
+          <p:cNvSpPr>
+            <a:spLocks noGrp="1" noRot="1" noChangeAspect="1"/>
+          </p:cNvSpPr>
+          <p:nvPr>
+            <p:ph type="sldImg" idx="2"/>
+          </p:nvPr>
+        </p:nvSpPr>
+        <p:spPr>
+          <a:xfrm>
+            <a:off x="381300" y="685800"/>
+            <a:ext cx="6096000" cy="3429000"/>
+          </a:xfrm>
+          <a:custGeom>
+            <a:avLst/>
+            <a:gdLst/>
+            <a:ahLst/>
+            <a:cxnLst/>
+            <a:rect l="l" t="t" r="r" b="b"/>
+            <a:pathLst>
+              <a:path w="120000" h="120000" extrusionOk="0">
+                <a:moveTo>
+                  <a:pt x="0" y="0"/>
+                </a:moveTo>
+                <a:lnTo>
+                  <a:pt x="120000" y="0"/>
+                </a:lnTo>
+                <a:lnTo>
+                  <a:pt x="120000" y="120000"/>
+                </a:lnTo>
+                <a:lnTo>
+                  <a:pt x="0" y="120000"/>
+                </a:lnTo>
+                <a:close/>
+              </a:path>
+            </a:pathLst>
+          </a:custGeom>
+        </p:spPr>
+      </p:sp>
+      <p:sp>
+        <p:nvSpPr>
+          <p:cNvPr id="79" name="Google Shape;79;g11e5ab9230f_0_64:notes"/>
+          <p:cNvSpPr txBox="1">
+            <a:spLocks noGrp="1"/>
+          </p:cNvSpPr>
+          <p:nvPr>
+            <p:ph type="body" idx="1"/>
+          </p:nvPr>
+        </p:nvSpPr>
+        <p:spPr>
+          <a:xfrm>
+            <a:off x="685800" y="4343400"/>
+            <a:ext cx="5486400" cy="4114800"/>
+          </a:xfrm>
+          <a:prstGeom prst="rect">
+            <a:avLst/>
+          </a:prstGeom>
+        </p:spPr>
+        <p:txBody>
+          <a:bodyPr spcFirstLastPara="1" wrap="square" lIns="91425" tIns="91425" rIns="91425" bIns="91425" anchor="t" anchorCtr="0">
+            <a:noAutofit/>
+          </a:bodyPr>
+          <a:lstStyle/>
+          <a:p>
+            <a:pPr marL="0" lvl="0" indent="0" algn="l" rtl="0">
+              <a:spcBef>
+                <a:spcPts val="0"/>
+              </a:spcBef>
+              <a:spcAft>
+                <a:spcPts val="0"/>
+              </a:spcAft>
+              <a:buNone/>
+            </a:pPr>
+            <a:endParaRPr/>
+          </a:p>
+        </p:txBody>
+      </p:sp>
+    </p:spTree>
+  </p:cSld>
+  <p:clrMapOvr>
+    <a:masterClrMapping/>
+  </p:clrMapOvr>
+</p:notes>
+</file>
+
+<file path=ppt/notesSlides/notesSlide6.xml><?xml version="1.0" encoding="utf-8"?>
+<p:notes xmlns:a="http://schemas.openxmlformats.org/drawingml/2006/main" xmlns:r="http://schemas.openxmlformats.org/officeDocument/2006/relationships" xmlns:p="http://schemas.openxmlformats.org/presentationml/2006/main" showMasterSp="0" showMasterPhAnim="0">
+  <p:cSld>
+    <p:spTree>
+      <p:nvGrpSpPr>
+        <p:cNvPr id="1" name="Shape 84"/>
+        <p:cNvGrpSpPr/>
+        <p:nvPr/>
+      </p:nvGrpSpPr>
+      <p:grpSpPr>
+        <a:xfrm>
+          <a:off x="0" y="0"/>
+          <a:ext cx="0" cy="0"/>
+          <a:chOff x="0" y="0"/>
+          <a:chExt cx="0" cy="0"/>
+        </a:xfrm>
+      </p:grpSpPr>
+      <p:sp>
+        <p:nvSpPr>
+          <p:cNvPr id="85" name="Google Shape;85;g11e5ab9230f_0_48:notes"/>
+          <p:cNvSpPr>
+            <a:spLocks noGrp="1" noRot="1" noChangeAspect="1"/>
+          </p:cNvSpPr>
+          <p:nvPr>
+            <p:ph type="sldImg" idx="2"/>
+          </p:nvPr>
+        </p:nvSpPr>
+        <p:spPr>
+          <a:xfrm>
+            <a:off x="381300" y="685800"/>
+            <a:ext cx="6096000" cy="3429000"/>
+          </a:xfrm>
+          <a:custGeom>
+            <a:avLst/>
+            <a:gdLst/>
+            <a:ahLst/>
+            <a:cxnLst/>
+            <a:rect l="l" t="t" r="r" b="b"/>
+            <a:pathLst>
+              <a:path w="120000" h="120000" extrusionOk="0">
+                <a:moveTo>
+                  <a:pt x="0" y="0"/>
+                </a:moveTo>
+                <a:lnTo>
+                  <a:pt x="120000" y="0"/>
+                </a:lnTo>
+                <a:lnTo>
+                  <a:pt x="120000" y="120000"/>
+                </a:lnTo>
+                <a:lnTo>
+                  <a:pt x="0" y="120000"/>
+                </a:lnTo>
+                <a:close/>
+              </a:path>
+            </a:pathLst>
+          </a:custGeom>
+        </p:spPr>
+      </p:sp>
+      <p:sp>
+        <p:nvSpPr>
+          <p:cNvPr id="86" name="Google Shape;86;g11e5ab9230f_0_48:notes"/>
+          <p:cNvSpPr txBox="1">
+            <a:spLocks noGrp="1"/>
+          </p:cNvSpPr>
+          <p:nvPr>
+            <p:ph type="body" idx="1"/>
+          </p:nvPr>
+        </p:nvSpPr>
+        <p:spPr>
+          <a:xfrm>
+            <a:off x="685800" y="4343400"/>
+            <a:ext cx="5486400" cy="4114800"/>
+          </a:xfrm>
+          <a:prstGeom prst="rect">
+            <a:avLst/>
+          </a:prstGeom>
+        </p:spPr>
+        <p:txBody>
+          <a:bodyPr spcFirstLastPara="1" wrap="square" lIns="91425" tIns="91425" rIns="91425" bIns="91425" anchor="t" anchorCtr="0">
+            <a:noAutofit/>
+          </a:bodyPr>
+          <a:lstStyle/>
+          <a:p>
+            <a:pPr marL="0" lvl="0" indent="0" algn="l" rtl="0">
+              <a:spcBef>
+                <a:spcPts val="0"/>
+              </a:spcBef>
+              <a:spcAft>
+                <a:spcPts val="0"/>
+              </a:spcAft>
+              <a:buNone/>
+            </a:pPr>
+            <a:endParaRPr/>
+          </a:p>
+        </p:txBody>
+      </p:sp>
+    </p:spTree>
+  </p:cSld>
+  <p:clrMapOvr>
+    <a:masterClrMapping/>
+  </p:clrMapOvr>
+</p:notes>
+</file>
+
+<file path=ppt/notesSlides/notesSlide7.xml><?xml version="1.0" encoding="utf-8"?>
+<p:notes xmlns:a="http://schemas.openxmlformats.org/drawingml/2006/main" xmlns:r="http://schemas.openxmlformats.org/officeDocument/2006/relationships" xmlns:p="http://schemas.openxmlformats.org/presentationml/2006/main" showMasterSp="0" showMasterPhAnim="0">
+  <p:cSld>
+    <p:spTree>
+      <p:nvGrpSpPr>
+        <p:cNvPr id="1" name="Shape 91"/>
+        <p:cNvGrpSpPr/>
+        <p:nvPr/>
+      </p:nvGrpSpPr>
+      <p:grpSpPr>
+        <a:xfrm>
+          <a:off x="0" y="0"/>
+          <a:ext cx="0" cy="0"/>
+          <a:chOff x="0" y="0"/>
+          <a:chExt cx="0" cy="0"/>
+        </a:xfrm>
+      </p:grpSpPr>
+      <p:sp>
+        <p:nvSpPr>
+          <p:cNvPr id="92" name="Google Shape;92;g11e5ab9230f_0_33:notes"/>
+          <p:cNvSpPr>
+            <a:spLocks noGrp="1" noRot="1" noChangeAspect="1"/>
+          </p:cNvSpPr>
+          <p:nvPr>
+            <p:ph type="sldImg" idx="2"/>
+          </p:nvPr>
+        </p:nvSpPr>
+        <p:spPr>
+          <a:xfrm>
+            <a:off x="381300" y="685800"/>
+            <a:ext cx="6096000" cy="3429000"/>
+          </a:xfrm>
+          <a:custGeom>
+            <a:avLst/>
+            <a:gdLst/>
+            <a:ahLst/>
+            <a:cxnLst/>
+            <a:rect l="l" t="t" r="r" b="b"/>
+            <a:pathLst>
+              <a:path w="120000" h="120000" extrusionOk="0">
+                <a:moveTo>
+                  <a:pt x="0" y="0"/>
+                </a:moveTo>
+                <a:lnTo>
+                  <a:pt x="120000" y="0"/>
+                </a:lnTo>
+                <a:lnTo>
+                  <a:pt x="120000" y="120000"/>
+                </a:lnTo>
+                <a:lnTo>
+                  <a:pt x="0" y="120000"/>
+                </a:lnTo>
+                <a:close/>
+              </a:path>
+            </a:pathLst>
+          </a:custGeom>
+        </p:spPr>
+      </p:sp>
+      <p:sp>
+        <p:nvSpPr>
+          <p:cNvPr id="93" name="Google Shape;93;g11e5ab9230f_0_33:notes"/>
+          <p:cNvSpPr txBox="1">
+            <a:spLocks noGrp="1"/>
+          </p:cNvSpPr>
+          <p:nvPr>
+            <p:ph type="body" idx="1"/>
+          </p:nvPr>
+        </p:nvSpPr>
+        <p:spPr>
+          <a:xfrm>
+            <a:off x="685800" y="4343400"/>
+            <a:ext cx="5486400" cy="4114800"/>
+          </a:xfrm>
+          <a:prstGeom prst="rect">
+            <a:avLst/>
+          </a:prstGeom>
+        </p:spPr>
+        <p:txBody>
+          <a:bodyPr spcFirstLastPara="1" wrap="square" lIns="91425" tIns="91425" rIns="91425" bIns="91425" anchor="t" anchorCtr="0">
+            <a:noAutofit/>
+          </a:bodyPr>
+          <a:lstStyle/>
+          <a:p>
+            <a:pPr marL="0" lvl="0" indent="0" algn="l" rtl="0">
+              <a:spcBef>
+                <a:spcPts val="0"/>
+              </a:spcBef>
+              <a:spcAft>
+                <a:spcPts val="0"/>
+              </a:spcAft>
+              <a:buNone/>
+            </a:pPr>
+            <a:endParaRPr/>
+          </a:p>
+        </p:txBody>
+      </p:sp>
+    </p:spTree>
+  </p:cSld>
+  <p:clrMapOvr>
+    <a:masterClrMapping/>
+  </p:clrMapOvr>
+</p:notes>
+</file>
+
+<file path=ppt/notesSlides/notesSlide8.xml><?xml version="1.0" encoding="utf-8"?>
+<p:notes xmlns:a="http://schemas.openxmlformats.org/drawingml/2006/main" xmlns:r="http://schemas.openxmlformats.org/officeDocument/2006/relationships" xmlns:p="http://schemas.openxmlformats.org/presentationml/2006/main" showMasterSp="0" showMasterPhAnim="0">
+  <p:cSld>
+    <p:spTree>
+      <p:nvGrpSpPr>
+        <p:cNvPr id="1" name="Shape 98"/>
+        <p:cNvGrpSpPr/>
+        <p:nvPr/>
+      </p:nvGrpSpPr>
+      <p:grpSpPr>
+        <a:xfrm>
+          <a:off x="0" y="0"/>
+          <a:ext cx="0" cy="0"/>
+          <a:chOff x="0" y="0"/>
+          <a:chExt cx="0" cy="0"/>
+        </a:xfrm>
+      </p:grpSpPr>
+      <p:sp>
+        <p:nvSpPr>
+          <p:cNvPr id="99" name="Google Shape;99;g11e5ab9230f_0_43:notes"/>
+          <p:cNvSpPr>
+            <a:spLocks noGrp="1" noRot="1" noChangeAspect="1"/>
+          </p:cNvSpPr>
+          <p:nvPr>
+            <p:ph type="sldImg" idx="2"/>
+          </p:nvPr>
+        </p:nvSpPr>
+        <p:spPr>
+          <a:xfrm>
+            <a:off x="381300" y="685800"/>
+            <a:ext cx="6096000" cy="3429000"/>
+          </a:xfrm>
+          <a:custGeom>
+            <a:avLst/>
+            <a:gdLst/>
+            <a:ahLst/>
+            <a:cxnLst/>
+            <a:rect l="l" t="t" r="r" b="b"/>
+            <a:pathLst>
+              <a:path w="120000" h="120000" extrusionOk="0">
+                <a:moveTo>
+                  <a:pt x="0" y="0"/>
+                </a:moveTo>
+                <a:lnTo>
+                  <a:pt x="120000" y="0"/>
+                </a:lnTo>
+                <a:lnTo>
+                  <a:pt x="120000" y="120000"/>
+                </a:lnTo>
+                <a:lnTo>
+                  <a:pt x="0" y="120000"/>
+                </a:lnTo>
+                <a:close/>
+              </a:path>
+            </a:pathLst>
+          </a:custGeom>
+        </p:spPr>
+      </p:sp>
+      <p:sp>
+        <p:nvSpPr>
+          <p:cNvPr id="100" name="Google Shape;100;g11e5ab9230f_0_43:notes"/>
+          <p:cNvSpPr txBox="1">
+            <a:spLocks noGrp="1"/>
+          </p:cNvSpPr>
+          <p:nvPr>
+            <p:ph type="body" idx="1"/>
+          </p:nvPr>
+        </p:nvSpPr>
+        <p:spPr>
+          <a:xfrm>
+            <a:off x="685800" y="4343400"/>
+            <a:ext cx="5486400" cy="4114800"/>
+          </a:xfrm>
+          <a:prstGeom prst="rect">
+            <a:avLst/>
+          </a:prstGeom>
+        </p:spPr>
+        <p:txBody>
+          <a:bodyPr spcFirstLastPara="1" wrap="square" lIns="91425" tIns="91425" rIns="91425" bIns="91425" anchor="t" anchorCtr="0">
+            <a:noAutofit/>
+          </a:bodyPr>
+          <a:lstStyle/>
+          <a:p>
+            <a:pPr marL="0" lvl="0" indent="0" algn="l" rtl="0">
+              <a:spcBef>
+                <a:spcPts val="0"/>
+              </a:spcBef>
+              <a:spcAft>
+                <a:spcPts val="0"/>
+              </a:spcAft>
+              <a:buNone/>
+            </a:pPr>
+            <a:endParaRPr/>
+          </a:p>
+        </p:txBody>
+      </p:sp>
+    </p:spTree>
+  </p:cSld>
+  <p:clrMapOvr>
+    <a:masterClrMapping/>
+  </p:clrMapOvr>
+</p:notes>
+</file>
+
+<file path=ppt/notesSlides/notesSlide9.xml><?xml version="1.0" encoding="utf-8"?>
+<p:notes xmlns:a="http://schemas.openxmlformats.org/drawingml/2006/main" xmlns:r="http://schemas.openxmlformats.org/officeDocument/2006/relationships" xmlns:p="http://schemas.openxmlformats.org/presentationml/2006/main" showMasterSp="0" showMasterPhAnim="0">
+  <p:cSld>
+    <p:spTree>
+      <p:nvGrpSpPr>
+        <p:cNvPr id="1" name="Shape 105"/>
+        <p:cNvGrpSpPr/>
+        <p:nvPr/>
+      </p:nvGrpSpPr>
+      <p:grpSpPr>
+        <a:xfrm>
+          <a:off x="0" y="0"/>
+          <a:ext cx="0" cy="0"/>
+          <a:chOff x="0" y="0"/>
+          <a:chExt cx="0" cy="0"/>
+        </a:xfrm>
+      </p:grpSpPr>
+      <p:sp>
+        <p:nvSpPr>
+          <p:cNvPr id="106" name="Google Shape;106;g11e5ab9230f_0_58:notes"/>
+          <p:cNvSpPr>
+            <a:spLocks noGrp="1" noRot="1" noChangeAspect="1"/>
+          </p:cNvSpPr>
+          <p:nvPr>
+            <p:ph type="sldImg" idx="2"/>
+          </p:nvPr>
+        </p:nvSpPr>
+        <p:spPr>
+          <a:xfrm>
+            <a:off x="381000" y="685800"/>
+            <a:ext cx="6096000" cy="3429000"/>
+          </a:xfrm>
+          <a:custGeom>
+            <a:avLst/>
+            <a:gdLst/>
+            <a:ahLst/>
+            <a:cxnLst/>
+            <a:rect l="l" t="t" r="r" b="b"/>
+            <a:pathLst>
+              <a:path w="120000" h="120000" extrusionOk="0">
+                <a:moveTo>
+                  <a:pt x="0" y="0"/>
+                </a:moveTo>
+                <a:lnTo>
+                  <a:pt x="120000" y="0"/>
+                </a:lnTo>
+                <a:lnTo>
+                  <a:pt x="120000" y="120000"/>
+                </a:lnTo>
+                <a:lnTo>
+                  <a:pt x="0" y="120000"/>
+                </a:lnTo>
+                <a:close/>
+              </a:path>
+            </a:pathLst>
+          </a:custGeom>
+        </p:spPr>
+      </p:sp>
+      <p:sp>
+        <p:nvSpPr>
+          <p:cNvPr id="107" name="Google Shape;107;g11e5ab9230f_0_58:notes"/>
+          <p:cNvSpPr txBox="1">
+            <a:spLocks noGrp="1"/>
+          </p:cNvSpPr>
+          <p:nvPr>
+            <p:ph type="body" idx="1"/>
+          </p:nvPr>
+        </p:nvSpPr>
+        <p:spPr>
+          <a:xfrm>
+            <a:off x="685800" y="4343400"/>
+            <a:ext cx="5486400" cy="4114800"/>
+          </a:xfrm>
+          <a:prstGeom prst="rect">
+            <a:avLst/>
+          </a:prstGeom>
+        </p:spPr>
+        <p:txBody>
+          <a:bodyPr spcFirstLastPara="1" wrap="square" lIns="91425" tIns="91425" rIns="91425" bIns="91425" anchor="t" anchorCtr="0">
+            <a:noAutofit/>
+          </a:bodyPr>
+          <a:lstStyle/>
+          <a:p>
+            <a:pPr marL="0" lvl="0" indent="0" algn="l" rtl="0">
+              <a:spcBef>
+                <a:spcPts val="0"/>
+              </a:spcBef>
+              <a:spcAft>
+                <a:spcPts val="0"/>
+              </a:spcAft>
+              <a:buNone/>
+            </a:pPr>
             <a:endParaRPr/>
           </a:p>
         </p:txBody>
@@ -1086,11 +1751,11 @@
 </file>
 
 <file path=ppt/slideLayouts/slideLayout1.xml><?xml version="1.0" encoding="utf-8"?>
-<p:sldLayout xmlns:a="http://schemas.openxmlformats.org/drawingml/2006/main" xmlns:r="http://schemas.openxmlformats.org/officeDocument/2006/relationships" xmlns:mc="http://schemas.openxmlformats.org/markup-compatibility/2006" xmlns:mv="urn:schemas-microsoft-com:mac:vml" xmlns:p="http://schemas.openxmlformats.org/presentationml/2006/main" xmlns:c="http://schemas.openxmlformats.org/drawingml/2006/chart" xmlns:dgm="http://schemas.openxmlformats.org/drawingml/2006/diagram" xmlns:o="urn:schemas-microsoft-com:office:office" xmlns:v="urn:schemas-microsoft-com:vml" xmlns:pvml="urn:schemas-microsoft-com:office:powerpoint" xmlns:com="http://schemas.openxmlformats.org/drawingml/2006/compatibility" xmlns:p14="http://schemas.microsoft.com/office/powerpoint/2010/main" xmlns:p15="http://schemas.microsoft.com/office/powerpoint/2012/main" xmlns:ahyp="http://schemas.microsoft.com/office/drawing/2018/hyperlinkcolor" matchingName="Title slide" type="title">
+<p:sldLayout xmlns:a="http://schemas.openxmlformats.org/drawingml/2006/main" xmlns:r="http://schemas.openxmlformats.org/officeDocument/2006/relationships" xmlns:p="http://schemas.openxmlformats.org/presentationml/2006/main" matchingName="Title slide" type="title">
   <p:cSld name="TITLE">
     <p:spTree>
       <p:nvGrpSpPr>
-        <p:cNvPr id="9" name="Shape 9"/>
+        <p:cNvPr id="1" name="Shape 9"/>
         <p:cNvGrpSpPr/>
         <p:nvPr/>
       </p:nvGrpSpPr>
@@ -1105,7 +1770,9 @@
       <p:sp>
         <p:nvSpPr>
           <p:cNvPr id="10" name="Google Shape;10;p2"/>
-          <p:cNvSpPr txBox="1"/>
+          <p:cNvSpPr txBox="1">
+            <a:spLocks noGrp="1"/>
+          </p:cNvSpPr>
           <p:nvPr>
             <p:ph type="ctrTitle"/>
           </p:nvPr>
@@ -1120,7 +1787,7 @@
           </a:prstGeom>
         </p:spPr>
         <p:txBody>
-          <a:bodyPr anchorCtr="0" anchor="b" bIns="91425" lIns="91425" spcFirstLastPara="1" rIns="91425" wrap="square" tIns="91425">
+          <a:bodyPr spcFirstLastPara="1" wrap="square" lIns="91425" tIns="91425" rIns="91425" bIns="91425" anchor="b" anchorCtr="0">
             <a:normAutofit/>
           </a:bodyPr>
           <a:lstStyle>
@@ -1224,15 +1891,19 @@
               <a:defRPr sz="5200"/>
             </a:lvl9pPr>
           </a:lstStyle>
-          <a:p/>
+          <a:p>
+            <a:endParaRPr/>
+          </a:p>
         </p:txBody>
       </p:sp>
       <p:sp>
         <p:nvSpPr>
           <p:cNvPr id="11" name="Google Shape;11;p2"/>
-          <p:cNvSpPr txBox="1"/>
+          <p:cNvSpPr txBox="1">
+            <a:spLocks noGrp="1"/>
+          </p:cNvSpPr>
           <p:nvPr>
-            <p:ph idx="1" type="subTitle"/>
+            <p:ph type="subTitle" idx="1"/>
           </p:nvPr>
         </p:nvSpPr>
         <p:spPr>
@@ -1245,7 +1916,7 @@
           </a:prstGeom>
         </p:spPr>
         <p:txBody>
-          <a:bodyPr anchorCtr="0" anchor="t" bIns="91425" lIns="91425" spcFirstLastPara="1" rIns="91425" wrap="square" tIns="91425">
+          <a:bodyPr spcFirstLastPara="1" wrap="square" lIns="91425" tIns="91425" rIns="91425" bIns="91425" anchor="t" anchorCtr="0">
             <a:normAutofit/>
           </a:bodyPr>
           <a:lstStyle>
@@ -1376,15 +2047,19 @@
               <a:defRPr sz="2800"/>
             </a:lvl9pPr>
           </a:lstStyle>
-          <a:p/>
+          <a:p>
+            <a:endParaRPr/>
+          </a:p>
         </p:txBody>
       </p:sp>
       <p:sp>
         <p:nvSpPr>
           <p:cNvPr id="12" name="Google Shape;12;p2"/>
-          <p:cNvSpPr txBox="1"/>
+          <p:cNvSpPr txBox="1">
+            <a:spLocks noGrp="1"/>
+          </p:cNvSpPr>
           <p:nvPr>
-            <p:ph idx="12" type="sldNum"/>
+            <p:ph type="sldNum" idx="12"/>
           </p:nvPr>
         </p:nvSpPr>
         <p:spPr>
@@ -1397,7 +2072,7 @@
           </a:prstGeom>
         </p:spPr>
         <p:txBody>
-          <a:bodyPr anchorCtr="0" anchor="ctr" bIns="91425" lIns="91425" spcFirstLastPara="1" rIns="91425" wrap="square" tIns="91425">
+          <a:bodyPr spcFirstLastPara="1" wrap="square" lIns="91425" tIns="91425" rIns="91425" bIns="91425" anchor="ctr" anchorCtr="0">
             <a:normAutofit/>
           </a:bodyPr>
           <a:lstStyle>
@@ -1439,7 +2114,7 @@
             </a:lvl9pPr>
           </a:lstStyle>
           <a:p>
-            <a:pPr indent="0" lvl="0" marL="0" rtl="0" algn="r">
+            <a:pPr marL="0" lvl="0" indent="0" algn="r" rtl="0">
               <a:spcBef>
                 <a:spcPts val="0"/>
               </a:spcBef>
@@ -1465,11 +2140,11 @@
 </file>
 
 <file path=ppt/slideLayouts/slideLayout10.xml><?xml version="1.0" encoding="utf-8"?>
-<p:sldLayout xmlns:a="http://schemas.openxmlformats.org/drawingml/2006/main" xmlns:r="http://schemas.openxmlformats.org/officeDocument/2006/relationships" xmlns:mc="http://schemas.openxmlformats.org/markup-compatibility/2006" xmlns:mv="urn:schemas-microsoft-com:mac:vml" xmlns:p="http://schemas.openxmlformats.org/presentationml/2006/main" xmlns:c="http://schemas.openxmlformats.org/drawingml/2006/chart" xmlns:dgm="http://schemas.openxmlformats.org/drawingml/2006/diagram" xmlns:o="urn:schemas-microsoft-com:office:office" xmlns:v="urn:schemas-microsoft-com:vml" xmlns:pvml="urn:schemas-microsoft-com:office:powerpoint" xmlns:com="http://schemas.openxmlformats.org/drawingml/2006/compatibility" xmlns:p14="http://schemas.microsoft.com/office/powerpoint/2010/main" xmlns:p15="http://schemas.microsoft.com/office/powerpoint/2012/main" xmlns:ahyp="http://schemas.microsoft.com/office/drawing/2018/hyperlinkcolor" matchingName="Big number">
+<p:sldLayout xmlns:a="http://schemas.openxmlformats.org/drawingml/2006/main" xmlns:r="http://schemas.openxmlformats.org/officeDocument/2006/relationships" xmlns:p="http://schemas.openxmlformats.org/presentationml/2006/main" matchingName="Big number">
   <p:cSld name="BIG_NUMBER">
     <p:spTree>
       <p:nvGrpSpPr>
-        <p:cNvPr id="44" name="Shape 44"/>
+        <p:cNvPr id="1" name="Shape 44"/>
         <p:cNvGrpSpPr/>
         <p:nvPr/>
       </p:nvGrpSpPr>
@@ -1484,9 +2159,11 @@
       <p:sp>
         <p:nvSpPr>
           <p:cNvPr id="45" name="Google Shape;45;p11"/>
-          <p:cNvSpPr txBox="1"/>
+          <p:cNvSpPr txBox="1">
+            <a:spLocks noGrp="1"/>
+          </p:cNvSpPr>
           <p:nvPr>
-            <p:ph hasCustomPrompt="1" type="title"/>
+            <p:ph type="title" hasCustomPrompt="1"/>
           </p:nvPr>
         </p:nvSpPr>
         <p:spPr>
@@ -1499,7 +2176,7 @@
           </a:prstGeom>
         </p:spPr>
         <p:txBody>
-          <a:bodyPr anchorCtr="0" anchor="b" bIns="91425" lIns="91425" spcFirstLastPara="1" rIns="91425" wrap="square" tIns="91425">
+          <a:bodyPr spcFirstLastPara="1" wrap="square" lIns="91425" tIns="91425" rIns="91425" bIns="91425" anchor="b" anchorCtr="0">
             <a:normAutofit/>
           </a:bodyPr>
           <a:lstStyle>
@@ -1613,9 +2290,11 @@
       <p:sp>
         <p:nvSpPr>
           <p:cNvPr id="46" name="Google Shape;46;p11"/>
-          <p:cNvSpPr txBox="1"/>
+          <p:cNvSpPr txBox="1">
+            <a:spLocks noGrp="1"/>
+          </p:cNvSpPr>
           <p:nvPr>
-            <p:ph idx="1" type="body"/>
+            <p:ph type="body" idx="1"/>
           </p:nvPr>
         </p:nvSpPr>
         <p:spPr>
@@ -1628,11 +2307,11 @@
           </a:prstGeom>
         </p:spPr>
         <p:txBody>
-          <a:bodyPr anchorCtr="0" anchor="t" bIns="91425" lIns="91425" spcFirstLastPara="1" rIns="91425" wrap="square" tIns="91425">
+          <a:bodyPr spcFirstLastPara="1" wrap="square" lIns="91425" tIns="91425" rIns="91425" bIns="91425" anchor="t" anchorCtr="0">
             <a:normAutofit/>
           </a:bodyPr>
           <a:lstStyle>
-            <a:lvl1pPr indent="-342900" lvl="0" marL="457200" algn="ctr">
+            <a:lvl1pPr marL="457200" lvl="0" indent="-342900" algn="ctr">
               <a:spcBef>
                 <a:spcPts val="0"/>
               </a:spcBef>
@@ -1643,7 +2322,7 @@
               <a:buChar char="●"/>
               <a:defRPr/>
             </a:lvl1pPr>
-            <a:lvl2pPr indent="-317500" lvl="1" marL="914400" algn="ctr">
+            <a:lvl2pPr marL="914400" lvl="1" indent="-317500" algn="ctr">
               <a:spcBef>
                 <a:spcPts val="0"/>
               </a:spcBef>
@@ -1654,7 +2333,7 @@
               <a:buChar char="○"/>
               <a:defRPr/>
             </a:lvl2pPr>
-            <a:lvl3pPr indent="-317500" lvl="2" marL="1371600" algn="ctr">
+            <a:lvl3pPr marL="1371600" lvl="2" indent="-317500" algn="ctr">
               <a:spcBef>
                 <a:spcPts val="0"/>
               </a:spcBef>
@@ -1665,7 +2344,7 @@
               <a:buChar char="■"/>
               <a:defRPr/>
             </a:lvl3pPr>
-            <a:lvl4pPr indent="-317500" lvl="3" marL="1828800" algn="ctr">
+            <a:lvl4pPr marL="1828800" lvl="3" indent="-317500" algn="ctr">
               <a:spcBef>
                 <a:spcPts val="0"/>
               </a:spcBef>
@@ -1676,7 +2355,7 @@
               <a:buChar char="●"/>
               <a:defRPr/>
             </a:lvl4pPr>
-            <a:lvl5pPr indent="-317500" lvl="4" marL="2286000" algn="ctr">
+            <a:lvl5pPr marL="2286000" lvl="4" indent="-317500" algn="ctr">
               <a:spcBef>
                 <a:spcPts val="0"/>
               </a:spcBef>
@@ -1687,7 +2366,7 @@
               <a:buChar char="○"/>
               <a:defRPr/>
             </a:lvl5pPr>
-            <a:lvl6pPr indent="-317500" lvl="5" marL="2743200" algn="ctr">
+            <a:lvl6pPr marL="2743200" lvl="5" indent="-317500" algn="ctr">
               <a:spcBef>
                 <a:spcPts val="0"/>
               </a:spcBef>
@@ -1698,7 +2377,7 @@
               <a:buChar char="■"/>
               <a:defRPr/>
             </a:lvl6pPr>
-            <a:lvl7pPr indent="-317500" lvl="6" marL="3200400" algn="ctr">
+            <a:lvl7pPr marL="3200400" lvl="6" indent="-317500" algn="ctr">
               <a:spcBef>
                 <a:spcPts val="0"/>
               </a:spcBef>
@@ -1709,7 +2388,7 @@
               <a:buChar char="●"/>
               <a:defRPr/>
             </a:lvl7pPr>
-            <a:lvl8pPr indent="-317500" lvl="7" marL="3657600" algn="ctr">
+            <a:lvl8pPr marL="3657600" lvl="7" indent="-317500" algn="ctr">
               <a:spcBef>
                 <a:spcPts val="0"/>
               </a:spcBef>
@@ -1720,7 +2399,7 @@
               <a:buChar char="○"/>
               <a:defRPr/>
             </a:lvl8pPr>
-            <a:lvl9pPr indent="-317500" lvl="8" marL="4114800" algn="ctr">
+            <a:lvl9pPr marL="4114800" lvl="8" indent="-317500" algn="ctr">
               <a:spcBef>
                 <a:spcPts val="0"/>
               </a:spcBef>
@@ -1732,15 +2411,19 @@
               <a:defRPr/>
             </a:lvl9pPr>
           </a:lstStyle>
-          <a:p/>
+          <a:p>
+            <a:endParaRPr/>
+          </a:p>
         </p:txBody>
       </p:sp>
       <p:sp>
         <p:nvSpPr>
           <p:cNvPr id="47" name="Google Shape;47;p11"/>
-          <p:cNvSpPr txBox="1"/>
+          <p:cNvSpPr txBox="1">
+            <a:spLocks noGrp="1"/>
+          </p:cNvSpPr>
           <p:nvPr>
-            <p:ph idx="12" type="sldNum"/>
+            <p:ph type="sldNum" idx="12"/>
           </p:nvPr>
         </p:nvSpPr>
         <p:spPr>
@@ -1753,7 +2436,7 @@
           </a:prstGeom>
         </p:spPr>
         <p:txBody>
-          <a:bodyPr anchorCtr="0" anchor="ctr" bIns="91425" lIns="91425" spcFirstLastPara="1" rIns="91425" wrap="square" tIns="91425">
+          <a:bodyPr spcFirstLastPara="1" wrap="square" lIns="91425" tIns="91425" rIns="91425" bIns="91425" anchor="ctr" anchorCtr="0">
             <a:normAutofit/>
           </a:bodyPr>
           <a:lstStyle>
@@ -1795,7 +2478,7 @@
             </a:lvl9pPr>
           </a:lstStyle>
           <a:p>
-            <a:pPr indent="0" lvl="0" marL="0" rtl="0" algn="r">
+            <a:pPr marL="0" lvl="0" indent="0" algn="r" rtl="0">
               <a:spcBef>
                 <a:spcPts val="0"/>
               </a:spcBef>
@@ -1821,11 +2504,11 @@
 </file>
 
 <file path=ppt/slideLayouts/slideLayout11.xml><?xml version="1.0" encoding="utf-8"?>
-<p:sldLayout xmlns:a="http://schemas.openxmlformats.org/drawingml/2006/main" xmlns:r="http://schemas.openxmlformats.org/officeDocument/2006/relationships" xmlns:mc="http://schemas.openxmlformats.org/markup-compatibility/2006" xmlns:mv="urn:schemas-microsoft-com:mac:vml" xmlns:p="http://schemas.openxmlformats.org/presentationml/2006/main" xmlns:c="http://schemas.openxmlformats.org/drawingml/2006/chart" xmlns:dgm="http://schemas.openxmlformats.org/drawingml/2006/diagram" xmlns:o="urn:schemas-microsoft-com:office:office" xmlns:v="urn:schemas-microsoft-com:vml" xmlns:pvml="urn:schemas-microsoft-com:office:powerpoint" xmlns:com="http://schemas.openxmlformats.org/drawingml/2006/compatibility" xmlns:p14="http://schemas.microsoft.com/office/powerpoint/2010/main" xmlns:p15="http://schemas.microsoft.com/office/powerpoint/2012/main" xmlns:ahyp="http://schemas.microsoft.com/office/drawing/2018/hyperlinkcolor" matchingName="Blank" type="blank">
+<p:sldLayout xmlns:a="http://schemas.openxmlformats.org/drawingml/2006/main" xmlns:r="http://schemas.openxmlformats.org/officeDocument/2006/relationships" xmlns:p="http://schemas.openxmlformats.org/presentationml/2006/main" matchingName="Blank" type="blank">
   <p:cSld name="BLANK">
     <p:spTree>
       <p:nvGrpSpPr>
-        <p:cNvPr id="48" name="Shape 48"/>
+        <p:cNvPr id="1" name="Shape 48"/>
         <p:cNvGrpSpPr/>
         <p:nvPr/>
       </p:nvGrpSpPr>
@@ -1840,9 +2523,11 @@
       <p:sp>
         <p:nvSpPr>
           <p:cNvPr id="49" name="Google Shape;49;p12"/>
-          <p:cNvSpPr txBox="1"/>
+          <p:cNvSpPr txBox="1">
+            <a:spLocks noGrp="1"/>
+          </p:cNvSpPr>
           <p:nvPr>
-            <p:ph idx="12" type="sldNum"/>
+            <p:ph type="sldNum" idx="12"/>
           </p:nvPr>
         </p:nvSpPr>
         <p:spPr>
@@ -1855,7 +2540,7 @@
           </a:prstGeom>
         </p:spPr>
         <p:txBody>
-          <a:bodyPr anchorCtr="0" anchor="ctr" bIns="91425" lIns="91425" spcFirstLastPara="1" rIns="91425" wrap="square" tIns="91425">
+          <a:bodyPr spcFirstLastPara="1" wrap="square" lIns="91425" tIns="91425" rIns="91425" bIns="91425" anchor="ctr" anchorCtr="0">
             <a:normAutofit/>
           </a:bodyPr>
           <a:lstStyle>
@@ -1897,7 +2582,7 @@
             </a:lvl9pPr>
           </a:lstStyle>
           <a:p>
-            <a:pPr indent="0" lvl="0" marL="0" rtl="0" algn="r">
+            <a:pPr marL="0" lvl="0" indent="0" algn="r" rtl="0">
               <a:spcBef>
                 <a:spcPts val="0"/>
               </a:spcBef>
@@ -1923,11 +2608,11 @@
 </file>
 
 <file path=ppt/slideLayouts/slideLayout2.xml><?xml version="1.0" encoding="utf-8"?>
-<p:sldLayout xmlns:a="http://schemas.openxmlformats.org/drawingml/2006/main" xmlns:r="http://schemas.openxmlformats.org/officeDocument/2006/relationships" xmlns:mc="http://schemas.openxmlformats.org/markup-compatibility/2006" xmlns:mv="urn:schemas-microsoft-com:mac:vml" xmlns:p="http://schemas.openxmlformats.org/presentationml/2006/main" xmlns:c="http://schemas.openxmlformats.org/drawingml/2006/chart" xmlns:dgm="http://schemas.openxmlformats.org/drawingml/2006/diagram" xmlns:o="urn:schemas-microsoft-com:office:office" xmlns:v="urn:schemas-microsoft-com:vml" xmlns:pvml="urn:schemas-microsoft-com:office:powerpoint" xmlns:com="http://schemas.openxmlformats.org/drawingml/2006/compatibility" xmlns:p14="http://schemas.microsoft.com/office/powerpoint/2010/main" xmlns:p15="http://schemas.microsoft.com/office/powerpoint/2012/main" xmlns:ahyp="http://schemas.microsoft.com/office/drawing/2018/hyperlinkcolor" matchingName="Section header" type="secHead">
+<p:sldLayout xmlns:a="http://schemas.openxmlformats.org/drawingml/2006/main" xmlns:r="http://schemas.openxmlformats.org/officeDocument/2006/relationships" xmlns:p="http://schemas.openxmlformats.org/presentationml/2006/main" matchingName="Section header" type="secHead">
   <p:cSld name="SECTION_HEADER">
     <p:spTree>
       <p:nvGrpSpPr>
-        <p:cNvPr id="13" name="Shape 13"/>
+        <p:cNvPr id="1" name="Shape 13"/>
         <p:cNvGrpSpPr/>
         <p:nvPr/>
       </p:nvGrpSpPr>
@@ -1942,7 +2627,9 @@
       <p:sp>
         <p:nvSpPr>
           <p:cNvPr id="14" name="Google Shape;14;p3"/>
-          <p:cNvSpPr txBox="1"/>
+          <p:cNvSpPr txBox="1">
+            <a:spLocks noGrp="1"/>
+          </p:cNvSpPr>
           <p:nvPr>
             <p:ph type="title"/>
           </p:nvPr>
@@ -1957,7 +2644,7 @@
           </a:prstGeom>
         </p:spPr>
         <p:txBody>
-          <a:bodyPr anchorCtr="0" anchor="ctr" bIns="91425" lIns="91425" spcFirstLastPara="1" rIns="91425" wrap="square" tIns="91425">
+          <a:bodyPr spcFirstLastPara="1" wrap="square" lIns="91425" tIns="91425" rIns="91425" bIns="91425" anchor="ctr" anchorCtr="0">
             <a:normAutofit/>
           </a:bodyPr>
           <a:lstStyle>
@@ -2061,15 +2748,19 @@
               <a:defRPr sz="3600"/>
             </a:lvl9pPr>
           </a:lstStyle>
-          <a:p/>
+          <a:p>
+            <a:endParaRPr/>
+          </a:p>
         </p:txBody>
       </p:sp>
       <p:sp>
         <p:nvSpPr>
           <p:cNvPr id="15" name="Google Shape;15;p3"/>
-          <p:cNvSpPr txBox="1"/>
+          <p:cNvSpPr txBox="1">
+            <a:spLocks noGrp="1"/>
+          </p:cNvSpPr>
           <p:nvPr>
-            <p:ph idx="12" type="sldNum"/>
+            <p:ph type="sldNum" idx="12"/>
           </p:nvPr>
         </p:nvSpPr>
         <p:spPr>
@@ -2082,7 +2773,7 @@
           </a:prstGeom>
         </p:spPr>
         <p:txBody>
-          <a:bodyPr anchorCtr="0" anchor="ctr" bIns="91425" lIns="91425" spcFirstLastPara="1" rIns="91425" wrap="square" tIns="91425">
+          <a:bodyPr spcFirstLastPara="1" wrap="square" lIns="91425" tIns="91425" rIns="91425" bIns="91425" anchor="ctr" anchorCtr="0">
             <a:normAutofit/>
           </a:bodyPr>
           <a:lstStyle>
@@ -2124,7 +2815,7 @@
             </a:lvl9pPr>
           </a:lstStyle>
           <a:p>
-            <a:pPr indent="0" lvl="0" marL="0" rtl="0" algn="r">
+            <a:pPr marL="0" lvl="0" indent="0" algn="r" rtl="0">
               <a:spcBef>
                 <a:spcPts val="0"/>
               </a:spcBef>
@@ -2150,11 +2841,11 @@
 </file>
 
 <file path=ppt/slideLayouts/slideLayout3.xml><?xml version="1.0" encoding="utf-8"?>
-<p:sldLayout xmlns:a="http://schemas.openxmlformats.org/drawingml/2006/main" xmlns:r="http://schemas.openxmlformats.org/officeDocument/2006/relationships" xmlns:mc="http://schemas.openxmlformats.org/markup-compatibility/2006" xmlns:mv="urn:schemas-microsoft-com:mac:vml" xmlns:p="http://schemas.openxmlformats.org/presentationml/2006/main" xmlns:c="http://schemas.openxmlformats.org/drawingml/2006/chart" xmlns:dgm="http://schemas.openxmlformats.org/drawingml/2006/diagram" xmlns:o="urn:schemas-microsoft-com:office:office" xmlns:v="urn:schemas-microsoft-com:vml" xmlns:pvml="urn:schemas-microsoft-com:office:powerpoint" xmlns:com="http://schemas.openxmlformats.org/drawingml/2006/compatibility" xmlns:p14="http://schemas.microsoft.com/office/powerpoint/2010/main" xmlns:p15="http://schemas.microsoft.com/office/powerpoint/2012/main" xmlns:ahyp="http://schemas.microsoft.com/office/drawing/2018/hyperlinkcolor" matchingName="Title and body" type="tx">
+<p:sldLayout xmlns:a="http://schemas.openxmlformats.org/drawingml/2006/main" xmlns:r="http://schemas.openxmlformats.org/officeDocument/2006/relationships" xmlns:p="http://schemas.openxmlformats.org/presentationml/2006/main" matchingName="Title and body" type="tx">
   <p:cSld name="TITLE_AND_BODY">
     <p:spTree>
       <p:nvGrpSpPr>
-        <p:cNvPr id="16" name="Shape 16"/>
+        <p:cNvPr id="1" name="Shape 16"/>
         <p:cNvGrpSpPr/>
         <p:nvPr/>
       </p:nvGrpSpPr>
@@ -2169,7 +2860,9 @@
       <p:sp>
         <p:nvSpPr>
           <p:cNvPr id="17" name="Google Shape;17;p4"/>
-          <p:cNvSpPr txBox="1"/>
+          <p:cNvSpPr txBox="1">
+            <a:spLocks noGrp="1"/>
+          </p:cNvSpPr>
           <p:nvPr>
             <p:ph type="title"/>
           </p:nvPr>
@@ -2184,7 +2877,7 @@
           </a:prstGeom>
         </p:spPr>
         <p:txBody>
-          <a:bodyPr anchorCtr="0" anchor="t" bIns="91425" lIns="91425" spcFirstLastPara="1" rIns="91425" wrap="square" tIns="91425">
+          <a:bodyPr spcFirstLastPara="1" wrap="square" lIns="91425" tIns="91425" rIns="91425" bIns="91425" anchor="t" anchorCtr="0">
             <a:normAutofit/>
           </a:bodyPr>
           <a:lstStyle>
@@ -2288,15 +2981,19 @@
               <a:defRPr/>
             </a:lvl9pPr>
           </a:lstStyle>
-          <a:p/>
+          <a:p>
+            <a:endParaRPr/>
+          </a:p>
         </p:txBody>
       </p:sp>
       <p:sp>
         <p:nvSpPr>
           <p:cNvPr id="18" name="Google Shape;18;p4"/>
-          <p:cNvSpPr txBox="1"/>
+          <p:cNvSpPr txBox="1">
+            <a:spLocks noGrp="1"/>
+          </p:cNvSpPr>
           <p:nvPr>
-            <p:ph idx="1" type="body"/>
+            <p:ph type="body" idx="1"/>
           </p:nvPr>
         </p:nvSpPr>
         <p:spPr>
@@ -2309,11 +3006,11 @@
           </a:prstGeom>
         </p:spPr>
         <p:txBody>
-          <a:bodyPr anchorCtr="0" anchor="t" bIns="91425" lIns="91425" spcFirstLastPara="1" rIns="91425" wrap="square" tIns="91425">
+          <a:bodyPr spcFirstLastPara="1" wrap="square" lIns="91425" tIns="91425" rIns="91425" bIns="91425" anchor="t" anchorCtr="0">
             <a:normAutofit/>
           </a:bodyPr>
           <a:lstStyle>
-            <a:lvl1pPr indent="-342900" lvl="0" marL="457200">
+            <a:lvl1pPr marL="457200" lvl="0" indent="-342900">
               <a:spcBef>
                 <a:spcPts val="0"/>
               </a:spcBef>
@@ -2324,7 +3021,7 @@
               <a:buChar char="●"/>
               <a:defRPr/>
             </a:lvl1pPr>
-            <a:lvl2pPr indent="-317500" lvl="1" marL="914400">
+            <a:lvl2pPr marL="914400" lvl="1" indent="-317500">
               <a:spcBef>
                 <a:spcPts val="0"/>
               </a:spcBef>
@@ -2335,7 +3032,7 @@
               <a:buChar char="○"/>
               <a:defRPr/>
             </a:lvl2pPr>
-            <a:lvl3pPr indent="-317500" lvl="2" marL="1371600">
+            <a:lvl3pPr marL="1371600" lvl="2" indent="-317500">
               <a:spcBef>
                 <a:spcPts val="0"/>
               </a:spcBef>
@@ -2346,7 +3043,7 @@
               <a:buChar char="■"/>
               <a:defRPr/>
             </a:lvl3pPr>
-            <a:lvl4pPr indent="-317500" lvl="3" marL="1828800">
+            <a:lvl4pPr marL="1828800" lvl="3" indent="-317500">
               <a:spcBef>
                 <a:spcPts val="0"/>
               </a:spcBef>
@@ -2357,7 +3054,7 @@
               <a:buChar char="●"/>
               <a:defRPr/>
             </a:lvl4pPr>
-            <a:lvl5pPr indent="-317500" lvl="4" marL="2286000">
+            <a:lvl5pPr marL="2286000" lvl="4" indent="-317500">
               <a:spcBef>
                 <a:spcPts val="0"/>
               </a:spcBef>
@@ -2368,7 +3065,7 @@
               <a:buChar char="○"/>
               <a:defRPr/>
             </a:lvl5pPr>
-            <a:lvl6pPr indent="-317500" lvl="5" marL="2743200">
+            <a:lvl6pPr marL="2743200" lvl="5" indent="-317500">
               <a:spcBef>
                 <a:spcPts val="0"/>
               </a:spcBef>
@@ -2379,7 +3076,7 @@
               <a:buChar char="■"/>
               <a:defRPr/>
             </a:lvl6pPr>
-            <a:lvl7pPr indent="-317500" lvl="6" marL="3200400">
+            <a:lvl7pPr marL="3200400" lvl="6" indent="-317500">
               <a:spcBef>
                 <a:spcPts val="0"/>
               </a:spcBef>
@@ -2390,7 +3087,7 @@
               <a:buChar char="●"/>
               <a:defRPr/>
             </a:lvl7pPr>
-            <a:lvl8pPr indent="-317500" lvl="7" marL="3657600">
+            <a:lvl8pPr marL="3657600" lvl="7" indent="-317500">
               <a:spcBef>
                 <a:spcPts val="0"/>
               </a:spcBef>
@@ -2401,7 +3098,7 @@
               <a:buChar char="○"/>
               <a:defRPr/>
             </a:lvl8pPr>
-            <a:lvl9pPr indent="-317500" lvl="8" marL="4114800">
+            <a:lvl9pPr marL="4114800" lvl="8" indent="-317500">
               <a:spcBef>
                 <a:spcPts val="0"/>
               </a:spcBef>
@@ -2413,15 +3110,19 @@
               <a:defRPr/>
             </a:lvl9pPr>
           </a:lstStyle>
-          <a:p/>
+          <a:p>
+            <a:endParaRPr/>
+          </a:p>
         </p:txBody>
       </p:sp>
       <p:sp>
         <p:nvSpPr>
           <p:cNvPr id="19" name="Google Shape;19;p4"/>
-          <p:cNvSpPr txBox="1"/>
+          <p:cNvSpPr txBox="1">
+            <a:spLocks noGrp="1"/>
+          </p:cNvSpPr>
           <p:nvPr>
-            <p:ph idx="12" type="sldNum"/>
+            <p:ph type="sldNum" idx="12"/>
           </p:nvPr>
         </p:nvSpPr>
         <p:spPr>
@@ -2434,7 +3135,7 @@
           </a:prstGeom>
         </p:spPr>
         <p:txBody>
-          <a:bodyPr anchorCtr="0" anchor="ctr" bIns="91425" lIns="91425" spcFirstLastPara="1" rIns="91425" wrap="square" tIns="91425">
+          <a:bodyPr spcFirstLastPara="1" wrap="square" lIns="91425" tIns="91425" rIns="91425" bIns="91425" anchor="ctr" anchorCtr="0">
             <a:normAutofit/>
           </a:bodyPr>
           <a:lstStyle>
@@ -2476,7 +3177,7 @@
             </a:lvl9pPr>
           </a:lstStyle>
           <a:p>
-            <a:pPr indent="0" lvl="0" marL="0" rtl="0" algn="r">
+            <a:pPr marL="0" lvl="0" indent="0" algn="r" rtl="0">
               <a:spcBef>
                 <a:spcPts val="0"/>
               </a:spcBef>
@@ -2502,11 +3203,11 @@
 </file>
 
 <file path=ppt/slideLayouts/slideLayout4.xml><?xml version="1.0" encoding="utf-8"?>
-<p:sldLayout xmlns:a="http://schemas.openxmlformats.org/drawingml/2006/main" xmlns:r="http://schemas.openxmlformats.org/officeDocument/2006/relationships" xmlns:mc="http://schemas.openxmlformats.org/markup-compatibility/2006" xmlns:mv="urn:schemas-microsoft-com:mac:vml" xmlns:p="http://schemas.openxmlformats.org/presentationml/2006/main" xmlns:c="http://schemas.openxmlformats.org/drawingml/2006/chart" xmlns:dgm="http://schemas.openxmlformats.org/drawingml/2006/diagram" xmlns:o="urn:schemas-microsoft-com:office:office" xmlns:v="urn:schemas-microsoft-com:vml" xmlns:pvml="urn:schemas-microsoft-com:office:powerpoint" xmlns:com="http://schemas.openxmlformats.org/drawingml/2006/compatibility" xmlns:p14="http://schemas.microsoft.com/office/powerpoint/2010/main" xmlns:p15="http://schemas.microsoft.com/office/powerpoint/2012/main" xmlns:ahyp="http://schemas.microsoft.com/office/drawing/2018/hyperlinkcolor" matchingName="Title and two columns" type="twoColTx">
+<p:sldLayout xmlns:a="http://schemas.openxmlformats.org/drawingml/2006/main" xmlns:r="http://schemas.openxmlformats.org/officeDocument/2006/relationships" xmlns:p="http://schemas.openxmlformats.org/presentationml/2006/main" matchingName="Title and two columns" type="twoColTx">
   <p:cSld name="TITLE_AND_TWO_COLUMNS">
     <p:spTree>
       <p:nvGrpSpPr>
-        <p:cNvPr id="20" name="Shape 20"/>
+        <p:cNvPr id="1" name="Shape 20"/>
         <p:cNvGrpSpPr/>
         <p:nvPr/>
       </p:nvGrpSpPr>
@@ -2521,7 +3222,9 @@
       <p:sp>
         <p:nvSpPr>
           <p:cNvPr id="21" name="Google Shape;21;p5"/>
-          <p:cNvSpPr txBox="1"/>
+          <p:cNvSpPr txBox="1">
+            <a:spLocks noGrp="1"/>
+          </p:cNvSpPr>
           <p:nvPr>
             <p:ph type="title"/>
           </p:nvPr>
@@ -2536,7 +3239,7 @@
           </a:prstGeom>
         </p:spPr>
         <p:txBody>
-          <a:bodyPr anchorCtr="0" anchor="t" bIns="91425" lIns="91425" spcFirstLastPara="1" rIns="91425" wrap="square" tIns="91425">
+          <a:bodyPr spcFirstLastPara="1" wrap="square" lIns="91425" tIns="91425" rIns="91425" bIns="91425" anchor="t" anchorCtr="0">
             <a:normAutofit/>
           </a:bodyPr>
           <a:lstStyle>
@@ -2640,15 +3343,19 @@
               <a:defRPr/>
             </a:lvl9pPr>
           </a:lstStyle>
-          <a:p/>
+          <a:p>
+            <a:endParaRPr/>
+          </a:p>
         </p:txBody>
       </p:sp>
       <p:sp>
         <p:nvSpPr>
           <p:cNvPr id="22" name="Google Shape;22;p5"/>
-          <p:cNvSpPr txBox="1"/>
+          <p:cNvSpPr txBox="1">
+            <a:spLocks noGrp="1"/>
+          </p:cNvSpPr>
           <p:nvPr>
-            <p:ph idx="1" type="body"/>
+            <p:ph type="body" idx="1"/>
           </p:nvPr>
         </p:nvSpPr>
         <p:spPr>
@@ -2661,11 +3368,11 @@
           </a:prstGeom>
         </p:spPr>
         <p:txBody>
-          <a:bodyPr anchorCtr="0" anchor="t" bIns="91425" lIns="91425" spcFirstLastPara="1" rIns="91425" wrap="square" tIns="91425">
+          <a:bodyPr spcFirstLastPara="1" wrap="square" lIns="91425" tIns="91425" rIns="91425" bIns="91425" anchor="t" anchorCtr="0">
             <a:normAutofit/>
           </a:bodyPr>
           <a:lstStyle>
-            <a:lvl1pPr indent="-317500" lvl="0" marL="457200">
+            <a:lvl1pPr marL="457200" lvl="0" indent="-317500">
               <a:spcBef>
                 <a:spcPts val="0"/>
               </a:spcBef>
@@ -2676,7 +3383,7 @@
               <a:buChar char="●"/>
               <a:defRPr sz="1400"/>
             </a:lvl1pPr>
-            <a:lvl2pPr indent="-304800" lvl="1" marL="914400">
+            <a:lvl2pPr marL="914400" lvl="1" indent="-304800">
               <a:spcBef>
                 <a:spcPts val="0"/>
               </a:spcBef>
@@ -2687,7 +3394,7 @@
               <a:buChar char="○"/>
               <a:defRPr sz="1200"/>
             </a:lvl2pPr>
-            <a:lvl3pPr indent="-304800" lvl="2" marL="1371600">
+            <a:lvl3pPr marL="1371600" lvl="2" indent="-304800">
               <a:spcBef>
                 <a:spcPts val="0"/>
               </a:spcBef>
@@ -2698,7 +3405,7 @@
               <a:buChar char="■"/>
               <a:defRPr sz="1200"/>
             </a:lvl3pPr>
-            <a:lvl4pPr indent="-304800" lvl="3" marL="1828800">
+            <a:lvl4pPr marL="1828800" lvl="3" indent="-304800">
               <a:spcBef>
                 <a:spcPts val="0"/>
               </a:spcBef>
@@ -2709,7 +3416,7 @@
               <a:buChar char="●"/>
               <a:defRPr sz="1200"/>
             </a:lvl4pPr>
-            <a:lvl5pPr indent="-304800" lvl="4" marL="2286000">
+            <a:lvl5pPr marL="2286000" lvl="4" indent="-304800">
               <a:spcBef>
                 <a:spcPts val="0"/>
               </a:spcBef>
@@ -2720,7 +3427,7 @@
               <a:buChar char="○"/>
               <a:defRPr sz="1200"/>
             </a:lvl5pPr>
-            <a:lvl6pPr indent="-304800" lvl="5" marL="2743200">
+            <a:lvl6pPr marL="2743200" lvl="5" indent="-304800">
               <a:spcBef>
                 <a:spcPts val="0"/>
               </a:spcBef>
@@ -2731,7 +3438,7 @@
               <a:buChar char="■"/>
               <a:defRPr sz="1200"/>
             </a:lvl6pPr>
-            <a:lvl7pPr indent="-304800" lvl="6" marL="3200400">
+            <a:lvl7pPr marL="3200400" lvl="6" indent="-304800">
               <a:spcBef>
                 <a:spcPts val="0"/>
               </a:spcBef>
@@ -2742,7 +3449,7 @@
               <a:buChar char="●"/>
               <a:defRPr sz="1200"/>
             </a:lvl7pPr>
-            <a:lvl8pPr indent="-304800" lvl="7" marL="3657600">
+            <a:lvl8pPr marL="3657600" lvl="7" indent="-304800">
               <a:spcBef>
                 <a:spcPts val="0"/>
               </a:spcBef>
@@ -2753,7 +3460,7 @@
               <a:buChar char="○"/>
               <a:defRPr sz="1200"/>
             </a:lvl8pPr>
-            <a:lvl9pPr indent="-304800" lvl="8" marL="4114800">
+            <a:lvl9pPr marL="4114800" lvl="8" indent="-304800">
               <a:spcBef>
                 <a:spcPts val="0"/>
               </a:spcBef>
@@ -2765,15 +3472,19 @@
               <a:defRPr sz="1200"/>
             </a:lvl9pPr>
           </a:lstStyle>
-          <a:p/>
+          <a:p>
+            <a:endParaRPr/>
+          </a:p>
         </p:txBody>
       </p:sp>
       <p:sp>
         <p:nvSpPr>
           <p:cNvPr id="23" name="Google Shape;23;p5"/>
-          <p:cNvSpPr txBox="1"/>
+          <p:cNvSpPr txBox="1">
+            <a:spLocks noGrp="1"/>
+          </p:cNvSpPr>
           <p:nvPr>
-            <p:ph idx="2" type="body"/>
+            <p:ph type="body" idx="2"/>
           </p:nvPr>
         </p:nvSpPr>
         <p:spPr>
@@ -2786,11 +3497,11 @@
           </a:prstGeom>
         </p:spPr>
         <p:txBody>
-          <a:bodyPr anchorCtr="0" anchor="t" bIns="91425" lIns="91425" spcFirstLastPara="1" rIns="91425" wrap="square" tIns="91425">
+          <a:bodyPr spcFirstLastPara="1" wrap="square" lIns="91425" tIns="91425" rIns="91425" bIns="91425" anchor="t" anchorCtr="0">
             <a:normAutofit/>
           </a:bodyPr>
           <a:lstStyle>
-            <a:lvl1pPr indent="-317500" lvl="0" marL="457200">
+            <a:lvl1pPr marL="457200" lvl="0" indent="-317500">
               <a:spcBef>
                 <a:spcPts val="0"/>
               </a:spcBef>
@@ -2801,7 +3512,7 @@
               <a:buChar char="●"/>
               <a:defRPr sz="1400"/>
             </a:lvl1pPr>
-            <a:lvl2pPr indent="-304800" lvl="1" marL="914400">
+            <a:lvl2pPr marL="914400" lvl="1" indent="-304800">
               <a:spcBef>
                 <a:spcPts val="0"/>
               </a:spcBef>
@@ -2812,7 +3523,7 @@
               <a:buChar char="○"/>
               <a:defRPr sz="1200"/>
             </a:lvl2pPr>
-            <a:lvl3pPr indent="-304800" lvl="2" marL="1371600">
+            <a:lvl3pPr marL="1371600" lvl="2" indent="-304800">
               <a:spcBef>
                 <a:spcPts val="0"/>
               </a:spcBef>
@@ -2823,7 +3534,7 @@
               <a:buChar char="■"/>
               <a:defRPr sz="1200"/>
             </a:lvl3pPr>
-            <a:lvl4pPr indent="-304800" lvl="3" marL="1828800">
+            <a:lvl4pPr marL="1828800" lvl="3" indent="-304800">
               <a:spcBef>
                 <a:spcPts val="0"/>
               </a:spcBef>
@@ -2834,7 +3545,7 @@
               <a:buChar char="●"/>
               <a:defRPr sz="1200"/>
             </a:lvl4pPr>
-            <a:lvl5pPr indent="-304800" lvl="4" marL="2286000">
+            <a:lvl5pPr marL="2286000" lvl="4" indent="-304800">
               <a:spcBef>
                 <a:spcPts val="0"/>
               </a:spcBef>
@@ -2845,7 +3556,7 @@
               <a:buChar char="○"/>
               <a:defRPr sz="1200"/>
             </a:lvl5pPr>
-            <a:lvl6pPr indent="-304800" lvl="5" marL="2743200">
+            <a:lvl6pPr marL="2743200" lvl="5" indent="-304800">
               <a:spcBef>
                 <a:spcPts val="0"/>
               </a:spcBef>
@@ -2856,7 +3567,7 @@
               <a:buChar char="■"/>
               <a:defRPr sz="1200"/>
             </a:lvl6pPr>
-            <a:lvl7pPr indent="-304800" lvl="6" marL="3200400">
+            <a:lvl7pPr marL="3200400" lvl="6" indent="-304800">
               <a:spcBef>
                 <a:spcPts val="0"/>
               </a:spcBef>
@@ -2867,7 +3578,7 @@
               <a:buChar char="●"/>
               <a:defRPr sz="1200"/>
             </a:lvl7pPr>
-            <a:lvl8pPr indent="-304800" lvl="7" marL="3657600">
+            <a:lvl8pPr marL="3657600" lvl="7" indent="-304800">
               <a:spcBef>
                 <a:spcPts val="0"/>
               </a:spcBef>
@@ -2878,7 +3589,7 @@
               <a:buChar char="○"/>
               <a:defRPr sz="1200"/>
             </a:lvl8pPr>
-            <a:lvl9pPr indent="-304800" lvl="8" marL="4114800">
+            <a:lvl9pPr marL="4114800" lvl="8" indent="-304800">
               <a:spcBef>
                 <a:spcPts val="0"/>
               </a:spcBef>
@@ -2890,15 +3601,19 @@
               <a:defRPr sz="1200"/>
             </a:lvl9pPr>
           </a:lstStyle>
-          <a:p/>
+          <a:p>
+            <a:endParaRPr/>
+          </a:p>
         </p:txBody>
       </p:sp>
       <p:sp>
         <p:nvSpPr>
           <p:cNvPr id="24" name="Google Shape;24;p5"/>
-          <p:cNvSpPr txBox="1"/>
+          <p:cNvSpPr txBox="1">
+            <a:spLocks noGrp="1"/>
+          </p:cNvSpPr>
           <p:nvPr>
-            <p:ph idx="12" type="sldNum"/>
+            <p:ph type="sldNum" idx="12"/>
           </p:nvPr>
         </p:nvSpPr>
         <p:spPr>
@@ -2911,7 +3626,7 @@
           </a:prstGeom>
         </p:spPr>
         <p:txBody>
-          <a:bodyPr anchorCtr="0" anchor="ctr" bIns="91425" lIns="91425" spcFirstLastPara="1" rIns="91425" wrap="square" tIns="91425">
+          <a:bodyPr spcFirstLastPara="1" wrap="square" lIns="91425" tIns="91425" rIns="91425" bIns="91425" anchor="ctr" anchorCtr="0">
             <a:normAutofit/>
           </a:bodyPr>
           <a:lstStyle>
@@ -2953,7 +3668,7 @@
             </a:lvl9pPr>
           </a:lstStyle>
           <a:p>
-            <a:pPr indent="0" lvl="0" marL="0" rtl="0" algn="r">
+            <a:pPr marL="0" lvl="0" indent="0" algn="r" rtl="0">
               <a:spcBef>
                 <a:spcPts val="0"/>
               </a:spcBef>
@@ -2979,11 +3694,11 @@
 </file>
 
 <file path=ppt/slideLayouts/slideLayout5.xml><?xml version="1.0" encoding="utf-8"?>
-<p:sldLayout xmlns:a="http://schemas.openxmlformats.org/drawingml/2006/main" xmlns:r="http://schemas.openxmlformats.org/officeDocument/2006/relationships" xmlns:mc="http://schemas.openxmlformats.org/markup-compatibility/2006" xmlns:mv="urn:schemas-microsoft-com:mac:vml" xmlns:p="http://schemas.openxmlformats.org/presentationml/2006/main" xmlns:c="http://schemas.openxmlformats.org/drawingml/2006/chart" xmlns:dgm="http://schemas.openxmlformats.org/drawingml/2006/diagram" xmlns:o="urn:schemas-microsoft-com:office:office" xmlns:v="urn:schemas-microsoft-com:vml" xmlns:pvml="urn:schemas-microsoft-com:office:powerpoint" xmlns:com="http://schemas.openxmlformats.org/drawingml/2006/compatibility" xmlns:p14="http://schemas.microsoft.com/office/powerpoint/2010/main" xmlns:p15="http://schemas.microsoft.com/office/powerpoint/2012/main" xmlns:ahyp="http://schemas.microsoft.com/office/drawing/2018/hyperlinkcolor" matchingName="Title only" type="titleOnly">
+<p:sldLayout xmlns:a="http://schemas.openxmlformats.org/drawingml/2006/main" xmlns:r="http://schemas.openxmlformats.org/officeDocument/2006/relationships" xmlns:p="http://schemas.openxmlformats.org/presentationml/2006/main" matchingName="Title only" type="titleOnly">
   <p:cSld name="TITLE_ONLY">
     <p:spTree>
       <p:nvGrpSpPr>
-        <p:cNvPr id="25" name="Shape 25"/>
+        <p:cNvPr id="1" name="Shape 25"/>
         <p:cNvGrpSpPr/>
         <p:nvPr/>
       </p:nvGrpSpPr>
@@ -2998,7 +3713,9 @@
       <p:sp>
         <p:nvSpPr>
           <p:cNvPr id="26" name="Google Shape;26;p6"/>
-          <p:cNvSpPr txBox="1"/>
+          <p:cNvSpPr txBox="1">
+            <a:spLocks noGrp="1"/>
+          </p:cNvSpPr>
           <p:nvPr>
             <p:ph type="title"/>
           </p:nvPr>
@@ -3013,7 +3730,7 @@
           </a:prstGeom>
         </p:spPr>
         <p:txBody>
-          <a:bodyPr anchorCtr="0" anchor="t" bIns="91425" lIns="91425" spcFirstLastPara="1" rIns="91425" wrap="square" tIns="91425">
+          <a:bodyPr spcFirstLastPara="1" wrap="square" lIns="91425" tIns="91425" rIns="91425" bIns="91425" anchor="t" anchorCtr="0">
             <a:normAutofit/>
           </a:bodyPr>
           <a:lstStyle>
@@ -3117,15 +3834,19 @@
               <a:defRPr/>
             </a:lvl9pPr>
           </a:lstStyle>
-          <a:p/>
+          <a:p>
+            <a:endParaRPr/>
+          </a:p>
         </p:txBody>
       </p:sp>
       <p:sp>
         <p:nvSpPr>
           <p:cNvPr id="27" name="Google Shape;27;p6"/>
-          <p:cNvSpPr txBox="1"/>
+          <p:cNvSpPr txBox="1">
+            <a:spLocks noGrp="1"/>
+          </p:cNvSpPr>
           <p:nvPr>
-            <p:ph idx="12" type="sldNum"/>
+            <p:ph type="sldNum" idx="12"/>
           </p:nvPr>
         </p:nvSpPr>
         <p:spPr>
@@ -3138,7 +3859,7 @@
           </a:prstGeom>
         </p:spPr>
         <p:txBody>
-          <a:bodyPr anchorCtr="0" anchor="ctr" bIns="91425" lIns="91425" spcFirstLastPara="1" rIns="91425" wrap="square" tIns="91425">
+          <a:bodyPr spcFirstLastPara="1" wrap="square" lIns="91425" tIns="91425" rIns="91425" bIns="91425" anchor="ctr" anchorCtr="0">
             <a:normAutofit/>
           </a:bodyPr>
           <a:lstStyle>
@@ -3180,7 +3901,7 @@
             </a:lvl9pPr>
           </a:lstStyle>
           <a:p>
-            <a:pPr indent="0" lvl="0" marL="0" rtl="0" algn="r">
+            <a:pPr marL="0" lvl="0" indent="0" algn="r" rtl="0">
               <a:spcBef>
                 <a:spcPts val="0"/>
               </a:spcBef>
@@ -3206,11 +3927,11 @@
 </file>
 
 <file path=ppt/slideLayouts/slideLayout6.xml><?xml version="1.0" encoding="utf-8"?>
-<p:sldLayout xmlns:a="http://schemas.openxmlformats.org/drawingml/2006/main" xmlns:r="http://schemas.openxmlformats.org/officeDocument/2006/relationships" xmlns:mc="http://schemas.openxmlformats.org/markup-compatibility/2006" xmlns:mv="urn:schemas-microsoft-com:mac:vml" xmlns:p="http://schemas.openxmlformats.org/presentationml/2006/main" xmlns:c="http://schemas.openxmlformats.org/drawingml/2006/chart" xmlns:dgm="http://schemas.openxmlformats.org/drawingml/2006/diagram" xmlns:o="urn:schemas-microsoft-com:office:office" xmlns:v="urn:schemas-microsoft-com:vml" xmlns:pvml="urn:schemas-microsoft-com:office:powerpoint" xmlns:com="http://schemas.openxmlformats.org/drawingml/2006/compatibility" xmlns:p14="http://schemas.microsoft.com/office/powerpoint/2010/main" xmlns:p15="http://schemas.microsoft.com/office/powerpoint/2012/main" xmlns:ahyp="http://schemas.microsoft.com/office/drawing/2018/hyperlinkcolor" matchingName="One column text">
+<p:sldLayout xmlns:a="http://schemas.openxmlformats.org/drawingml/2006/main" xmlns:r="http://schemas.openxmlformats.org/officeDocument/2006/relationships" xmlns:p="http://schemas.openxmlformats.org/presentationml/2006/main" matchingName="One column text">
   <p:cSld name="ONE_COLUMN_TEXT">
     <p:spTree>
       <p:nvGrpSpPr>
-        <p:cNvPr id="28" name="Shape 28"/>
+        <p:cNvPr id="1" name="Shape 28"/>
         <p:cNvGrpSpPr/>
         <p:nvPr/>
       </p:nvGrpSpPr>
@@ -3225,7 +3946,9 @@
       <p:sp>
         <p:nvSpPr>
           <p:cNvPr id="29" name="Google Shape;29;p7"/>
-          <p:cNvSpPr txBox="1"/>
+          <p:cNvSpPr txBox="1">
+            <a:spLocks noGrp="1"/>
+          </p:cNvSpPr>
           <p:nvPr>
             <p:ph type="title"/>
           </p:nvPr>
@@ -3240,7 +3963,7 @@
           </a:prstGeom>
         </p:spPr>
         <p:txBody>
-          <a:bodyPr anchorCtr="0" anchor="b" bIns="91425" lIns="91425" spcFirstLastPara="1" rIns="91425" wrap="square" tIns="91425">
+          <a:bodyPr spcFirstLastPara="1" wrap="square" lIns="91425" tIns="91425" rIns="91425" bIns="91425" anchor="b" anchorCtr="0">
             <a:normAutofit/>
           </a:bodyPr>
           <a:lstStyle>
@@ -3344,15 +4067,19 @@
               <a:defRPr sz="2400"/>
             </a:lvl9pPr>
           </a:lstStyle>
-          <a:p/>
+          <a:p>
+            <a:endParaRPr/>
+          </a:p>
         </p:txBody>
       </p:sp>
       <p:sp>
         <p:nvSpPr>
           <p:cNvPr id="30" name="Google Shape;30;p7"/>
-          <p:cNvSpPr txBox="1"/>
+          <p:cNvSpPr txBox="1">
+            <a:spLocks noGrp="1"/>
+          </p:cNvSpPr>
           <p:nvPr>
-            <p:ph idx="1" type="body"/>
+            <p:ph type="body" idx="1"/>
           </p:nvPr>
         </p:nvSpPr>
         <p:spPr>
@@ -3365,11 +4092,11 @@
           </a:prstGeom>
         </p:spPr>
         <p:txBody>
-          <a:bodyPr anchorCtr="0" anchor="t" bIns="91425" lIns="91425" spcFirstLastPara="1" rIns="91425" wrap="square" tIns="91425">
+          <a:bodyPr spcFirstLastPara="1" wrap="square" lIns="91425" tIns="91425" rIns="91425" bIns="91425" anchor="t" anchorCtr="0">
             <a:normAutofit/>
           </a:bodyPr>
           <a:lstStyle>
-            <a:lvl1pPr indent="-304800" lvl="0" marL="457200">
+            <a:lvl1pPr marL="457200" lvl="0" indent="-304800">
               <a:spcBef>
                 <a:spcPts val="0"/>
               </a:spcBef>
@@ -3380,7 +4107,7 @@
               <a:buChar char="●"/>
               <a:defRPr sz="1200"/>
             </a:lvl1pPr>
-            <a:lvl2pPr indent="-304800" lvl="1" marL="914400">
+            <a:lvl2pPr marL="914400" lvl="1" indent="-304800">
               <a:spcBef>
                 <a:spcPts val="0"/>
               </a:spcBef>
@@ -3391,7 +4118,7 @@
               <a:buChar char="○"/>
               <a:defRPr sz="1200"/>
             </a:lvl2pPr>
-            <a:lvl3pPr indent="-304800" lvl="2" marL="1371600">
+            <a:lvl3pPr marL="1371600" lvl="2" indent="-304800">
               <a:spcBef>
                 <a:spcPts val="0"/>
               </a:spcBef>
@@ -3402,7 +4129,7 @@
               <a:buChar char="■"/>
               <a:defRPr sz="1200"/>
             </a:lvl3pPr>
-            <a:lvl4pPr indent="-304800" lvl="3" marL="1828800">
+            <a:lvl4pPr marL="1828800" lvl="3" indent="-304800">
               <a:spcBef>
                 <a:spcPts val="0"/>
               </a:spcBef>
@@ -3413,7 +4140,7 @@
               <a:buChar char="●"/>
               <a:defRPr sz="1200"/>
             </a:lvl4pPr>
-            <a:lvl5pPr indent="-304800" lvl="4" marL="2286000">
+            <a:lvl5pPr marL="2286000" lvl="4" indent="-304800">
               <a:spcBef>
                 <a:spcPts val="0"/>
               </a:spcBef>
@@ -3424,7 +4151,7 @@
               <a:buChar char="○"/>
               <a:defRPr sz="1200"/>
             </a:lvl5pPr>
-            <a:lvl6pPr indent="-304800" lvl="5" marL="2743200">
+            <a:lvl6pPr marL="2743200" lvl="5" indent="-304800">
               <a:spcBef>
                 <a:spcPts val="0"/>
               </a:spcBef>
@@ -3435,7 +4162,7 @@
               <a:buChar char="■"/>
               <a:defRPr sz="1200"/>
             </a:lvl6pPr>
-            <a:lvl7pPr indent="-304800" lvl="6" marL="3200400">
+            <a:lvl7pPr marL="3200400" lvl="6" indent="-304800">
               <a:spcBef>
                 <a:spcPts val="0"/>
               </a:spcBef>
@@ -3446,7 +4173,7 @@
               <a:buChar char="●"/>
               <a:defRPr sz="1200"/>
             </a:lvl7pPr>
-            <a:lvl8pPr indent="-304800" lvl="7" marL="3657600">
+            <a:lvl8pPr marL="3657600" lvl="7" indent="-304800">
               <a:spcBef>
                 <a:spcPts val="0"/>
               </a:spcBef>
@@ -3457,7 +4184,7 @@
               <a:buChar char="○"/>
               <a:defRPr sz="1200"/>
             </a:lvl8pPr>
-            <a:lvl9pPr indent="-304800" lvl="8" marL="4114800">
+            <a:lvl9pPr marL="4114800" lvl="8" indent="-304800">
               <a:spcBef>
                 <a:spcPts val="0"/>
               </a:spcBef>
@@ -3469,15 +4196,19 @@
               <a:defRPr sz="1200"/>
             </a:lvl9pPr>
           </a:lstStyle>
-          <a:p/>
+          <a:p>
+            <a:endParaRPr/>
+          </a:p>
         </p:txBody>
       </p:sp>
       <p:sp>
         <p:nvSpPr>
           <p:cNvPr id="31" name="Google Shape;31;p7"/>
-          <p:cNvSpPr txBox="1"/>
+          <p:cNvSpPr txBox="1">
+            <a:spLocks noGrp="1"/>
+          </p:cNvSpPr>
           <p:nvPr>
-            <p:ph idx="12" type="sldNum"/>
+            <p:ph type="sldNum" idx="12"/>
           </p:nvPr>
         </p:nvSpPr>
         <p:spPr>
@@ -3490,7 +4221,7 @@
           </a:prstGeom>
         </p:spPr>
         <p:txBody>
-          <a:bodyPr anchorCtr="0" anchor="ctr" bIns="91425" lIns="91425" spcFirstLastPara="1" rIns="91425" wrap="square" tIns="91425">
+          <a:bodyPr spcFirstLastPara="1" wrap="square" lIns="91425" tIns="91425" rIns="91425" bIns="91425" anchor="ctr" anchorCtr="0">
             <a:normAutofit/>
           </a:bodyPr>
           <a:lstStyle>
@@ -3532,7 +4263,7 @@
             </a:lvl9pPr>
           </a:lstStyle>
           <a:p>
-            <a:pPr indent="0" lvl="0" marL="0" rtl="0" algn="r">
+            <a:pPr marL="0" lvl="0" indent="0" algn="r" rtl="0">
               <a:spcBef>
                 <a:spcPts val="0"/>
               </a:spcBef>
@@ -3558,11 +4289,11 @@
 </file>
 
 <file path=ppt/slideLayouts/slideLayout7.xml><?xml version="1.0" encoding="utf-8"?>
-<p:sldLayout xmlns:a="http://schemas.openxmlformats.org/drawingml/2006/main" xmlns:r="http://schemas.openxmlformats.org/officeDocument/2006/relationships" xmlns:mc="http://schemas.openxmlformats.org/markup-compatibility/2006" xmlns:mv="urn:schemas-microsoft-com:mac:vml" xmlns:p="http://schemas.openxmlformats.org/presentationml/2006/main" xmlns:c="http://schemas.openxmlformats.org/drawingml/2006/chart" xmlns:dgm="http://schemas.openxmlformats.org/drawingml/2006/diagram" xmlns:o="urn:schemas-microsoft-com:office:office" xmlns:v="urn:schemas-microsoft-com:vml" xmlns:pvml="urn:schemas-microsoft-com:office:powerpoint" xmlns:com="http://schemas.openxmlformats.org/drawingml/2006/compatibility" xmlns:p14="http://schemas.microsoft.com/office/powerpoint/2010/main" xmlns:p15="http://schemas.microsoft.com/office/powerpoint/2012/main" xmlns:ahyp="http://schemas.microsoft.com/office/drawing/2018/hyperlinkcolor" matchingName="Main point">
+<p:sldLayout xmlns:a="http://schemas.openxmlformats.org/drawingml/2006/main" xmlns:r="http://schemas.openxmlformats.org/officeDocument/2006/relationships" xmlns:p="http://schemas.openxmlformats.org/presentationml/2006/main" matchingName="Main point">
   <p:cSld name="MAIN_POINT">
     <p:spTree>
       <p:nvGrpSpPr>
-        <p:cNvPr id="32" name="Shape 32"/>
+        <p:cNvPr id="1" name="Shape 32"/>
         <p:cNvGrpSpPr/>
         <p:nvPr/>
       </p:nvGrpSpPr>
@@ -3577,7 +4308,9 @@
       <p:sp>
         <p:nvSpPr>
           <p:cNvPr id="33" name="Google Shape;33;p8"/>
-          <p:cNvSpPr txBox="1"/>
+          <p:cNvSpPr txBox="1">
+            <a:spLocks noGrp="1"/>
+          </p:cNvSpPr>
           <p:nvPr>
             <p:ph type="title"/>
           </p:nvPr>
@@ -3592,7 +4325,7 @@
           </a:prstGeom>
         </p:spPr>
         <p:txBody>
-          <a:bodyPr anchorCtr="0" anchor="ctr" bIns="91425" lIns="91425" spcFirstLastPara="1" rIns="91425" wrap="square" tIns="91425">
+          <a:bodyPr spcFirstLastPara="1" wrap="square" lIns="91425" tIns="91425" rIns="91425" bIns="91425" anchor="ctr" anchorCtr="0">
             <a:normAutofit/>
           </a:bodyPr>
           <a:lstStyle>
@@ -3696,15 +4429,19 @@
               <a:defRPr sz="4800"/>
             </a:lvl9pPr>
           </a:lstStyle>
-          <a:p/>
+          <a:p>
+            <a:endParaRPr/>
+          </a:p>
         </p:txBody>
       </p:sp>
       <p:sp>
         <p:nvSpPr>
           <p:cNvPr id="34" name="Google Shape;34;p8"/>
-          <p:cNvSpPr txBox="1"/>
+          <p:cNvSpPr txBox="1">
+            <a:spLocks noGrp="1"/>
+          </p:cNvSpPr>
           <p:nvPr>
-            <p:ph idx="12" type="sldNum"/>
+            <p:ph type="sldNum" idx="12"/>
           </p:nvPr>
         </p:nvSpPr>
         <p:spPr>
@@ -3717,7 +4454,7 @@
           </a:prstGeom>
         </p:spPr>
         <p:txBody>
-          <a:bodyPr anchorCtr="0" anchor="ctr" bIns="91425" lIns="91425" spcFirstLastPara="1" rIns="91425" wrap="square" tIns="91425">
+          <a:bodyPr spcFirstLastPara="1" wrap="square" lIns="91425" tIns="91425" rIns="91425" bIns="91425" anchor="ctr" anchorCtr="0">
             <a:normAutofit/>
           </a:bodyPr>
           <a:lstStyle>
@@ -3759,7 +4496,7 @@
             </a:lvl9pPr>
           </a:lstStyle>
           <a:p>
-            <a:pPr indent="0" lvl="0" marL="0" rtl="0" algn="r">
+            <a:pPr marL="0" lvl="0" indent="0" algn="r" rtl="0">
               <a:spcBef>
                 <a:spcPts val="0"/>
               </a:spcBef>
@@ -3785,11 +4522,11 @@
 </file>
 
 <file path=ppt/slideLayouts/slideLayout8.xml><?xml version="1.0" encoding="utf-8"?>
-<p:sldLayout xmlns:a="http://schemas.openxmlformats.org/drawingml/2006/main" xmlns:r="http://schemas.openxmlformats.org/officeDocument/2006/relationships" xmlns:mc="http://schemas.openxmlformats.org/markup-compatibility/2006" xmlns:mv="urn:schemas-microsoft-com:mac:vml" xmlns:p="http://schemas.openxmlformats.org/presentationml/2006/main" xmlns:c="http://schemas.openxmlformats.org/drawingml/2006/chart" xmlns:dgm="http://schemas.openxmlformats.org/drawingml/2006/diagram" xmlns:o="urn:schemas-microsoft-com:office:office" xmlns:v="urn:schemas-microsoft-com:vml" xmlns:pvml="urn:schemas-microsoft-com:office:powerpoint" xmlns:com="http://schemas.openxmlformats.org/drawingml/2006/compatibility" xmlns:p14="http://schemas.microsoft.com/office/powerpoint/2010/main" xmlns:p15="http://schemas.microsoft.com/office/powerpoint/2012/main" xmlns:ahyp="http://schemas.microsoft.com/office/drawing/2018/hyperlinkcolor" matchingName="Section title and description">
+<p:sldLayout xmlns:a="http://schemas.openxmlformats.org/drawingml/2006/main" xmlns:r="http://schemas.openxmlformats.org/officeDocument/2006/relationships" xmlns:p="http://schemas.openxmlformats.org/presentationml/2006/main" matchingName="Section title and description">
   <p:cSld name="SECTION_TITLE_AND_DESCRIPTION">
     <p:spTree>
       <p:nvGrpSpPr>
-        <p:cNvPr id="35" name="Shape 35"/>
+        <p:cNvPr id="1" name="Shape 35"/>
         <p:cNvGrpSpPr/>
         <p:nvPr/>
       </p:nvGrpSpPr>
@@ -3823,23 +4560,20 @@
           </a:ln>
         </p:spPr>
         <p:txBody>
-          <a:bodyPr anchorCtr="0" anchor="ctr" bIns="91425" lIns="91425" spcFirstLastPara="1" rIns="91425" wrap="square" tIns="91425">
+          <a:bodyPr spcFirstLastPara="1" wrap="square" lIns="91425" tIns="91425" rIns="91425" bIns="91425" anchor="ctr" anchorCtr="0">
             <a:noAutofit/>
           </a:bodyPr>
           <a:lstStyle/>
           <a:p>
-            <a:pPr indent="0" lvl="0" marL="0" rtl="0" algn="l">
-              <a:spcBef>
-                <a:spcPts val="0"/>
-              </a:spcBef>
-              <a:spcAft>
-                <a:spcPts val="0"/>
-              </a:spcAft>
-              <a:buNone/>
-            </a:pPr>
-            <a:r>
-              <a:t/>
-            </a:r>
+            <a:pPr marL="0" lvl="0" indent="0" algn="l" rtl="0">
+              <a:spcBef>
+                <a:spcPts val="0"/>
+              </a:spcBef>
+              <a:spcAft>
+                <a:spcPts val="0"/>
+              </a:spcAft>
+              <a:buNone/>
+            </a:pPr>
             <a:endParaRPr/>
           </a:p>
         </p:txBody>
@@ -3847,7 +4581,9 @@
       <p:sp>
         <p:nvSpPr>
           <p:cNvPr id="37" name="Google Shape;37;p9"/>
-          <p:cNvSpPr txBox="1"/>
+          <p:cNvSpPr txBox="1">
+            <a:spLocks noGrp="1"/>
+          </p:cNvSpPr>
           <p:nvPr>
             <p:ph type="title"/>
           </p:nvPr>
@@ -3862,7 +4598,7 @@
           </a:prstGeom>
         </p:spPr>
         <p:txBody>
-          <a:bodyPr anchorCtr="0" anchor="b" bIns="91425" lIns="91425" spcFirstLastPara="1" rIns="91425" wrap="square" tIns="91425">
+          <a:bodyPr spcFirstLastPara="1" wrap="square" lIns="91425" tIns="91425" rIns="91425" bIns="91425" anchor="b" anchorCtr="0">
             <a:normAutofit/>
           </a:bodyPr>
           <a:lstStyle>
@@ -3966,15 +4702,19 @@
               <a:defRPr sz="4200"/>
             </a:lvl9pPr>
           </a:lstStyle>
-          <a:p/>
+          <a:p>
+            <a:endParaRPr/>
+          </a:p>
         </p:txBody>
       </p:sp>
       <p:sp>
         <p:nvSpPr>
           <p:cNvPr id="38" name="Google Shape;38;p9"/>
-          <p:cNvSpPr txBox="1"/>
+          <p:cNvSpPr txBox="1">
+            <a:spLocks noGrp="1"/>
+          </p:cNvSpPr>
           <p:nvPr>
-            <p:ph idx="1" type="subTitle"/>
+            <p:ph type="subTitle" idx="1"/>
           </p:nvPr>
         </p:nvSpPr>
         <p:spPr>
@@ -3987,7 +4727,7 @@
           </a:prstGeom>
         </p:spPr>
         <p:txBody>
-          <a:bodyPr anchorCtr="0" anchor="t" bIns="91425" lIns="91425" spcFirstLastPara="1" rIns="91425" wrap="square" tIns="91425">
+          <a:bodyPr spcFirstLastPara="1" wrap="square" lIns="91425" tIns="91425" rIns="91425" bIns="91425" anchor="t" anchorCtr="0">
             <a:normAutofit/>
           </a:bodyPr>
           <a:lstStyle>
@@ -4118,15 +4858,19 @@
               <a:defRPr sz="2100"/>
             </a:lvl9pPr>
           </a:lstStyle>
-          <a:p/>
+          <a:p>
+            <a:endParaRPr/>
+          </a:p>
         </p:txBody>
       </p:sp>
       <p:sp>
         <p:nvSpPr>
           <p:cNvPr id="39" name="Google Shape;39;p9"/>
-          <p:cNvSpPr txBox="1"/>
+          <p:cNvSpPr txBox="1">
+            <a:spLocks noGrp="1"/>
+          </p:cNvSpPr>
           <p:nvPr>
-            <p:ph idx="2" type="body"/>
+            <p:ph type="body" idx="2"/>
           </p:nvPr>
         </p:nvSpPr>
         <p:spPr>
@@ -4139,11 +4883,11 @@
           </a:prstGeom>
         </p:spPr>
         <p:txBody>
-          <a:bodyPr anchorCtr="0" anchor="ctr" bIns="91425" lIns="91425" spcFirstLastPara="1" rIns="91425" wrap="square" tIns="91425">
+          <a:bodyPr spcFirstLastPara="1" wrap="square" lIns="91425" tIns="91425" rIns="91425" bIns="91425" anchor="ctr" anchorCtr="0">
             <a:normAutofit/>
           </a:bodyPr>
           <a:lstStyle>
-            <a:lvl1pPr indent="-342900" lvl="0" marL="457200">
+            <a:lvl1pPr marL="457200" lvl="0" indent="-342900">
               <a:spcBef>
                 <a:spcPts val="0"/>
               </a:spcBef>
@@ -4154,7 +4898,7 @@
               <a:buChar char="●"/>
               <a:defRPr/>
             </a:lvl1pPr>
-            <a:lvl2pPr indent="-317500" lvl="1" marL="914400">
+            <a:lvl2pPr marL="914400" lvl="1" indent="-317500">
               <a:spcBef>
                 <a:spcPts val="0"/>
               </a:spcBef>
@@ -4165,7 +4909,7 @@
               <a:buChar char="○"/>
               <a:defRPr/>
             </a:lvl2pPr>
-            <a:lvl3pPr indent="-317500" lvl="2" marL="1371600">
+            <a:lvl3pPr marL="1371600" lvl="2" indent="-317500">
               <a:spcBef>
                 <a:spcPts val="0"/>
               </a:spcBef>
@@ -4176,7 +4920,7 @@
               <a:buChar char="■"/>
               <a:defRPr/>
             </a:lvl3pPr>
-            <a:lvl4pPr indent="-317500" lvl="3" marL="1828800">
+            <a:lvl4pPr marL="1828800" lvl="3" indent="-317500">
               <a:spcBef>
                 <a:spcPts val="0"/>
               </a:spcBef>
@@ -4187,7 +4931,7 @@
               <a:buChar char="●"/>
               <a:defRPr/>
             </a:lvl4pPr>
-            <a:lvl5pPr indent="-317500" lvl="4" marL="2286000">
+            <a:lvl5pPr marL="2286000" lvl="4" indent="-317500">
               <a:spcBef>
                 <a:spcPts val="0"/>
               </a:spcBef>
@@ -4198,7 +4942,7 @@
               <a:buChar char="○"/>
               <a:defRPr/>
             </a:lvl5pPr>
-            <a:lvl6pPr indent="-317500" lvl="5" marL="2743200">
+            <a:lvl6pPr marL="2743200" lvl="5" indent="-317500">
               <a:spcBef>
                 <a:spcPts val="0"/>
               </a:spcBef>
@@ -4209,7 +4953,7 @@
               <a:buChar char="■"/>
               <a:defRPr/>
             </a:lvl6pPr>
-            <a:lvl7pPr indent="-317500" lvl="6" marL="3200400">
+            <a:lvl7pPr marL="3200400" lvl="6" indent="-317500">
               <a:spcBef>
                 <a:spcPts val="0"/>
               </a:spcBef>
@@ -4220,7 +4964,7 @@
               <a:buChar char="●"/>
               <a:defRPr/>
             </a:lvl7pPr>
-            <a:lvl8pPr indent="-317500" lvl="7" marL="3657600">
+            <a:lvl8pPr marL="3657600" lvl="7" indent="-317500">
               <a:spcBef>
                 <a:spcPts val="0"/>
               </a:spcBef>
@@ -4231,7 +4975,7 @@
               <a:buChar char="○"/>
               <a:defRPr/>
             </a:lvl8pPr>
-            <a:lvl9pPr indent="-317500" lvl="8" marL="4114800">
+            <a:lvl9pPr marL="4114800" lvl="8" indent="-317500">
               <a:spcBef>
                 <a:spcPts val="0"/>
               </a:spcBef>
@@ -4243,15 +4987,19 @@
               <a:defRPr/>
             </a:lvl9pPr>
           </a:lstStyle>
-          <a:p/>
+          <a:p>
+            <a:endParaRPr/>
+          </a:p>
         </p:txBody>
       </p:sp>
       <p:sp>
         <p:nvSpPr>
           <p:cNvPr id="40" name="Google Shape;40;p9"/>
-          <p:cNvSpPr txBox="1"/>
+          <p:cNvSpPr txBox="1">
+            <a:spLocks noGrp="1"/>
+          </p:cNvSpPr>
           <p:nvPr>
-            <p:ph idx="12" type="sldNum"/>
+            <p:ph type="sldNum" idx="12"/>
           </p:nvPr>
         </p:nvSpPr>
         <p:spPr>
@@ -4264,7 +5012,7 @@
           </a:prstGeom>
         </p:spPr>
         <p:txBody>
-          <a:bodyPr anchorCtr="0" anchor="ctr" bIns="91425" lIns="91425" spcFirstLastPara="1" rIns="91425" wrap="square" tIns="91425">
+          <a:bodyPr spcFirstLastPara="1" wrap="square" lIns="91425" tIns="91425" rIns="91425" bIns="91425" anchor="ctr" anchorCtr="0">
             <a:normAutofit/>
           </a:bodyPr>
           <a:lstStyle>
@@ -4306,7 +5054,7 @@
             </a:lvl9pPr>
           </a:lstStyle>
           <a:p>
-            <a:pPr indent="0" lvl="0" marL="0" rtl="0" algn="r">
+            <a:pPr marL="0" lvl="0" indent="0" algn="r" rtl="0">
               <a:spcBef>
                 <a:spcPts val="0"/>
               </a:spcBef>
@@ -4332,11 +5080,11 @@
 </file>
 
 <file path=ppt/slideLayouts/slideLayout9.xml><?xml version="1.0" encoding="utf-8"?>
-<p:sldLayout xmlns:a="http://schemas.openxmlformats.org/drawingml/2006/main" xmlns:r="http://schemas.openxmlformats.org/officeDocument/2006/relationships" xmlns:mc="http://schemas.openxmlformats.org/markup-compatibility/2006" xmlns:mv="urn:schemas-microsoft-com:mac:vml" xmlns:p="http://schemas.openxmlformats.org/presentationml/2006/main" xmlns:c="http://schemas.openxmlformats.org/drawingml/2006/chart" xmlns:dgm="http://schemas.openxmlformats.org/drawingml/2006/diagram" xmlns:o="urn:schemas-microsoft-com:office:office" xmlns:v="urn:schemas-microsoft-com:vml" xmlns:pvml="urn:schemas-microsoft-com:office:powerpoint" xmlns:com="http://schemas.openxmlformats.org/drawingml/2006/compatibility" xmlns:p14="http://schemas.microsoft.com/office/powerpoint/2010/main" xmlns:p15="http://schemas.microsoft.com/office/powerpoint/2012/main" xmlns:ahyp="http://schemas.microsoft.com/office/drawing/2018/hyperlinkcolor" matchingName="Caption">
+<p:sldLayout xmlns:a="http://schemas.openxmlformats.org/drawingml/2006/main" xmlns:r="http://schemas.openxmlformats.org/officeDocument/2006/relationships" xmlns:p="http://schemas.openxmlformats.org/presentationml/2006/main" matchingName="Caption">
   <p:cSld name="CAPTION_ONLY">
     <p:spTree>
       <p:nvGrpSpPr>
-        <p:cNvPr id="41" name="Shape 41"/>
+        <p:cNvPr id="1" name="Shape 41"/>
         <p:cNvGrpSpPr/>
         <p:nvPr/>
       </p:nvGrpSpPr>
@@ -4351,9 +5099,11 @@
       <p:sp>
         <p:nvSpPr>
           <p:cNvPr id="42" name="Google Shape;42;p10"/>
-          <p:cNvSpPr txBox="1"/>
+          <p:cNvSpPr txBox="1">
+            <a:spLocks noGrp="1"/>
+          </p:cNvSpPr>
           <p:nvPr>
-            <p:ph idx="1" type="body"/>
+            <p:ph type="body" idx="1"/>
           </p:nvPr>
         </p:nvSpPr>
         <p:spPr>
@@ -4366,11 +5116,11 @@
           </a:prstGeom>
         </p:spPr>
         <p:txBody>
-          <a:bodyPr anchorCtr="0" anchor="ctr" bIns="91425" lIns="91425" spcFirstLastPara="1" rIns="91425" wrap="square" tIns="91425">
+          <a:bodyPr spcFirstLastPara="1" wrap="square" lIns="91425" tIns="91425" rIns="91425" bIns="91425" anchor="ctr" anchorCtr="0">
             <a:normAutofit/>
           </a:bodyPr>
           <a:lstStyle>
-            <a:lvl1pPr indent="-228600" lvl="0" marL="457200">
+            <a:lvl1pPr marL="457200" lvl="0" indent="-228600">
               <a:lnSpc>
                 <a:spcPct val="100000"/>
               </a:lnSpc>
@@ -4385,15 +5135,19 @@
               <a:defRPr/>
             </a:lvl1pPr>
           </a:lstStyle>
-          <a:p/>
+          <a:p>
+            <a:endParaRPr/>
+          </a:p>
         </p:txBody>
       </p:sp>
       <p:sp>
         <p:nvSpPr>
           <p:cNvPr id="43" name="Google Shape;43;p10"/>
-          <p:cNvSpPr txBox="1"/>
+          <p:cNvSpPr txBox="1">
+            <a:spLocks noGrp="1"/>
+          </p:cNvSpPr>
           <p:nvPr>
-            <p:ph idx="12" type="sldNum"/>
+            <p:ph type="sldNum" idx="12"/>
           </p:nvPr>
         </p:nvSpPr>
         <p:spPr>
@@ -4406,7 +5160,7 @@
           </a:prstGeom>
         </p:spPr>
         <p:txBody>
-          <a:bodyPr anchorCtr="0" anchor="ctr" bIns="91425" lIns="91425" spcFirstLastPara="1" rIns="91425" wrap="square" tIns="91425">
+          <a:bodyPr spcFirstLastPara="1" wrap="square" lIns="91425" tIns="91425" rIns="91425" bIns="91425" anchor="ctr" anchorCtr="0">
             <a:normAutofit/>
           </a:bodyPr>
           <a:lstStyle>
@@ -4448,7 +5202,7 @@
             </a:lvl9pPr>
           </a:lstStyle>
           <a:p>
-            <a:pPr indent="0" lvl="0" marL="0" rtl="0" algn="r">
+            <a:pPr marL="0" lvl="0" indent="0" algn="r" rtl="0">
               <a:spcBef>
                 <a:spcPts val="0"/>
               </a:spcBef>
@@ -4474,18 +5228,19 @@
 </file>
 
 <file path=ppt/slideMasters/slideMaster1.xml><?xml version="1.0" encoding="utf-8"?>
-<p:sldMaster xmlns:a="http://schemas.openxmlformats.org/drawingml/2006/main" xmlns:r="http://schemas.openxmlformats.org/officeDocument/2006/relationships" xmlns:mc="http://schemas.openxmlformats.org/markup-compatibility/2006" xmlns:mv="urn:schemas-microsoft-com:mac:vml" xmlns:p="http://schemas.openxmlformats.org/presentationml/2006/main" xmlns:c="http://schemas.openxmlformats.org/drawingml/2006/chart" xmlns:dgm="http://schemas.openxmlformats.org/drawingml/2006/diagram" xmlns:o="urn:schemas-microsoft-com:office:office" xmlns:v="urn:schemas-microsoft-com:vml" xmlns:pvml="urn:schemas-microsoft-com:office:powerpoint" xmlns:com="http://schemas.openxmlformats.org/drawingml/2006/compatibility" xmlns:p14="http://schemas.microsoft.com/office/powerpoint/2010/main" xmlns:p15="http://schemas.microsoft.com/office/powerpoint/2012/main" xmlns:ahyp="http://schemas.microsoft.com/office/drawing/2018/hyperlinkcolor">
+<p:sldMaster xmlns:a="http://schemas.openxmlformats.org/drawingml/2006/main" xmlns:r="http://schemas.openxmlformats.org/officeDocument/2006/relationships" xmlns:p="http://schemas.openxmlformats.org/presentationml/2006/main">
   <p:cSld name="simple-light-2">
     <p:bg>
       <p:bgPr>
         <a:solidFill>
           <a:schemeClr val="lt1"/>
         </a:solidFill>
+        <a:effectLst/>
       </p:bgPr>
     </p:bg>
     <p:spTree>
       <p:nvGrpSpPr>
-        <p:cNvPr id="5" name="Shape 5"/>
+        <p:cNvPr id="1" name="Shape 5"/>
         <p:cNvGrpSpPr/>
         <p:nvPr/>
       </p:nvGrpSpPr>
@@ -4500,7 +5255,9 @@
       <p:sp>
         <p:nvSpPr>
           <p:cNvPr id="6" name="Google Shape;6;p1"/>
-          <p:cNvSpPr txBox="1"/>
+          <p:cNvSpPr txBox="1">
+            <a:spLocks noGrp="1"/>
+          </p:cNvSpPr>
           <p:nvPr>
             <p:ph type="title"/>
           </p:nvPr>
@@ -4519,7 +5276,7 @@
           </a:ln>
         </p:spPr>
         <p:txBody>
-          <a:bodyPr anchorCtr="0" anchor="t" bIns="91425" lIns="91425" spcFirstLastPara="1" rIns="91425" wrap="square" tIns="91425">
+          <a:bodyPr spcFirstLastPara="1" wrap="square" lIns="91425" tIns="91425" rIns="91425" bIns="91425" anchor="t" anchorCtr="0">
             <a:normAutofit/>
           </a:bodyPr>
           <a:lstStyle>
@@ -4686,15 +5443,19 @@
               </a:defRPr>
             </a:lvl9pPr>
           </a:lstStyle>
-          <a:p/>
+          <a:p>
+            <a:endParaRPr/>
+          </a:p>
         </p:txBody>
       </p:sp>
       <p:sp>
         <p:nvSpPr>
           <p:cNvPr id="7" name="Google Shape;7;p1"/>
-          <p:cNvSpPr txBox="1"/>
+          <p:cNvSpPr txBox="1">
+            <a:spLocks noGrp="1"/>
+          </p:cNvSpPr>
           <p:nvPr>
-            <p:ph idx="1" type="body"/>
+            <p:ph type="body" idx="1"/>
           </p:nvPr>
         </p:nvSpPr>
         <p:spPr>
@@ -4711,11 +5472,11 @@
           </a:ln>
         </p:spPr>
         <p:txBody>
-          <a:bodyPr anchorCtr="0" anchor="t" bIns="91425" lIns="91425" spcFirstLastPara="1" rIns="91425" wrap="square" tIns="91425">
+          <a:bodyPr spcFirstLastPara="1" wrap="square" lIns="91425" tIns="91425" rIns="91425" bIns="91425" anchor="t" anchorCtr="0">
             <a:normAutofit/>
           </a:bodyPr>
           <a:lstStyle>
-            <a:lvl1pPr indent="-342900" lvl="0" marL="457200">
+            <a:lvl1pPr marL="457200" lvl="0" indent="-342900">
               <a:lnSpc>
                 <a:spcPct val="115000"/>
               </a:lnSpc>
@@ -4736,7 +5497,7 @@
                 </a:solidFill>
               </a:defRPr>
             </a:lvl1pPr>
-            <a:lvl2pPr indent="-317500" lvl="1" marL="914400">
+            <a:lvl2pPr marL="914400" lvl="1" indent="-317500">
               <a:lnSpc>
                 <a:spcPct val="115000"/>
               </a:lnSpc>
@@ -4757,7 +5518,7 @@
                 </a:solidFill>
               </a:defRPr>
             </a:lvl2pPr>
-            <a:lvl3pPr indent="-317500" lvl="2" marL="1371600">
+            <a:lvl3pPr marL="1371600" lvl="2" indent="-317500">
               <a:lnSpc>
                 <a:spcPct val="115000"/>
               </a:lnSpc>
@@ -4778,7 +5539,7 @@
                 </a:solidFill>
               </a:defRPr>
             </a:lvl3pPr>
-            <a:lvl4pPr indent="-317500" lvl="3" marL="1828800">
+            <a:lvl4pPr marL="1828800" lvl="3" indent="-317500">
               <a:lnSpc>
                 <a:spcPct val="115000"/>
               </a:lnSpc>
@@ -4799,7 +5560,7 @@
                 </a:solidFill>
               </a:defRPr>
             </a:lvl4pPr>
-            <a:lvl5pPr indent="-317500" lvl="4" marL="2286000">
+            <a:lvl5pPr marL="2286000" lvl="4" indent="-317500">
               <a:lnSpc>
                 <a:spcPct val="115000"/>
               </a:lnSpc>
@@ -4820,7 +5581,7 @@
                 </a:solidFill>
               </a:defRPr>
             </a:lvl5pPr>
-            <a:lvl6pPr indent="-317500" lvl="5" marL="2743200">
+            <a:lvl6pPr marL="2743200" lvl="5" indent="-317500">
               <a:lnSpc>
                 <a:spcPct val="115000"/>
               </a:lnSpc>
@@ -4841,7 +5602,7 @@
                 </a:solidFill>
               </a:defRPr>
             </a:lvl6pPr>
-            <a:lvl7pPr indent="-317500" lvl="6" marL="3200400">
+            <a:lvl7pPr marL="3200400" lvl="6" indent="-317500">
               <a:lnSpc>
                 <a:spcPct val="115000"/>
               </a:lnSpc>
@@ -4862,7 +5623,7 @@
                 </a:solidFill>
               </a:defRPr>
             </a:lvl7pPr>
-            <a:lvl8pPr indent="-317500" lvl="7" marL="3657600">
+            <a:lvl8pPr marL="3657600" lvl="7" indent="-317500">
               <a:lnSpc>
                 <a:spcPct val="115000"/>
               </a:lnSpc>
@@ -4883,7 +5644,7 @@
                 </a:solidFill>
               </a:defRPr>
             </a:lvl8pPr>
-            <a:lvl9pPr indent="-317500" lvl="8" marL="4114800">
+            <a:lvl9pPr marL="4114800" lvl="8" indent="-317500">
               <a:lnSpc>
                 <a:spcPct val="115000"/>
               </a:lnSpc>
@@ -4905,15 +5666,19 @@
               </a:defRPr>
             </a:lvl9pPr>
           </a:lstStyle>
-          <a:p/>
+          <a:p>
+            <a:endParaRPr/>
+          </a:p>
         </p:txBody>
       </p:sp>
       <p:sp>
         <p:nvSpPr>
           <p:cNvPr id="8" name="Google Shape;8;p1"/>
-          <p:cNvSpPr txBox="1"/>
+          <p:cNvSpPr txBox="1">
+            <a:spLocks noGrp="1"/>
+          </p:cNvSpPr>
           <p:nvPr>
-            <p:ph idx="12" type="sldNum"/>
+            <p:ph type="sldNum" idx="12"/>
           </p:nvPr>
         </p:nvSpPr>
         <p:spPr>
@@ -4930,7 +5695,7 @@
           </a:ln>
         </p:spPr>
         <p:txBody>
-          <a:bodyPr anchorCtr="0" anchor="ctr" bIns="91425" lIns="91425" spcFirstLastPara="1" rIns="91425" wrap="square" tIns="91425">
+          <a:bodyPr spcFirstLastPara="1" wrap="square" lIns="91425" tIns="91425" rIns="91425" bIns="91425" anchor="ctr" anchorCtr="0">
             <a:normAutofit/>
           </a:bodyPr>
           <a:lstStyle>
@@ -5008,7 +5773,7 @@
             </a:lvl9pPr>
           </a:lstStyle>
           <a:p>
-            <a:pPr indent="0" lvl="0" marL="0" rtl="0" algn="r">
+            <a:pPr marL="0" lvl="0" indent="0" algn="r" rtl="0">
               <a:spcBef>
                 <a:spcPts val="0"/>
               </a:spcBef>
@@ -5027,7 +5792,7 @@
       </p:sp>
     </p:spTree>
   </p:cSld>
-  <p:clrMap accent1="accent1" accent2="accent2" accent3="accent3" accent4="accent4" accent5="accent5" accent6="accent6" bg1="lt1" bg2="dk2" tx1="dk1" tx2="lt2" folHlink="folHlink" hlink="hlink"/>
+  <p:clrMap bg1="lt1" tx1="dk1" bg2="dk2" tx2="lt2" accent1="accent1" accent2="accent2" accent3="accent3" accent4="accent4" accent5="accent5" accent6="accent6" hlink="hlink" folHlink="folHlink"/>
   <p:sldLayoutIdLst>
     <p:sldLayoutId id="2147483648" r:id="rId1"/>
     <p:sldLayoutId id="2147483649" r:id="rId2"/>
@@ -5041,10 +5806,10 @@
     <p:sldLayoutId id="2147483657" r:id="rId10"/>
     <p:sldLayoutId id="2147483658" r:id="rId11"/>
   </p:sldLayoutIdLst>
-  <p:hf dt="0" ftr="0" hdr="0" sldNum="0"/>
+  <p:hf sldNum="0" hdr="0" ftr="0" dt="0"/>
   <p:txStyles>
     <p:titleStyle>
-      <a:defPPr lvl="0" marR="0" rtl="0" algn="l">
+      <a:defPPr marR="0" lvl="0" algn="l" rtl="0">
         <a:lnSpc>
           <a:spcPct val="100000"/>
         </a:lnSpc>
@@ -5055,7 +5820,7 @@
           <a:spcPts val="0"/>
         </a:spcAft>
       </a:defPPr>
-      <a:lvl1pPr lvl="0" marR="0" rtl="0" algn="l">
+      <a:lvl1pPr marR="0" lvl="0" algn="l" rtl="0">
         <a:lnSpc>
           <a:spcPct val="100000"/>
         </a:lnSpc>
@@ -5069,7 +5834,7 @@
           <a:srgbClr val="000000"/>
         </a:buClr>
         <a:buFont typeface="Arial"/>
-        <a:defRPr b="0" i="0" sz="1400" u="none" cap="none" strike="noStrike">
+        <a:defRPr sz="1400" b="0" i="0" u="none" strike="noStrike" cap="none">
           <a:solidFill>
             <a:srgbClr val="000000"/>
           </a:solidFill>
@@ -5079,7 +5844,7 @@
           <a:sym typeface="Arial"/>
         </a:defRPr>
       </a:lvl1pPr>
-      <a:lvl2pPr lvl="1" marR="0" rtl="0" algn="l">
+      <a:lvl2pPr marR="0" lvl="1" algn="l" rtl="0">
         <a:lnSpc>
           <a:spcPct val="100000"/>
         </a:lnSpc>
@@ -5093,7 +5858,7 @@
           <a:srgbClr val="000000"/>
         </a:buClr>
         <a:buFont typeface="Arial"/>
-        <a:defRPr b="0" i="0" sz="1400" u="none" cap="none" strike="noStrike">
+        <a:defRPr sz="1400" b="0" i="0" u="none" strike="noStrike" cap="none">
           <a:solidFill>
             <a:srgbClr val="000000"/>
           </a:solidFill>
@@ -5103,7 +5868,7 @@
           <a:sym typeface="Arial"/>
         </a:defRPr>
       </a:lvl2pPr>
-      <a:lvl3pPr lvl="2" marR="0" rtl="0" algn="l">
+      <a:lvl3pPr marR="0" lvl="2" algn="l" rtl="0">
         <a:lnSpc>
           <a:spcPct val="100000"/>
         </a:lnSpc>
@@ -5117,7 +5882,7 @@
           <a:srgbClr val="000000"/>
         </a:buClr>
         <a:buFont typeface="Arial"/>
-        <a:defRPr b="0" i="0" sz="1400" u="none" cap="none" strike="noStrike">
+        <a:defRPr sz="1400" b="0" i="0" u="none" strike="noStrike" cap="none">
           <a:solidFill>
             <a:srgbClr val="000000"/>
           </a:solidFill>
@@ -5127,7 +5892,7 @@
           <a:sym typeface="Arial"/>
         </a:defRPr>
       </a:lvl3pPr>
-      <a:lvl4pPr lvl="3" marR="0" rtl="0" algn="l">
+      <a:lvl4pPr marR="0" lvl="3" algn="l" rtl="0">
         <a:lnSpc>
           <a:spcPct val="100000"/>
         </a:lnSpc>
@@ -5141,7 +5906,7 @@
           <a:srgbClr val="000000"/>
         </a:buClr>
         <a:buFont typeface="Arial"/>
-        <a:defRPr b="0" i="0" sz="1400" u="none" cap="none" strike="noStrike">
+        <a:defRPr sz="1400" b="0" i="0" u="none" strike="noStrike" cap="none">
           <a:solidFill>
             <a:srgbClr val="000000"/>
           </a:solidFill>
@@ -5151,7 +5916,7 @@
           <a:sym typeface="Arial"/>
         </a:defRPr>
       </a:lvl4pPr>
-      <a:lvl5pPr lvl="4" marR="0" rtl="0" algn="l">
+      <a:lvl5pPr marR="0" lvl="4" algn="l" rtl="0">
         <a:lnSpc>
           <a:spcPct val="100000"/>
         </a:lnSpc>
@@ -5165,7 +5930,7 @@
           <a:srgbClr val="000000"/>
         </a:buClr>
         <a:buFont typeface="Arial"/>
-        <a:defRPr b="0" i="0" sz="1400" u="none" cap="none" strike="noStrike">
+        <a:defRPr sz="1400" b="0" i="0" u="none" strike="noStrike" cap="none">
           <a:solidFill>
             <a:srgbClr val="000000"/>
           </a:solidFill>
@@ -5175,7 +5940,7 @@
           <a:sym typeface="Arial"/>
         </a:defRPr>
       </a:lvl5pPr>
-      <a:lvl6pPr lvl="5" marR="0" rtl="0" algn="l">
+      <a:lvl6pPr marR="0" lvl="5" algn="l" rtl="0">
         <a:lnSpc>
           <a:spcPct val="100000"/>
         </a:lnSpc>
@@ -5189,7 +5954,7 @@
           <a:srgbClr val="000000"/>
         </a:buClr>
         <a:buFont typeface="Arial"/>
-        <a:defRPr b="0" i="0" sz="1400" u="none" cap="none" strike="noStrike">
+        <a:defRPr sz="1400" b="0" i="0" u="none" strike="noStrike" cap="none">
           <a:solidFill>
             <a:srgbClr val="000000"/>
           </a:solidFill>
@@ -5199,7 +5964,7 @@
           <a:sym typeface="Arial"/>
         </a:defRPr>
       </a:lvl6pPr>
-      <a:lvl7pPr lvl="6" marR="0" rtl="0" algn="l">
+      <a:lvl7pPr marR="0" lvl="6" algn="l" rtl="0">
         <a:lnSpc>
           <a:spcPct val="100000"/>
         </a:lnSpc>
@@ -5213,7 +5978,7 @@
           <a:srgbClr val="000000"/>
         </a:buClr>
         <a:buFont typeface="Arial"/>
-        <a:defRPr b="0" i="0" sz="1400" u="none" cap="none" strike="noStrike">
+        <a:defRPr sz="1400" b="0" i="0" u="none" strike="noStrike" cap="none">
           <a:solidFill>
             <a:srgbClr val="000000"/>
           </a:solidFill>
@@ -5223,7 +5988,7 @@
           <a:sym typeface="Arial"/>
         </a:defRPr>
       </a:lvl7pPr>
-      <a:lvl8pPr lvl="7" marR="0" rtl="0" algn="l">
+      <a:lvl8pPr marR="0" lvl="7" algn="l" rtl="0">
         <a:lnSpc>
           <a:spcPct val="100000"/>
         </a:lnSpc>
@@ -5237,7 +6002,7 @@
           <a:srgbClr val="000000"/>
         </a:buClr>
         <a:buFont typeface="Arial"/>
-        <a:defRPr b="0" i="0" sz="1400" u="none" cap="none" strike="noStrike">
+        <a:defRPr sz="1400" b="0" i="0" u="none" strike="noStrike" cap="none">
           <a:solidFill>
             <a:srgbClr val="000000"/>
           </a:solidFill>
@@ -5247,7 +6012,7 @@
           <a:sym typeface="Arial"/>
         </a:defRPr>
       </a:lvl8pPr>
-      <a:lvl9pPr lvl="8" marR="0" rtl="0" algn="l">
+      <a:lvl9pPr marR="0" lvl="8" algn="l" rtl="0">
         <a:lnSpc>
           <a:spcPct val="100000"/>
         </a:lnSpc>
@@ -5261,7 +6026,7 @@
           <a:srgbClr val="000000"/>
         </a:buClr>
         <a:buFont typeface="Arial"/>
-        <a:defRPr b="0" i="0" sz="1400" u="none" cap="none" strike="noStrike">
+        <a:defRPr sz="1400" b="0" i="0" u="none" strike="noStrike" cap="none">
           <a:solidFill>
             <a:srgbClr val="000000"/>
           </a:solidFill>
@@ -5273,7 +6038,7 @@
       </a:lvl9pPr>
     </p:titleStyle>
     <p:bodyStyle>
-      <a:defPPr lvl="0" marR="0" rtl="0" algn="l">
+      <a:defPPr marR="0" lvl="0" algn="l" rtl="0">
         <a:lnSpc>
           <a:spcPct val="100000"/>
         </a:lnSpc>
@@ -5284,7 +6049,7 @@
           <a:spcPts val="0"/>
         </a:spcAft>
       </a:defPPr>
-      <a:lvl1pPr lvl="0" marR="0" rtl="0" algn="l">
+      <a:lvl1pPr marR="0" lvl="0" algn="l" rtl="0">
         <a:lnSpc>
           <a:spcPct val="100000"/>
         </a:lnSpc>
@@ -5298,7 +6063,7 @@
           <a:srgbClr val="000000"/>
         </a:buClr>
         <a:buFont typeface="Arial"/>
-        <a:defRPr b="0" i="0" sz="1400" u="none" cap="none" strike="noStrike">
+        <a:defRPr sz="1400" b="0" i="0" u="none" strike="noStrike" cap="none">
           <a:solidFill>
             <a:srgbClr val="000000"/>
           </a:solidFill>
@@ -5308,7 +6073,7 @@
           <a:sym typeface="Arial"/>
         </a:defRPr>
       </a:lvl1pPr>
-      <a:lvl2pPr lvl="1" marR="0" rtl="0" algn="l">
+      <a:lvl2pPr marR="0" lvl="1" algn="l" rtl="0">
         <a:lnSpc>
           <a:spcPct val="100000"/>
         </a:lnSpc>
@@ -5322,7 +6087,7 @@
           <a:srgbClr val="000000"/>
         </a:buClr>
         <a:buFont typeface="Arial"/>
-        <a:defRPr b="0" i="0" sz="1400" u="none" cap="none" strike="noStrike">
+        <a:defRPr sz="1400" b="0" i="0" u="none" strike="noStrike" cap="none">
           <a:solidFill>
             <a:srgbClr val="000000"/>
           </a:solidFill>
@@ -5332,7 +6097,7 @@
           <a:sym typeface="Arial"/>
         </a:defRPr>
       </a:lvl2pPr>
-      <a:lvl3pPr lvl="2" marR="0" rtl="0" algn="l">
+      <a:lvl3pPr marR="0" lvl="2" algn="l" rtl="0">
         <a:lnSpc>
           <a:spcPct val="100000"/>
         </a:lnSpc>
@@ -5346,7 +6111,7 @@
           <a:srgbClr val="000000"/>
         </a:buClr>
         <a:buFont typeface="Arial"/>
-        <a:defRPr b="0" i="0" sz="1400" u="none" cap="none" strike="noStrike">
+        <a:defRPr sz="1400" b="0" i="0" u="none" strike="noStrike" cap="none">
           <a:solidFill>
             <a:srgbClr val="000000"/>
           </a:solidFill>
@@ -5356,7 +6121,7 @@
           <a:sym typeface="Arial"/>
         </a:defRPr>
       </a:lvl3pPr>
-      <a:lvl4pPr lvl="3" marR="0" rtl="0" algn="l">
+      <a:lvl4pPr marR="0" lvl="3" algn="l" rtl="0">
         <a:lnSpc>
           <a:spcPct val="100000"/>
         </a:lnSpc>
@@ -5370,7 +6135,7 @@
           <a:srgbClr val="000000"/>
         </a:buClr>
         <a:buFont typeface="Arial"/>
-        <a:defRPr b="0" i="0" sz="1400" u="none" cap="none" strike="noStrike">
+        <a:defRPr sz="1400" b="0" i="0" u="none" strike="noStrike" cap="none">
           <a:solidFill>
             <a:srgbClr val="000000"/>
           </a:solidFill>
@@ -5380,7 +6145,7 @@
           <a:sym typeface="Arial"/>
         </a:defRPr>
       </a:lvl4pPr>
-      <a:lvl5pPr lvl="4" marR="0" rtl="0" algn="l">
+      <a:lvl5pPr marR="0" lvl="4" algn="l" rtl="0">
         <a:lnSpc>
           <a:spcPct val="100000"/>
         </a:lnSpc>
@@ -5394,7 +6159,7 @@
           <a:srgbClr val="000000"/>
         </a:buClr>
         <a:buFont typeface="Arial"/>
-        <a:defRPr b="0" i="0" sz="1400" u="none" cap="none" strike="noStrike">
+        <a:defRPr sz="1400" b="0" i="0" u="none" strike="noStrike" cap="none">
           <a:solidFill>
             <a:srgbClr val="000000"/>
           </a:solidFill>
@@ -5404,7 +6169,7 @@
           <a:sym typeface="Arial"/>
         </a:defRPr>
       </a:lvl5pPr>
-      <a:lvl6pPr lvl="5" marR="0" rtl="0" algn="l">
+      <a:lvl6pPr marR="0" lvl="5" algn="l" rtl="0">
         <a:lnSpc>
           <a:spcPct val="100000"/>
         </a:lnSpc>
@@ -5418,7 +6183,7 @@
           <a:srgbClr val="000000"/>
         </a:buClr>
         <a:buFont typeface="Arial"/>
-        <a:defRPr b="0" i="0" sz="1400" u="none" cap="none" strike="noStrike">
+        <a:defRPr sz="1400" b="0" i="0" u="none" strike="noStrike" cap="none">
           <a:solidFill>
             <a:srgbClr val="000000"/>
           </a:solidFill>
@@ -5428,7 +6193,7 @@
           <a:sym typeface="Arial"/>
         </a:defRPr>
       </a:lvl6pPr>
-      <a:lvl7pPr lvl="6" marR="0" rtl="0" algn="l">
+      <a:lvl7pPr marR="0" lvl="6" algn="l" rtl="0">
         <a:lnSpc>
           <a:spcPct val="100000"/>
         </a:lnSpc>
@@ -5442,7 +6207,7 @@
           <a:srgbClr val="000000"/>
         </a:buClr>
         <a:buFont typeface="Arial"/>
-        <a:defRPr b="0" i="0" sz="1400" u="none" cap="none" strike="noStrike">
+        <a:defRPr sz="1400" b="0" i="0" u="none" strike="noStrike" cap="none">
           <a:solidFill>
             <a:srgbClr val="000000"/>
           </a:solidFill>
@@ -5452,7 +6217,7 @@
           <a:sym typeface="Arial"/>
         </a:defRPr>
       </a:lvl7pPr>
-      <a:lvl8pPr lvl="7" marR="0" rtl="0" algn="l">
+      <a:lvl8pPr marR="0" lvl="7" algn="l" rtl="0">
         <a:lnSpc>
           <a:spcPct val="100000"/>
         </a:lnSpc>
@@ -5466,7 +6231,7 @@
           <a:srgbClr val="000000"/>
         </a:buClr>
         <a:buFont typeface="Arial"/>
-        <a:defRPr b="0" i="0" sz="1400" u="none" cap="none" strike="noStrike">
+        <a:defRPr sz="1400" b="0" i="0" u="none" strike="noStrike" cap="none">
           <a:solidFill>
             <a:srgbClr val="000000"/>
           </a:solidFill>
@@ -5476,7 +6241,7 @@
           <a:sym typeface="Arial"/>
         </a:defRPr>
       </a:lvl8pPr>
-      <a:lvl9pPr lvl="8" marR="0" rtl="0" algn="l">
+      <a:lvl9pPr marR="0" lvl="8" algn="l" rtl="0">
         <a:lnSpc>
           <a:spcPct val="100000"/>
         </a:lnSpc>
@@ -5490,7 +6255,7 @@
           <a:srgbClr val="000000"/>
         </a:buClr>
         <a:buFont typeface="Arial"/>
-        <a:defRPr b="0" i="0" sz="1400" u="none" cap="none" strike="noStrike">
+        <a:defRPr sz="1400" b="0" i="0" u="none" strike="noStrike" cap="none">
           <a:solidFill>
             <a:srgbClr val="000000"/>
           </a:solidFill>
@@ -5502,7 +6267,7 @@
       </a:lvl9pPr>
     </p:bodyStyle>
     <p:otherStyle>
-      <a:defPPr lvl="0" marR="0" rtl="0" algn="l">
+      <a:defPPr marR="0" lvl="0" algn="l" rtl="0">
         <a:lnSpc>
           <a:spcPct val="100000"/>
         </a:lnSpc>
@@ -5513,7 +6278,7 @@
           <a:spcPts val="0"/>
         </a:spcAft>
       </a:defPPr>
-      <a:lvl1pPr lvl="0" marR="0" rtl="0" algn="l">
+      <a:lvl1pPr marR="0" lvl="0" algn="l" rtl="0">
         <a:lnSpc>
           <a:spcPct val="100000"/>
         </a:lnSpc>
@@ -5527,7 +6292,7 @@
           <a:srgbClr val="000000"/>
         </a:buClr>
         <a:buFont typeface="Arial"/>
-        <a:defRPr b="0" i="0" sz="1400" u="none" cap="none" strike="noStrike">
+        <a:defRPr sz="1400" b="0" i="0" u="none" strike="noStrike" cap="none">
           <a:solidFill>
             <a:srgbClr val="000000"/>
           </a:solidFill>
@@ -5537,7 +6302,7 @@
           <a:sym typeface="Arial"/>
         </a:defRPr>
       </a:lvl1pPr>
-      <a:lvl2pPr lvl="1" marR="0" rtl="0" algn="l">
+      <a:lvl2pPr marR="0" lvl="1" algn="l" rtl="0">
         <a:lnSpc>
           <a:spcPct val="100000"/>
         </a:lnSpc>
@@ -5551,7 +6316,7 @@
           <a:srgbClr val="000000"/>
         </a:buClr>
         <a:buFont typeface="Arial"/>
-        <a:defRPr b="0" i="0" sz="1400" u="none" cap="none" strike="noStrike">
+        <a:defRPr sz="1400" b="0" i="0" u="none" strike="noStrike" cap="none">
           <a:solidFill>
             <a:srgbClr val="000000"/>
           </a:solidFill>
@@ -5561,7 +6326,7 @@
           <a:sym typeface="Arial"/>
         </a:defRPr>
       </a:lvl2pPr>
-      <a:lvl3pPr lvl="2" marR="0" rtl="0" algn="l">
+      <a:lvl3pPr marR="0" lvl="2" algn="l" rtl="0">
         <a:lnSpc>
           <a:spcPct val="100000"/>
         </a:lnSpc>
@@ -5575,7 +6340,7 @@
           <a:srgbClr val="000000"/>
         </a:buClr>
         <a:buFont typeface="Arial"/>
-        <a:defRPr b="0" i="0" sz="1400" u="none" cap="none" strike="noStrike">
+        <a:defRPr sz="1400" b="0" i="0" u="none" strike="noStrike" cap="none">
           <a:solidFill>
             <a:srgbClr val="000000"/>
           </a:solidFill>
@@ -5585,7 +6350,7 @@
           <a:sym typeface="Arial"/>
         </a:defRPr>
       </a:lvl3pPr>
-      <a:lvl4pPr lvl="3" marR="0" rtl="0" algn="l">
+      <a:lvl4pPr marR="0" lvl="3" algn="l" rtl="0">
         <a:lnSpc>
           <a:spcPct val="100000"/>
         </a:lnSpc>
@@ -5599,7 +6364,7 @@
           <a:srgbClr val="000000"/>
         </a:buClr>
         <a:buFont typeface="Arial"/>
-        <a:defRPr b="0" i="0" sz="1400" u="none" cap="none" strike="noStrike">
+        <a:defRPr sz="1400" b="0" i="0" u="none" strike="noStrike" cap="none">
           <a:solidFill>
             <a:srgbClr val="000000"/>
           </a:solidFill>
@@ -5609,7 +6374,7 @@
           <a:sym typeface="Arial"/>
         </a:defRPr>
       </a:lvl4pPr>
-      <a:lvl5pPr lvl="4" marR="0" rtl="0" algn="l">
+      <a:lvl5pPr marR="0" lvl="4" algn="l" rtl="0">
         <a:lnSpc>
           <a:spcPct val="100000"/>
         </a:lnSpc>
@@ -5623,7 +6388,7 @@
           <a:srgbClr val="000000"/>
         </a:buClr>
         <a:buFont typeface="Arial"/>
-        <a:defRPr b="0" i="0" sz="1400" u="none" cap="none" strike="noStrike">
+        <a:defRPr sz="1400" b="0" i="0" u="none" strike="noStrike" cap="none">
           <a:solidFill>
             <a:srgbClr val="000000"/>
           </a:solidFill>
@@ -5633,7 +6398,7 @@
           <a:sym typeface="Arial"/>
         </a:defRPr>
       </a:lvl5pPr>
-      <a:lvl6pPr lvl="5" marR="0" rtl="0" algn="l">
+      <a:lvl6pPr marR="0" lvl="5" algn="l" rtl="0">
         <a:lnSpc>
           <a:spcPct val="100000"/>
         </a:lnSpc>
@@ -5647,7 +6412,7 @@
           <a:srgbClr val="000000"/>
         </a:buClr>
         <a:buFont typeface="Arial"/>
-        <a:defRPr b="0" i="0" sz="1400" u="none" cap="none" strike="noStrike">
+        <a:defRPr sz="1400" b="0" i="0" u="none" strike="noStrike" cap="none">
           <a:solidFill>
             <a:srgbClr val="000000"/>
           </a:solidFill>
@@ -5657,7 +6422,7 @@
           <a:sym typeface="Arial"/>
         </a:defRPr>
       </a:lvl6pPr>
-      <a:lvl7pPr lvl="6" marR="0" rtl="0" algn="l">
+      <a:lvl7pPr marR="0" lvl="6" algn="l" rtl="0">
         <a:lnSpc>
           <a:spcPct val="100000"/>
         </a:lnSpc>
@@ -5671,7 +6436,7 @@
           <a:srgbClr val="000000"/>
         </a:buClr>
         <a:buFont typeface="Arial"/>
-        <a:defRPr b="0" i="0" sz="1400" u="none" cap="none" strike="noStrike">
+        <a:defRPr sz="1400" b="0" i="0" u="none" strike="noStrike" cap="none">
           <a:solidFill>
             <a:srgbClr val="000000"/>
           </a:solidFill>
@@ -5681,7 +6446,7 @@
           <a:sym typeface="Arial"/>
         </a:defRPr>
       </a:lvl7pPr>
-      <a:lvl8pPr lvl="7" marR="0" rtl="0" algn="l">
+      <a:lvl8pPr marR="0" lvl="7" algn="l" rtl="0">
         <a:lnSpc>
           <a:spcPct val="100000"/>
         </a:lnSpc>
@@ -5695,7 +6460,7 @@
           <a:srgbClr val="000000"/>
         </a:buClr>
         <a:buFont typeface="Arial"/>
-        <a:defRPr b="0" i="0" sz="1400" u="none" cap="none" strike="noStrike">
+        <a:defRPr sz="1400" b="0" i="0" u="none" strike="noStrike" cap="none">
           <a:solidFill>
             <a:srgbClr val="000000"/>
           </a:solidFill>
@@ -5705,7 +6470,7 @@
           <a:sym typeface="Arial"/>
         </a:defRPr>
       </a:lvl8pPr>
-      <a:lvl9pPr lvl="8" marR="0" rtl="0" algn="l">
+      <a:lvl9pPr marR="0" lvl="8" algn="l" rtl="0">
         <a:lnSpc>
           <a:spcPct val="100000"/>
         </a:lnSpc>
@@ -5719,7 +6484,7 @@
           <a:srgbClr val="000000"/>
         </a:buClr>
         <a:buFont typeface="Arial"/>
-        <a:defRPr b="0" i="0" sz="1400" u="none" cap="none" strike="noStrike">
+        <a:defRPr sz="1400" b="0" i="0" u="none" strike="noStrike" cap="none">
           <a:solidFill>
             <a:srgbClr val="000000"/>
           </a:solidFill>
@@ -5735,11 +6500,11 @@
 </file>
 
 <file path=ppt/slides/slide1.xml><?xml version="1.0" encoding="utf-8"?>
-<p:sld xmlns:a="http://schemas.openxmlformats.org/drawingml/2006/main" xmlns:r="http://schemas.openxmlformats.org/officeDocument/2006/relationships" xmlns:mc="http://schemas.openxmlformats.org/markup-compatibility/2006" xmlns:mv="urn:schemas-microsoft-com:mac:vml" xmlns:p="http://schemas.openxmlformats.org/presentationml/2006/main" xmlns:c="http://schemas.openxmlformats.org/drawingml/2006/chart" xmlns:dgm="http://schemas.openxmlformats.org/drawingml/2006/diagram" xmlns:o="urn:schemas-microsoft-com:office:office" xmlns:v="urn:schemas-microsoft-com:vml" xmlns:pvml="urn:schemas-microsoft-com:office:powerpoint" xmlns:com="http://schemas.openxmlformats.org/drawingml/2006/compatibility" xmlns:p14="http://schemas.microsoft.com/office/powerpoint/2010/main" xmlns:p15="http://schemas.microsoft.com/office/powerpoint/2012/main" xmlns:ahyp="http://schemas.microsoft.com/office/drawing/2018/hyperlinkcolor">
+<p:sld xmlns:a="http://schemas.openxmlformats.org/drawingml/2006/main" xmlns:r="http://schemas.openxmlformats.org/officeDocument/2006/relationships" xmlns:p="http://schemas.openxmlformats.org/presentationml/2006/main">
   <p:cSld>
     <p:spTree>
       <p:nvGrpSpPr>
-        <p:cNvPr id="53" name="Shape 53"/>
+        <p:cNvPr id="1" name="Shape 53"/>
         <p:cNvGrpSpPr/>
         <p:nvPr/>
       </p:nvGrpSpPr>
@@ -5754,14 +6519,16 @@
       <p:sp>
         <p:nvSpPr>
           <p:cNvPr id="54" name="Google Shape;54;p13"/>
-          <p:cNvSpPr txBox="1"/>
+          <p:cNvSpPr txBox="1">
+            <a:spLocks noGrp="1"/>
+          </p:cNvSpPr>
           <p:nvPr>
             <p:ph type="ctrTitle"/>
           </p:nvPr>
         </p:nvSpPr>
         <p:spPr>
           <a:xfrm>
-            <a:off x="311708" y="744575"/>
+            <a:off x="311708" y="1545450"/>
             <a:ext cx="8520600" cy="2052600"/>
           </a:xfrm>
           <a:prstGeom prst="rect">
@@ -5769,12 +6536,12 @@
           </a:prstGeom>
         </p:spPr>
         <p:txBody>
-          <a:bodyPr anchorCtr="0" anchor="b" bIns="91425" lIns="91425" spcFirstLastPara="1" rIns="91425" wrap="square" tIns="91425">
+          <a:bodyPr spcFirstLastPara="1" wrap="square" lIns="91425" tIns="91425" rIns="91425" bIns="91425" anchor="b" anchorCtr="0">
             <a:normAutofit/>
           </a:bodyPr>
           <a:lstStyle/>
           <a:p>
-            <a:pPr indent="0" lvl="0" marL="0" rtl="0" algn="ctr">
+            <a:pPr marL="0" lvl="0" indent="0" algn="ctr" rtl="0">
               <a:spcBef>
                 <a:spcPts val="0"/>
               </a:spcBef>
@@ -5791,46 +6558,6 @@
             <a:r>
               <a:rPr lang="en"/>
               <a:t>RESIN International Conflict Schema</a:t>
-            </a:r>
-            <a:endParaRPr/>
-          </a:p>
-        </p:txBody>
-      </p:sp>
-      <p:sp>
-        <p:nvSpPr>
-          <p:cNvPr id="55" name="Google Shape;55;p13"/>
-          <p:cNvSpPr txBox="1"/>
-          <p:nvPr>
-            <p:ph idx="1" type="subTitle"/>
-          </p:nvPr>
-        </p:nvSpPr>
-        <p:spPr>
-          <a:xfrm>
-            <a:off x="311700" y="2834125"/>
-            <a:ext cx="8520600" cy="792600"/>
-          </a:xfrm>
-          <a:prstGeom prst="rect">
-            <a:avLst/>
-          </a:prstGeom>
-        </p:spPr>
-        <p:txBody>
-          <a:bodyPr anchorCtr="0" anchor="t" bIns="91425" lIns="91425" spcFirstLastPara="1" rIns="91425" wrap="square" tIns="91425">
-            <a:normAutofit/>
-          </a:bodyPr>
-          <a:lstStyle/>
-          <a:p>
-            <a:pPr indent="0" lvl="0" marL="0" rtl="0" algn="ctr">
-              <a:spcBef>
-                <a:spcPts val="0"/>
-              </a:spcBef>
-              <a:spcAft>
-                <a:spcPts val="0"/>
-              </a:spcAft>
-              <a:buNone/>
-            </a:pPr>
-            <a:r>
-              <a:rPr lang="en"/>
-              <a:t>Qi Zeng</a:t>
             </a:r>
             <a:endParaRPr/>
           </a:p>
@@ -5844,12 +6571,12 @@
 </p:sld>
 </file>
 
-<file path=ppt/slides/slide2.xml><?xml version="1.0" encoding="utf-8"?>
-<p:sld xmlns:a="http://schemas.openxmlformats.org/drawingml/2006/main" xmlns:r="http://schemas.openxmlformats.org/officeDocument/2006/relationships" xmlns:mc="http://schemas.openxmlformats.org/markup-compatibility/2006" xmlns:mv="urn:schemas-microsoft-com:mac:vml" xmlns:p="http://schemas.openxmlformats.org/presentationml/2006/main" xmlns:c="http://schemas.openxmlformats.org/drawingml/2006/chart" xmlns:dgm="http://schemas.openxmlformats.org/drawingml/2006/diagram" xmlns:o="urn:schemas-microsoft-com:office:office" xmlns:v="urn:schemas-microsoft-com:vml" xmlns:pvml="urn:schemas-microsoft-com:office:powerpoint" xmlns:com="http://schemas.openxmlformats.org/drawingml/2006/compatibility" xmlns:p14="http://schemas.microsoft.com/office/powerpoint/2010/main" xmlns:p15="http://schemas.microsoft.com/office/powerpoint/2012/main" xmlns:ahyp="http://schemas.microsoft.com/office/drawing/2018/hyperlinkcolor">
+<file path=ppt/slides/slide10.xml><?xml version="1.0" encoding="utf-8"?>
+<p:sld xmlns:a="http://schemas.openxmlformats.org/drawingml/2006/main" xmlns:r="http://schemas.openxmlformats.org/officeDocument/2006/relationships" xmlns:p="http://schemas.openxmlformats.org/presentationml/2006/main">
   <p:cSld>
     <p:spTree>
       <p:nvGrpSpPr>
-        <p:cNvPr id="59" name="Shape 59"/>
+        <p:cNvPr id="1" name="Shape 115"/>
         <p:cNvGrpSpPr/>
         <p:nvPr/>
       </p:nvGrpSpPr>
@@ -5863,8 +6590,10 @@
       </p:grpSpPr>
       <p:sp>
         <p:nvSpPr>
-          <p:cNvPr id="60" name="Google Shape;60;p14"/>
-          <p:cNvSpPr txBox="1"/>
+          <p:cNvPr id="116" name="Google Shape;116;p22"/>
+          <p:cNvSpPr txBox="1">
+            <a:spLocks noGrp="1"/>
+          </p:cNvSpPr>
           <p:nvPr>
             <p:ph type="title"/>
           </p:nvPr>
@@ -5879,12 +6608,12 @@
           </a:prstGeom>
         </p:spPr>
         <p:txBody>
-          <a:bodyPr anchorCtr="0" anchor="t" bIns="91425" lIns="91425" spcFirstLastPara="1" rIns="91425" wrap="square" tIns="91425">
+          <a:bodyPr spcFirstLastPara="1" wrap="square" lIns="91425" tIns="91425" rIns="91425" bIns="91425" anchor="t" anchorCtr="0">
             <a:normAutofit fontScale="90000"/>
           </a:bodyPr>
           <a:lstStyle/>
           <a:p>
-            <a:pPr indent="0" lvl="0" marL="0" rtl="0" algn="l">
+            <a:pPr marL="0" lvl="0" indent="0" algn="l" rtl="0">
               <a:spcBef>
                 <a:spcPts val="0"/>
               </a:spcBef>
@@ -5895,55 +6624,276 @@
             </a:pPr>
             <a:r>
               <a:rPr lang="en"/>
-              <a:t>Overview</a:t>
-            </a:r>
-            <a:endParaRPr/>
+              <a:t>Episode </a:t>
+            </a:r>
+            <a:r>
+              <a:rPr lang="en" b="1"/>
+              <a:t>Negotiation</a:t>
+            </a:r>
+            <a:endParaRPr b="1"/>
           </a:p>
         </p:txBody>
       </p:sp>
       <p:sp>
         <p:nvSpPr>
-          <p:cNvPr id="61" name="Google Shape;61;p14"/>
-          <p:cNvSpPr txBox="1"/>
+          <p:cNvPr id="117" name="Google Shape;117;p22"/>
+          <p:cNvSpPr txBox="1">
+            <a:spLocks noGrp="1"/>
+          </p:cNvSpPr>
           <p:nvPr>
-            <p:ph idx="1" type="body"/>
+            <p:ph type="body" idx="1"/>
           </p:nvPr>
         </p:nvSpPr>
         <p:spPr>
           <a:xfrm>
-            <a:off x="311700" y="1152475"/>
-            <a:ext cx="1678200" cy="3416400"/>
+            <a:off x="-129600" y="1076275"/>
+            <a:ext cx="4561500" cy="4198500"/>
           </a:xfrm>
           <a:prstGeom prst="rect">
             <a:avLst/>
           </a:prstGeom>
         </p:spPr>
         <p:txBody>
-          <a:bodyPr anchorCtr="0" anchor="t" bIns="91425" lIns="91425" spcFirstLastPara="1" rIns="91425" wrap="square" tIns="91425">
+          <a:bodyPr spcFirstLastPara="1" wrap="square" lIns="91425" tIns="91425" rIns="91425" bIns="91425" anchor="t" anchorCtr="0">
             <a:normAutofit/>
           </a:bodyPr>
           <a:lstStyle/>
           <a:p>
-            <a:pPr indent="0" lvl="0" marL="0" rtl="0" algn="l">
-              <a:spcBef>
-                <a:spcPts val="0"/>
-              </a:spcBef>
-              <a:spcAft>
-                <a:spcPts val="1200"/>
-              </a:spcAft>
-              <a:buNone/>
-            </a:pPr>
-            <a:r>
-              <a:rPr lang="en"/>
-              <a:t>International Conflict (10277)</a:t>
-            </a:r>
-            <a:endParaRPr/>
+            <a:pPr marL="457200" lvl="0" indent="-304800" algn="l" rtl="0">
+              <a:spcBef>
+                <a:spcPts val="0"/>
+              </a:spcBef>
+              <a:spcAft>
+                <a:spcPts val="0"/>
+              </a:spcAft>
+              <a:buSzPts val="1200"/>
+              <a:buChar char="-"/>
+            </a:pPr>
+            <a:r>
+              <a:rPr lang="en" sz="1200" b="1"/>
+              <a:t>Remote Communication</a:t>
+            </a:r>
+            <a:r>
+              <a:rPr lang="en" sz="1200"/>
+              <a:t>: a third-party organization requests ceasefire </a:t>
+            </a:r>
+            <a:endParaRPr sz="1200"/>
+          </a:p>
+          <a:p>
+            <a:pPr marL="457200" lvl="0" indent="-304800" algn="l" rtl="0">
+              <a:spcBef>
+                <a:spcPts val="0"/>
+              </a:spcBef>
+              <a:spcAft>
+                <a:spcPts val="0"/>
+              </a:spcAft>
+              <a:buSzPts val="1200"/>
+              <a:buChar char="-"/>
+            </a:pPr>
+            <a:r>
+              <a:rPr lang="en" sz="1200" b="1"/>
+              <a:t>Negotiation</a:t>
+            </a:r>
+            <a:r>
+              <a:rPr lang="en" sz="1200"/>
+              <a:t>: battle participants negotiate a ceasefire agreement</a:t>
+            </a:r>
+            <a:endParaRPr sz="1200"/>
+          </a:p>
+          <a:p>
+            <a:pPr marL="457200" lvl="0" indent="-304800" algn="l" rtl="0">
+              <a:spcBef>
+                <a:spcPts val="0"/>
+              </a:spcBef>
+              <a:spcAft>
+                <a:spcPts val="0"/>
+              </a:spcAft>
+              <a:buSzPts val="1200"/>
+              <a:buChar char="-"/>
+            </a:pPr>
+            <a:r>
+              <a:rPr lang="en" sz="1200" b="1"/>
+              <a:t>Negotiation Outcome</a:t>
+            </a:r>
+            <a:r>
+              <a:rPr lang="en" sz="1200"/>
+              <a:t>: a container</a:t>
+            </a:r>
+            <a:endParaRPr sz="1200"/>
+          </a:p>
+          <a:p>
+            <a:pPr marL="914400" lvl="1" indent="-304800" algn="l" rtl="0">
+              <a:spcBef>
+                <a:spcPts val="0"/>
+              </a:spcBef>
+              <a:spcAft>
+                <a:spcPts val="0"/>
+              </a:spcAft>
+              <a:buSzPts val="1200"/>
+              <a:buChar char="-"/>
+            </a:pPr>
+            <a:r>
+              <a:rPr lang="en" sz="1200" b="1"/>
+              <a:t>Rejection</a:t>
+            </a:r>
+            <a:r>
+              <a:rPr lang="en" sz="1200"/>
+              <a:t>: battle participants do not reach an agreement on ceasefire</a:t>
+            </a:r>
+            <a:endParaRPr sz="1200"/>
+          </a:p>
+          <a:p>
+            <a:pPr marL="914400" lvl="1" indent="-304800" algn="l" rtl="0">
+              <a:spcBef>
+                <a:spcPts val="0"/>
+              </a:spcBef>
+              <a:spcAft>
+                <a:spcPts val="0"/>
+              </a:spcAft>
+              <a:buSzPts val="1200"/>
+              <a:buChar char="-"/>
+            </a:pPr>
+            <a:r>
+              <a:rPr lang="en" sz="1200" b="1"/>
+              <a:t>Agreement</a:t>
+            </a:r>
+            <a:r>
+              <a:rPr lang="en" sz="1200"/>
+              <a:t>:  battle participants reach an agreement</a:t>
+            </a:r>
+            <a:endParaRPr sz="1200"/>
+          </a:p>
+          <a:p>
+            <a:pPr marL="1371600" lvl="2" indent="-304800" algn="l" rtl="0">
+              <a:spcBef>
+                <a:spcPts val="0"/>
+              </a:spcBef>
+              <a:spcAft>
+                <a:spcPts val="0"/>
+              </a:spcAft>
+              <a:buSzPts val="1200"/>
+              <a:buChar char="-"/>
+            </a:pPr>
+            <a:r>
+              <a:rPr lang="en" sz="1200" b="1"/>
+              <a:t>Announcement</a:t>
+            </a:r>
+            <a:r>
+              <a:rPr lang="en" sz="1200"/>
+              <a:t>: announcing the ceasefire agreement</a:t>
+            </a:r>
+            <a:endParaRPr sz="1200"/>
+          </a:p>
+          <a:p>
+            <a:pPr marL="1371600" lvl="2" indent="-304800" algn="l" rtl="0">
+              <a:spcBef>
+                <a:spcPts val="0"/>
+              </a:spcBef>
+              <a:spcAft>
+                <a:spcPts val="0"/>
+              </a:spcAft>
+              <a:buSzPts val="1200"/>
+              <a:buChar char="-"/>
+            </a:pPr>
+            <a:r>
+              <a:rPr lang="en" sz="1200" b="1"/>
+              <a:t>Withdrawal</a:t>
+            </a:r>
+            <a:r>
+              <a:rPr lang="en" sz="1200"/>
+              <a:t>: withdrawing the attacking army</a:t>
+            </a:r>
+            <a:endParaRPr sz="1200"/>
+          </a:p>
+          <a:p>
+            <a:pPr marL="1371600" lvl="2" indent="-304800" algn="l" rtl="0">
+              <a:spcBef>
+                <a:spcPts val="0"/>
+              </a:spcBef>
+              <a:spcAft>
+                <a:spcPts val="0"/>
+              </a:spcAft>
+              <a:buSzPts val="1200"/>
+              <a:buChar char="-"/>
+            </a:pPr>
+            <a:r>
+              <a:rPr lang="en" sz="1200" b="1"/>
+              <a:t>Ceasefire</a:t>
+            </a:r>
+            <a:r>
+              <a:rPr lang="en" sz="1200"/>
+              <a:t>: temporary stoppage of war</a:t>
+            </a:r>
+            <a:endParaRPr sz="1200"/>
+          </a:p>
+          <a:p>
+            <a:pPr marL="1371600" lvl="2" indent="-304800" algn="l" rtl="0">
+              <a:spcBef>
+                <a:spcPts val="0"/>
+              </a:spcBef>
+              <a:spcAft>
+                <a:spcPts val="0"/>
+              </a:spcAft>
+              <a:buSzPts val="1200"/>
+              <a:buChar char="-"/>
+            </a:pPr>
+            <a:r>
+              <a:rPr lang="en" sz="1200" b="1"/>
+              <a:t>Signature</a:t>
+            </a:r>
+            <a:r>
+              <a:rPr lang="en" sz="1200"/>
+              <a:t>: signing of the ceasefire agreement</a:t>
+            </a:r>
+            <a:endParaRPr sz="1200"/>
+          </a:p>
+          <a:p>
+            <a:pPr marL="914400" lvl="1" indent="-304800" algn="l" rtl="0">
+              <a:spcBef>
+                <a:spcPts val="0"/>
+              </a:spcBef>
+              <a:spcAft>
+                <a:spcPts val="0"/>
+              </a:spcAft>
+              <a:buSzPts val="1200"/>
+              <a:buChar char="-"/>
+            </a:pPr>
+            <a:r>
+              <a:rPr lang="en" sz="1200" b="1"/>
+              <a:t>Dissolution</a:t>
+            </a:r>
+            <a:r>
+              <a:rPr lang="en" sz="1200"/>
+              <a:t>: organization or country dissolves after negotiation</a:t>
+            </a:r>
+            <a:endParaRPr sz="1200"/>
+          </a:p>
+          <a:p>
+            <a:pPr marL="914400" lvl="1" indent="-304800" algn="l" rtl="0">
+              <a:spcBef>
+                <a:spcPts val="0"/>
+              </a:spcBef>
+              <a:spcAft>
+                <a:spcPts val="0"/>
+              </a:spcAft>
+              <a:buSzPts val="1200"/>
+              <a:buChar char="-"/>
+            </a:pPr>
+            <a:r>
+              <a:rPr lang="en" sz="1200" b="1"/>
+              <a:t>Dismissal</a:t>
+            </a:r>
+            <a:r>
+              <a:rPr lang="en" sz="1200"/>
+              <a:t>: personnel change after negotiation</a:t>
+            </a:r>
+            <a:endParaRPr sz="1200"/>
           </a:p>
         </p:txBody>
       </p:sp>
       <p:pic>
         <p:nvPicPr>
-          <p:cNvPr id="62" name="Google Shape;62;p14"/>
+          <p:cNvPr id="118" name="Google Shape;118;p22"/>
           <p:cNvPicPr preferRelativeResize="0"/>
           <p:nvPr/>
         </p:nvPicPr>
@@ -5957,8 +6907,200 @@
         </p:blipFill>
         <p:spPr>
           <a:xfrm>
-            <a:off x="2076275" y="607125"/>
-            <a:ext cx="6367099" cy="4505901"/>
+            <a:off x="4431850" y="976099"/>
+            <a:ext cx="4712151" cy="3191300"/>
+          </a:xfrm>
+          <a:prstGeom prst="rect">
+            <a:avLst/>
+          </a:prstGeom>
+          <a:noFill/>
+          <a:ln>
+            <a:noFill/>
+          </a:ln>
+        </p:spPr>
+      </p:pic>
+    </p:spTree>
+  </p:cSld>
+  <p:clrMapOvr>
+    <a:masterClrMapping/>
+  </p:clrMapOvr>
+</p:sld>
+</file>
+
+<file path=ppt/slides/slide2.xml><?xml version="1.0" encoding="utf-8"?>
+<p:sld xmlns:a="http://schemas.openxmlformats.org/drawingml/2006/main" xmlns:r="http://schemas.openxmlformats.org/officeDocument/2006/relationships" xmlns:p="http://schemas.openxmlformats.org/presentationml/2006/main">
+  <p:cSld>
+    <p:spTree>
+      <p:nvGrpSpPr>
+        <p:cNvPr id="1" name="Shape 58"/>
+        <p:cNvGrpSpPr/>
+        <p:nvPr/>
+      </p:nvGrpSpPr>
+      <p:grpSpPr>
+        <a:xfrm>
+          <a:off x="0" y="0"/>
+          <a:ext cx="0" cy="0"/>
+          <a:chOff x="0" y="0"/>
+          <a:chExt cx="0" cy="0"/>
+        </a:xfrm>
+      </p:grpSpPr>
+      <p:sp>
+        <p:nvSpPr>
+          <p:cNvPr id="59" name="Google Shape;59;p14"/>
+          <p:cNvSpPr txBox="1">
+            <a:spLocks noGrp="1"/>
+          </p:cNvSpPr>
+          <p:nvPr>
+            <p:ph type="title"/>
+          </p:nvPr>
+        </p:nvSpPr>
+        <p:spPr>
+          <a:xfrm>
+            <a:off x="311700" y="445025"/>
+            <a:ext cx="8520600" cy="572700"/>
+          </a:xfrm>
+          <a:prstGeom prst="rect">
+            <a:avLst/>
+          </a:prstGeom>
+        </p:spPr>
+        <p:txBody>
+          <a:bodyPr spcFirstLastPara="1" wrap="square" lIns="91425" tIns="91425" rIns="91425" bIns="91425" anchor="t" anchorCtr="0">
+            <a:normAutofit fontScale="90000"/>
+          </a:bodyPr>
+          <a:lstStyle/>
+          <a:p>
+            <a:pPr marL="0" lvl="0" indent="0" algn="l" rtl="0">
+              <a:spcBef>
+                <a:spcPts val="0"/>
+              </a:spcBef>
+              <a:spcAft>
+                <a:spcPts val="0"/>
+              </a:spcAft>
+              <a:buNone/>
+            </a:pPr>
+            <a:r>
+              <a:rPr lang="en"/>
+              <a:t>Overview: </a:t>
+            </a:r>
+            <a:r>
+              <a:rPr lang="en" b="1"/>
+              <a:t>International Conflict</a:t>
+            </a:r>
+            <a:endParaRPr b="1"/>
+          </a:p>
+        </p:txBody>
+      </p:sp>
+      <p:sp>
+        <p:nvSpPr>
+          <p:cNvPr id="60" name="Google Shape;60;p14"/>
+          <p:cNvSpPr txBox="1">
+            <a:spLocks noGrp="1"/>
+          </p:cNvSpPr>
+          <p:nvPr>
+            <p:ph type="body" idx="1"/>
+          </p:nvPr>
+        </p:nvSpPr>
+        <p:spPr>
+          <a:xfrm>
+            <a:off x="125800" y="1152475"/>
+            <a:ext cx="8706600" cy="3416400"/>
+          </a:xfrm>
+          <a:prstGeom prst="rect">
+            <a:avLst/>
+          </a:prstGeom>
+        </p:spPr>
+        <p:txBody>
+          <a:bodyPr spcFirstLastPara="1" wrap="square" lIns="91425" tIns="91425" rIns="91425" bIns="91425" anchor="t" anchorCtr="0">
+            <a:normAutofit/>
+          </a:bodyPr>
+          <a:lstStyle/>
+          <a:p>
+            <a:pPr marL="0" lvl="0" indent="0" algn="l" rtl="0">
+              <a:spcBef>
+                <a:spcPts val="0"/>
+              </a:spcBef>
+              <a:spcAft>
+                <a:spcPts val="0"/>
+              </a:spcAft>
+              <a:buNone/>
+            </a:pPr>
+            <a:r>
+              <a:rPr lang="en"/>
+              <a:t>Three major episodes:</a:t>
+            </a:r>
+            <a:endParaRPr/>
+          </a:p>
+          <a:p>
+            <a:pPr marL="457200" lvl="0" indent="-342900" algn="l" rtl="0">
+              <a:spcBef>
+                <a:spcPts val="1200"/>
+              </a:spcBef>
+              <a:spcAft>
+                <a:spcPts val="0"/>
+              </a:spcAft>
+              <a:buSzPts val="1800"/>
+              <a:buChar char="-"/>
+            </a:pPr>
+            <a:r>
+              <a:rPr lang="en" b="1"/>
+              <a:t>Background</a:t>
+            </a:r>
+            <a:endParaRPr b="1"/>
+          </a:p>
+          <a:p>
+            <a:pPr marL="457200" lvl="0" indent="-342900" algn="l" rtl="0">
+              <a:spcBef>
+                <a:spcPts val="0"/>
+              </a:spcBef>
+              <a:spcAft>
+                <a:spcPts val="0"/>
+              </a:spcAft>
+              <a:buSzPts val="1800"/>
+              <a:buChar char="-"/>
+            </a:pPr>
+            <a:r>
+              <a:rPr lang="en" b="1"/>
+              <a:t>War</a:t>
+            </a:r>
+            <a:endParaRPr b="1"/>
+          </a:p>
+          <a:p>
+            <a:pPr marL="457200" lvl="0" indent="-342900" algn="l" rtl="0">
+              <a:spcBef>
+                <a:spcPts val="0"/>
+              </a:spcBef>
+              <a:spcAft>
+                <a:spcPts val="0"/>
+              </a:spcAft>
+              <a:buSzPts val="1800"/>
+              <a:buChar char="-"/>
+            </a:pPr>
+            <a:r>
+              <a:rPr lang="en" b="1"/>
+              <a:t>Negotiation</a:t>
+            </a:r>
+            <a:endParaRPr b="1"/>
+          </a:p>
+        </p:txBody>
+      </p:sp>
+      <p:pic>
+        <p:nvPicPr>
+          <p:cNvPr id="61" name="Google Shape;61;p14"/>
+          <p:cNvPicPr preferRelativeResize="0"/>
+          <p:nvPr/>
+        </p:nvPicPr>
+        <p:blipFill>
+          <a:blip r:embed="rId3">
+            <a:alphaModFix/>
+          </a:blip>
+          <a:stretch>
+            <a:fillRect/>
+          </a:stretch>
+        </p:blipFill>
+        <p:spPr>
+          <a:xfrm>
+            <a:off x="3195846" y="1152471"/>
+            <a:ext cx="5636450" cy="2555275"/>
           </a:xfrm>
           <a:prstGeom prst="rect">
             <a:avLst/>
@@ -5971,7 +7113,7 @@
       </p:pic>
       <p:pic>
         <p:nvPicPr>
-          <p:cNvPr id="63" name="Google Shape;63;p14"/>
+          <p:cNvPr id="62" name="Google Shape;62;p14"/>
           <p:cNvPicPr preferRelativeResize="0"/>
           <p:nvPr/>
         </p:nvPicPr>
@@ -5985,8 +7127,8 @@
         </p:blipFill>
         <p:spPr>
           <a:xfrm>
-            <a:off x="178820" y="3921300"/>
-            <a:ext cx="1811175" cy="1191725"/>
+            <a:off x="311699" y="3629225"/>
+            <a:ext cx="1501475" cy="987950"/>
           </a:xfrm>
           <a:prstGeom prst="rect">
             <a:avLst/>
@@ -6006,11 +7148,11 @@
 </file>
 
 <file path=ppt/slides/slide3.xml><?xml version="1.0" encoding="utf-8"?>
-<p:sld xmlns:a="http://schemas.openxmlformats.org/drawingml/2006/main" xmlns:r="http://schemas.openxmlformats.org/officeDocument/2006/relationships" xmlns:mc="http://schemas.openxmlformats.org/markup-compatibility/2006" xmlns:mv="urn:schemas-microsoft-com:mac:vml" xmlns:p="http://schemas.openxmlformats.org/presentationml/2006/main" xmlns:c="http://schemas.openxmlformats.org/drawingml/2006/chart" xmlns:dgm="http://schemas.openxmlformats.org/drawingml/2006/diagram" xmlns:o="urn:schemas-microsoft-com:office:office" xmlns:v="urn:schemas-microsoft-com:vml" xmlns:pvml="urn:schemas-microsoft-com:office:powerpoint" xmlns:com="http://schemas.openxmlformats.org/drawingml/2006/compatibility" xmlns:p14="http://schemas.microsoft.com/office/powerpoint/2010/main" xmlns:p15="http://schemas.microsoft.com/office/powerpoint/2012/main" xmlns:ahyp="http://schemas.microsoft.com/office/drawing/2018/hyperlinkcolor">
+<p:sld xmlns:a="http://schemas.openxmlformats.org/drawingml/2006/main" xmlns:r="http://schemas.openxmlformats.org/officeDocument/2006/relationships" xmlns:p="http://schemas.openxmlformats.org/presentationml/2006/main">
   <p:cSld>
     <p:spTree>
       <p:nvGrpSpPr>
-        <p:cNvPr id="67" name="Shape 67"/>
+        <p:cNvPr id="1" name="Shape 66"/>
         <p:cNvGrpSpPr/>
         <p:nvPr/>
       </p:nvGrpSpPr>
@@ -6024,8 +7166,10 @@
       </p:grpSpPr>
       <p:sp>
         <p:nvSpPr>
-          <p:cNvPr id="68" name="Google Shape;68;p15"/>
-          <p:cNvSpPr txBox="1"/>
+          <p:cNvPr id="67" name="Google Shape;67;p15"/>
+          <p:cNvSpPr txBox="1">
+            <a:spLocks noGrp="1"/>
+          </p:cNvSpPr>
           <p:nvPr>
             <p:ph type="title"/>
           </p:nvPr>
@@ -6040,12 +7184,12 @@
           </a:prstGeom>
         </p:spPr>
         <p:txBody>
-          <a:bodyPr anchorCtr="0" anchor="t" bIns="91425" lIns="91425" spcFirstLastPara="1" rIns="91425" wrap="square" tIns="91425">
+          <a:bodyPr spcFirstLastPara="1" wrap="square" lIns="91425" tIns="91425" rIns="91425" bIns="91425" anchor="t" anchorCtr="0">
             <a:normAutofit fontScale="90000"/>
           </a:bodyPr>
           <a:lstStyle/>
           <a:p>
-            <a:pPr indent="0" lvl="0" marL="0" rtl="0" algn="l">
+            <a:pPr marL="0" lvl="0" indent="0" algn="l" rtl="0">
               <a:spcBef>
                 <a:spcPts val="0"/>
               </a:spcBef>
@@ -6056,215 +7200,275 @@
             </a:pPr>
             <a:r>
               <a:rPr lang="en"/>
-              <a:t>Battle Episode (10286)</a:t>
-            </a:r>
-            <a:endParaRPr/>
+              <a:t>Episode </a:t>
+            </a:r>
+            <a:r>
+              <a:rPr lang="en" b="1"/>
+              <a:t>Background</a:t>
+            </a:r>
+            <a:endParaRPr b="1"/>
           </a:p>
         </p:txBody>
       </p:sp>
       <p:sp>
         <p:nvSpPr>
-          <p:cNvPr id="69" name="Google Shape;69;p15"/>
-          <p:cNvSpPr txBox="1"/>
+          <p:cNvPr id="68" name="Google Shape;68;p15"/>
+          <p:cNvSpPr txBox="1">
+            <a:spLocks noGrp="1"/>
+          </p:cNvSpPr>
           <p:nvPr>
-            <p:ph idx="1" type="body"/>
+            <p:ph type="body" idx="1"/>
           </p:nvPr>
         </p:nvSpPr>
         <p:spPr>
           <a:xfrm>
-            <a:off x="311700" y="1152475"/>
-            <a:ext cx="4876200" cy="3416400"/>
+            <a:off x="0" y="1152475"/>
+            <a:ext cx="5254500" cy="4659900"/>
           </a:xfrm>
           <a:prstGeom prst="rect">
             <a:avLst/>
           </a:prstGeom>
         </p:spPr>
         <p:txBody>
-          <a:bodyPr anchorCtr="0" anchor="t" bIns="91425" lIns="91425" spcFirstLastPara="1" rIns="91425" wrap="square" tIns="91425">
-            <a:normAutofit/>
+          <a:bodyPr spcFirstLastPara="1" wrap="square" lIns="91425" tIns="91425" rIns="91425" bIns="91425" anchor="t" anchorCtr="0">
+            <a:normAutofit fontScale="77500" lnSpcReduction="20000"/>
           </a:bodyPr>
           <a:lstStyle/>
           <a:p>
-            <a:pPr indent="0" lvl="0" marL="0" rtl="0" algn="l">
-              <a:spcBef>
-                <a:spcPts val="0"/>
-              </a:spcBef>
-              <a:spcAft>
-                <a:spcPts val="0"/>
-              </a:spcAft>
-              <a:buSzPts val="852"/>
-              <a:buNone/>
-            </a:pPr>
-            <a:r>
-              <a:rPr b="1" lang="en" sz="1200"/>
-              <a:t>Attack (10278)</a:t>
-            </a:r>
-            <a:r>
-              <a:rPr lang="en" sz="1200"/>
-              <a:t>: A conflict between two countries</a:t>
-            </a:r>
-            <a:endParaRPr sz="1200"/>
-          </a:p>
-          <a:p>
-            <a:pPr indent="0" lvl="0" marL="0" rtl="0" algn="l">
+            <a:pPr marL="457200" lvl="0" indent="-317182" algn="l" rtl="0">
+              <a:spcBef>
+                <a:spcPts val="0"/>
+              </a:spcBef>
+              <a:spcAft>
+                <a:spcPts val="0"/>
+              </a:spcAft>
+              <a:buSzPct val="100000"/>
+              <a:buChar char="-"/>
+            </a:pPr>
+            <a:r>
+              <a:rPr lang="en" b="1"/>
+              <a:t>Remote Communication</a:t>
+            </a:r>
+            <a:endParaRPr b="1"/>
+          </a:p>
+          <a:p>
+            <a:pPr marL="914400" lvl="1" indent="-297497" algn="l" rtl="0">
+              <a:spcBef>
+                <a:spcPts val="0"/>
+              </a:spcBef>
+              <a:spcAft>
+                <a:spcPts val="0"/>
+              </a:spcAft>
+              <a:buSzPct val="100000"/>
+              <a:buChar char="-"/>
+            </a:pPr>
+            <a:r>
+              <a:rPr lang="en" b="1"/>
+              <a:t>Threat</a:t>
+            </a:r>
+            <a:r>
+              <a:rPr lang="en"/>
+              <a:t>: one person's statement that they intend to harm another, or another's property</a:t>
+            </a:r>
+            <a:endParaRPr/>
+          </a:p>
+          <a:p>
+            <a:pPr marL="914400" lvl="1" indent="-297497" algn="l" rtl="0">
+              <a:spcBef>
+                <a:spcPts val="0"/>
+              </a:spcBef>
+              <a:spcAft>
+                <a:spcPts val="0"/>
+              </a:spcAft>
+              <a:buSzPct val="100000"/>
+              <a:buChar char="-"/>
+            </a:pPr>
+            <a:r>
+              <a:rPr lang="en" b="1"/>
+              <a:t>Announcement</a:t>
+            </a:r>
+            <a:r>
+              <a:rPr lang="en"/>
+              <a:t>: printed, spoken, or published statement or notice of an event or other news</a:t>
+            </a:r>
+            <a:endParaRPr/>
+          </a:p>
+          <a:p>
+            <a:pPr marL="914400" lvl="1" indent="-297497" algn="l" rtl="0">
+              <a:spcBef>
+                <a:spcPts val="0"/>
+              </a:spcBef>
+              <a:spcAft>
+                <a:spcPts val="0"/>
+              </a:spcAft>
+              <a:buSzPct val="100000"/>
+              <a:buChar char="-"/>
+            </a:pPr>
+            <a:r>
+              <a:rPr lang="en" b="1"/>
+              <a:t>Negotiation</a:t>
+            </a:r>
+            <a:r>
+              <a:rPr lang="en"/>
+              <a:t>: dialogue between two or more people or parties intended to reach a beneficial outcome</a:t>
+            </a:r>
+            <a:endParaRPr/>
+          </a:p>
+          <a:p>
+            <a:pPr marL="457200" lvl="0" indent="-317182" algn="l" rtl="0">
+              <a:spcBef>
+                <a:spcPts val="0"/>
+              </a:spcBef>
+              <a:spcAft>
+                <a:spcPts val="0"/>
+              </a:spcAft>
+              <a:buSzPct val="100000"/>
+              <a:buChar char="-"/>
+            </a:pPr>
+            <a:r>
+              <a:rPr lang="en" b="1"/>
+              <a:t>Economic Crisis</a:t>
+            </a:r>
+            <a:r>
+              <a:rPr lang="en"/>
+              <a:t>: sharp deterioration in economic situation and perspectives</a:t>
+            </a:r>
+            <a:endParaRPr/>
+          </a:p>
+          <a:p>
+            <a:pPr marL="457200" lvl="0" indent="-317182" algn="l" rtl="0">
+              <a:spcBef>
+                <a:spcPts val="0"/>
+              </a:spcBef>
+              <a:spcAft>
+                <a:spcPts val="0"/>
+              </a:spcAft>
+              <a:buSzPct val="100000"/>
+              <a:buChar char="-"/>
+            </a:pPr>
+            <a:r>
+              <a:rPr lang="en" b="1"/>
+              <a:t>Assassination</a:t>
+            </a:r>
+            <a:r>
+              <a:rPr lang="en"/>
+              <a:t>: murder of a prominent person, often a political leader or ruler</a:t>
+            </a:r>
+            <a:endParaRPr/>
+          </a:p>
+          <a:p>
+            <a:pPr marL="457200" lvl="0" indent="-317182" algn="l" rtl="0">
+              <a:spcBef>
+                <a:spcPts val="0"/>
+              </a:spcBef>
+              <a:spcAft>
+                <a:spcPts val="0"/>
+              </a:spcAft>
+              <a:buSzPct val="100000"/>
+              <a:buChar char="-"/>
+            </a:pPr>
+            <a:r>
+              <a:rPr lang="en" b="1"/>
+              <a:t>Revolution</a:t>
+            </a:r>
+            <a:r>
+              <a:rPr lang="en"/>
+              <a:t>: fundamental change in power or organizational structures that takes place in a relatively short period of time</a:t>
+            </a:r>
+            <a:endParaRPr/>
+          </a:p>
+          <a:p>
+            <a:pPr marL="457200" lvl="0" indent="-317182" algn="l" rtl="0">
+              <a:spcBef>
+                <a:spcPts val="0"/>
+              </a:spcBef>
+              <a:spcAft>
+                <a:spcPts val="0"/>
+              </a:spcAft>
+              <a:buSzPct val="100000"/>
+              <a:buChar char="-"/>
+            </a:pPr>
+            <a:r>
+              <a:rPr lang="en" b="1"/>
+              <a:t>Civil Disorder</a:t>
+            </a:r>
+            <a:r>
+              <a:rPr lang="en"/>
+              <a:t>: civil unrest against war</a:t>
+            </a:r>
+            <a:endParaRPr/>
+          </a:p>
+          <a:p>
+            <a:pPr marL="457200" lvl="0" indent="-317182" algn="l" rtl="0">
+              <a:spcBef>
+                <a:spcPts val="0"/>
+              </a:spcBef>
+              <a:spcAft>
+                <a:spcPts val="0"/>
+              </a:spcAft>
+              <a:buSzPct val="100000"/>
+              <a:buChar char="-"/>
+            </a:pPr>
+            <a:r>
+              <a:rPr lang="en" b="1"/>
+              <a:t>Intention</a:t>
+            </a:r>
+            <a:r>
+              <a:rPr lang="en"/>
+              <a:t>: a country has the intention to join an organization</a:t>
+            </a:r>
+            <a:endParaRPr/>
+          </a:p>
+          <a:p>
+            <a:pPr marL="457200" lvl="0" indent="-317182" algn="l" rtl="0">
+              <a:spcBef>
+                <a:spcPts val="0"/>
+              </a:spcBef>
+              <a:spcAft>
+                <a:spcPts val="0"/>
+              </a:spcAft>
+              <a:buSzPct val="100000"/>
+              <a:buChar char="-"/>
+            </a:pPr>
+            <a:r>
+              <a:rPr lang="en" b="1"/>
+              <a:t>Conflict</a:t>
+            </a:r>
+            <a:r>
+              <a:rPr lang="en"/>
+              <a:t>: friction, disagreement, or discord within a group or between different groups</a:t>
+            </a:r>
+            <a:endParaRPr/>
+          </a:p>
+          <a:p>
+            <a:pPr marL="0" lvl="0" indent="0" algn="l" rtl="0">
               <a:spcBef>
                 <a:spcPts val="1200"/>
               </a:spcBef>
               <a:spcAft>
                 <a:spcPts val="0"/>
               </a:spcAft>
-              <a:buSzPts val="852"/>
-              <a:buNone/>
-            </a:pPr>
-            <a:r>
-              <a:rPr b="1" lang="en" sz="1200"/>
-              <a:t>Scarcity (10282)</a:t>
-            </a:r>
-            <a:r>
-              <a:rPr lang="en" sz="1200"/>
-              <a:t>: Food or resource shortage caused by the attacks</a:t>
-            </a:r>
-            <a:endParaRPr sz="1200"/>
-          </a:p>
-          <a:p>
-            <a:pPr indent="0" lvl="0" marL="0" rtl="0" algn="l">
+              <a:buNone/>
+            </a:pPr>
+            <a:endParaRPr/>
+          </a:p>
+          <a:p>
+            <a:pPr marL="0" lvl="0" indent="0" algn="l" rtl="0">
               <a:spcBef>
                 <a:spcPts val="1200"/>
               </a:spcBef>
               <a:spcAft>
-                <a:spcPts val="0"/>
-              </a:spcAft>
-              <a:buSzPts val="852"/>
-              <a:buNone/>
-            </a:pPr>
-            <a:r>
-              <a:rPr b="1" lang="en" sz="1200"/>
-              <a:t>Injury (10280)</a:t>
-            </a:r>
-            <a:r>
-              <a:rPr lang="en" sz="1200"/>
-              <a:t>: Victims get injured because of the attacks</a:t>
-            </a:r>
-            <a:endParaRPr sz="1200"/>
-          </a:p>
-          <a:p>
-            <a:pPr indent="0" lvl="0" marL="0" rtl="0" algn="l">
-              <a:spcBef>
                 <a:spcPts val="1200"/>
-              </a:spcBef>
-              <a:spcAft>
-                <a:spcPts val="0"/>
-              </a:spcAft>
-              <a:buSzPts val="852"/>
-              <a:buNone/>
-            </a:pPr>
-            <a:r>
-              <a:rPr b="1" lang="en" sz="1200"/>
-              <a:t>Death (10279)</a:t>
-            </a:r>
-            <a:r>
-              <a:rPr lang="en" sz="1200"/>
-              <a:t>: Victims die because of the attack </a:t>
-            </a:r>
-            <a:endParaRPr sz="1200"/>
-          </a:p>
-          <a:p>
-            <a:pPr indent="0" lvl="0" marL="0" rtl="0" algn="l">
-              <a:spcBef>
-                <a:spcPts val="1200"/>
-              </a:spcBef>
-              <a:spcAft>
-                <a:spcPts val="0"/>
-              </a:spcAft>
-              <a:buSzPts val="852"/>
-              <a:buNone/>
-            </a:pPr>
-            <a:r>
-              <a:rPr b="1" lang="en" sz="1200"/>
-              <a:t>Damage (10281)</a:t>
-            </a:r>
-            <a:r>
-              <a:rPr lang="en" sz="1200"/>
-              <a:t>: C</a:t>
-            </a:r>
-            <a:r>
-              <a:rPr lang="en" sz="1200"/>
-              <a:t>onstructions</a:t>
-            </a:r>
-            <a:r>
-              <a:rPr lang="en" sz="1200"/>
-              <a:t> are damaged because of the attack</a:t>
-            </a:r>
-            <a:endParaRPr sz="1200"/>
-          </a:p>
-          <a:p>
-            <a:pPr indent="0" lvl="0" marL="0" rtl="0" algn="l">
-              <a:spcBef>
-                <a:spcPts val="1200"/>
-              </a:spcBef>
-              <a:spcAft>
-                <a:spcPts val="0"/>
-              </a:spcAft>
-              <a:buSzPts val="852"/>
-              <a:buNone/>
-            </a:pPr>
-            <a:r>
-              <a:rPr b="1" lang="en" sz="1200"/>
-              <a:t>Transport (10283)</a:t>
-            </a:r>
-            <a:r>
-              <a:rPr lang="en" sz="1200"/>
-              <a:t>: Victims have to migrate to other places </a:t>
-            </a:r>
-            <a:endParaRPr sz="1200"/>
-          </a:p>
-          <a:p>
-            <a:pPr indent="0" lvl="0" marL="0" rtl="0" algn="l">
-              <a:spcBef>
-                <a:spcPts val="1200"/>
-              </a:spcBef>
-              <a:spcAft>
-                <a:spcPts val="0"/>
-              </a:spcAft>
-              <a:buSzPts val="852"/>
-              <a:buNone/>
-            </a:pPr>
-            <a:r>
-              <a:rPr b="1" lang="en" sz="1200"/>
-              <a:t>Demonstration (10284)</a:t>
-            </a:r>
-            <a:r>
-              <a:rPr lang="en" sz="1200"/>
-              <a:t>: People demonstrate to against the battle</a:t>
-            </a:r>
-            <a:endParaRPr sz="1200"/>
-          </a:p>
-          <a:p>
-            <a:pPr indent="0" lvl="0" marL="0" rtl="0" algn="l">
-              <a:spcBef>
-                <a:spcPts val="1200"/>
-              </a:spcBef>
-              <a:spcAft>
-                <a:spcPts val="1200"/>
-              </a:spcAft>
-              <a:buSzPts val="852"/>
-              <a:buNone/>
-            </a:pPr>
-            <a:r>
-              <a:rPr b="1" lang="en" sz="1200"/>
-              <a:t>Arrest (10285)</a:t>
-            </a:r>
-            <a:r>
-              <a:rPr lang="en" sz="1200"/>
-              <a:t>: People triggering this attack is arrested</a:t>
-            </a:r>
-            <a:endParaRPr sz="1200"/>
+              </a:spcAft>
+              <a:buNone/>
+            </a:pPr>
+            <a:endParaRPr/>
           </a:p>
         </p:txBody>
       </p:sp>
       <p:pic>
         <p:nvPicPr>
-          <p:cNvPr id="70" name="Google Shape;70;p15"/>
+          <p:cNvPr id="69" name="Google Shape;69;p15"/>
           <p:cNvPicPr preferRelativeResize="0"/>
           <p:nvPr/>
         </p:nvPicPr>
@@ -6278,8 +7482,8 @@
         </p:blipFill>
         <p:spPr>
           <a:xfrm>
-            <a:off x="5471799" y="798150"/>
-            <a:ext cx="2900975" cy="4032050"/>
+            <a:off x="5254500" y="1152475"/>
+            <a:ext cx="3511575" cy="3821900"/>
           </a:xfrm>
           <a:prstGeom prst="rect">
             <a:avLst/>
@@ -6299,11 +7503,11 @@
 </file>
 
 <file path=ppt/slides/slide4.xml><?xml version="1.0" encoding="utf-8"?>
-<p:sld xmlns:a="http://schemas.openxmlformats.org/drawingml/2006/main" xmlns:r="http://schemas.openxmlformats.org/officeDocument/2006/relationships" xmlns:mc="http://schemas.openxmlformats.org/markup-compatibility/2006" xmlns:mv="urn:schemas-microsoft-com:mac:vml" xmlns:p="http://schemas.openxmlformats.org/presentationml/2006/main" xmlns:c="http://schemas.openxmlformats.org/drawingml/2006/chart" xmlns:dgm="http://schemas.openxmlformats.org/drawingml/2006/diagram" xmlns:o="urn:schemas-microsoft-com:office:office" xmlns:v="urn:schemas-microsoft-com:vml" xmlns:pvml="urn:schemas-microsoft-com:office:powerpoint" xmlns:com="http://schemas.openxmlformats.org/drawingml/2006/compatibility" xmlns:p14="http://schemas.microsoft.com/office/powerpoint/2010/main" xmlns:p15="http://schemas.microsoft.com/office/powerpoint/2012/main" xmlns:ahyp="http://schemas.microsoft.com/office/drawing/2018/hyperlinkcolor">
+<p:sld xmlns:a="http://schemas.openxmlformats.org/drawingml/2006/main" xmlns:r="http://schemas.openxmlformats.org/officeDocument/2006/relationships" xmlns:p="http://schemas.openxmlformats.org/presentationml/2006/main">
   <p:cSld>
     <p:spTree>
       <p:nvGrpSpPr>
-        <p:cNvPr id="74" name="Shape 74"/>
+        <p:cNvPr id="1" name="Shape 73"/>
         <p:cNvGrpSpPr/>
         <p:nvPr/>
       </p:nvGrpSpPr>
@@ -6317,8 +7521,10 @@
       </p:grpSpPr>
       <p:sp>
         <p:nvSpPr>
-          <p:cNvPr id="75" name="Google Shape;75;p16"/>
-          <p:cNvSpPr txBox="1"/>
+          <p:cNvPr id="74" name="Google Shape;74;p16"/>
+          <p:cNvSpPr txBox="1">
+            <a:spLocks noGrp="1"/>
+          </p:cNvSpPr>
           <p:nvPr>
             <p:ph type="title"/>
           </p:nvPr>
@@ -6333,12 +7539,12 @@
           </a:prstGeom>
         </p:spPr>
         <p:txBody>
-          <a:bodyPr anchorCtr="0" anchor="t" bIns="91425" lIns="91425" spcFirstLastPara="1" rIns="91425" wrap="square" tIns="91425">
+          <a:bodyPr spcFirstLastPara="1" wrap="square" lIns="91425" tIns="91425" rIns="91425" bIns="91425" anchor="t" anchorCtr="0">
             <a:normAutofit fontScale="90000"/>
           </a:bodyPr>
           <a:lstStyle/>
           <a:p>
-            <a:pPr indent="0" lvl="0" marL="0" rtl="0" algn="l">
+            <a:pPr marL="0" lvl="0" indent="0" algn="l" rtl="0">
               <a:spcBef>
                 <a:spcPts val="0"/>
               </a:spcBef>
@@ -6349,198 +7555,146 @@
             </a:pPr>
             <a:r>
               <a:rPr lang="en"/>
-              <a:t>Ceasefire Episode (10292)</a:t>
-            </a:r>
-            <a:endParaRPr/>
+              <a:t>Episode </a:t>
+            </a:r>
+            <a:r>
+              <a:rPr lang="en" b="1"/>
+              <a:t>War</a:t>
+            </a:r>
+            <a:endParaRPr b="1"/>
           </a:p>
         </p:txBody>
       </p:sp>
       <p:sp>
         <p:nvSpPr>
-          <p:cNvPr id="76" name="Google Shape;76;p16"/>
-          <p:cNvSpPr txBox="1"/>
+          <p:cNvPr id="75" name="Google Shape;75;p16"/>
+          <p:cNvSpPr txBox="1">
+            <a:spLocks noGrp="1"/>
+          </p:cNvSpPr>
           <p:nvPr>
-            <p:ph idx="1" type="body"/>
+            <p:ph type="body" idx="1"/>
           </p:nvPr>
         </p:nvSpPr>
         <p:spPr>
           <a:xfrm>
             <a:off x="311700" y="1152475"/>
-            <a:ext cx="4034700" cy="3416400"/>
+            <a:ext cx="8520600" cy="3416400"/>
           </a:xfrm>
           <a:prstGeom prst="rect">
             <a:avLst/>
           </a:prstGeom>
         </p:spPr>
         <p:txBody>
-          <a:bodyPr anchorCtr="0" anchor="t" bIns="91425" lIns="91425" spcFirstLastPara="1" rIns="91425" wrap="square" tIns="91425">
-            <a:normAutofit fontScale="92500" lnSpcReduction="10000"/>
+          <a:bodyPr spcFirstLastPara="1" wrap="square" lIns="91425" tIns="91425" rIns="91425" bIns="91425" anchor="t" anchorCtr="0">
+            <a:normAutofit/>
           </a:bodyPr>
           <a:lstStyle/>
           <a:p>
-            <a:pPr indent="0" lvl="0" marL="0" rtl="0" algn="l">
-              <a:spcBef>
-                <a:spcPts val="0"/>
-              </a:spcBef>
-              <a:spcAft>
-                <a:spcPts val="0"/>
-              </a:spcAft>
-              <a:buNone/>
-            </a:pPr>
-            <a:r>
-              <a:rPr b="1" lang="en" sz="1200"/>
-              <a:t>Remote Communication (10287)</a:t>
-            </a:r>
-            <a:r>
-              <a:rPr lang="en" sz="1200"/>
-              <a:t>: A third-party organization requests ceasefire </a:t>
-            </a:r>
-            <a:endParaRPr sz="1200"/>
-          </a:p>
-          <a:p>
-            <a:pPr indent="0" lvl="0" marL="0" rtl="0" algn="l">
+            <a:pPr marL="0" lvl="0" indent="0" algn="l" rtl="0">
+              <a:spcBef>
+                <a:spcPts val="0"/>
+              </a:spcBef>
+              <a:spcAft>
+                <a:spcPts val="0"/>
+              </a:spcAft>
+              <a:buNone/>
+            </a:pPr>
+            <a:r>
+              <a:rPr lang="en"/>
+              <a:t>Five sub-episodes:</a:t>
+            </a:r>
+            <a:endParaRPr/>
+          </a:p>
+          <a:p>
+            <a:pPr marL="457200" lvl="0" indent="-342900" algn="l" rtl="0">
               <a:spcBef>
                 <a:spcPts val="1200"/>
               </a:spcBef>
               <a:spcAft>
                 <a:spcPts val="0"/>
               </a:spcAft>
-              <a:buNone/>
-            </a:pPr>
-            <a:r>
-              <a:rPr b="1" lang="en" sz="1200"/>
-              <a:t>Negotiation (10288)</a:t>
-            </a:r>
-            <a:r>
-              <a:rPr lang="en" sz="1200"/>
-              <a:t>: Battle participants negotiate a ceasefire agreement</a:t>
-            </a:r>
-            <a:endParaRPr sz="1200"/>
-          </a:p>
-          <a:p>
-            <a:pPr indent="0" lvl="0" marL="0" rtl="0" algn="l">
-              <a:spcBef>
-                <a:spcPts val="1200"/>
-              </a:spcBef>
-              <a:spcAft>
-                <a:spcPts val="0"/>
-              </a:spcAft>
-              <a:buNone/>
-            </a:pPr>
-            <a:r>
-              <a:rPr b="1" lang="en" sz="1200"/>
-              <a:t>Negotiation Result (10289)</a:t>
-            </a:r>
-            <a:r>
-              <a:rPr lang="en" sz="1200"/>
-              <a:t>: a container</a:t>
-            </a:r>
-            <a:endParaRPr sz="1200"/>
-          </a:p>
-          <a:p>
-            <a:pPr indent="0" lvl="0" marL="0" rtl="0" algn="l">
-              <a:spcBef>
-                <a:spcPts val="1200"/>
-              </a:spcBef>
-              <a:spcAft>
-                <a:spcPts val="0"/>
-              </a:spcAft>
-              <a:buNone/>
-            </a:pPr>
-            <a:r>
-              <a:rPr b="1" lang="en" sz="1200"/>
-              <a:t>Rejection (10290)</a:t>
-            </a:r>
-            <a:r>
-              <a:rPr lang="en" sz="1200"/>
-              <a:t>: </a:t>
-            </a:r>
-            <a:r>
-              <a:rPr lang="en" sz="1200"/>
-              <a:t>Battle participants do not reach an agreement</a:t>
-            </a:r>
-            <a:endParaRPr sz="1200"/>
-          </a:p>
-          <a:p>
-            <a:pPr indent="0" lvl="0" marL="0" rtl="0" algn="l">
-              <a:spcBef>
-                <a:spcPts val="1200"/>
-              </a:spcBef>
-              <a:spcAft>
-                <a:spcPts val="0"/>
-              </a:spcAft>
-              <a:buNone/>
-            </a:pPr>
-            <a:r>
-              <a:rPr b="1" lang="en" sz="1200"/>
-              <a:t>Agreement (10291)</a:t>
-            </a:r>
-            <a:r>
-              <a:rPr lang="en" sz="1200"/>
-              <a:t>:  Battle participants reach an agreement</a:t>
-            </a:r>
-            <a:endParaRPr sz="1200"/>
-          </a:p>
-          <a:p>
-            <a:pPr indent="0" lvl="0" marL="0" rtl="0" algn="l">
-              <a:spcBef>
-                <a:spcPts val="1200"/>
-              </a:spcBef>
-              <a:spcAft>
-                <a:spcPts val="0"/>
-              </a:spcAft>
-              <a:buNone/>
-            </a:pPr>
-            <a:r>
-              <a:rPr b="1" lang="en" sz="1200"/>
-              <a:t>Announcement (10293)</a:t>
-            </a:r>
-            <a:r>
-              <a:rPr lang="en" sz="1200"/>
-              <a:t>: The ceasefire agreement is announced</a:t>
-            </a:r>
-            <a:endParaRPr sz="1200"/>
-          </a:p>
-          <a:p>
-            <a:pPr indent="0" lvl="0" marL="0" rtl="0" algn="l">
-              <a:spcBef>
-                <a:spcPts val="1200"/>
-              </a:spcBef>
-              <a:spcAft>
-                <a:spcPts val="0"/>
-              </a:spcAft>
-              <a:buNone/>
-            </a:pPr>
-            <a:r>
-              <a:rPr b="1" lang="en" sz="1200"/>
-              <a:t>Withdrawal (10294)</a:t>
-            </a:r>
-            <a:r>
-              <a:rPr lang="en" sz="1200"/>
-              <a:t>: The attacking army is withdrawn </a:t>
-            </a:r>
-            <a:endParaRPr sz="1200"/>
-          </a:p>
-          <a:p>
-            <a:pPr indent="0" lvl="0" marL="0" rtl="0" algn="l">
-              <a:spcBef>
-                <a:spcPts val="1200"/>
-              </a:spcBef>
-              <a:spcAft>
-                <a:spcPts val="1200"/>
-              </a:spcAft>
-              <a:buNone/>
-            </a:pPr>
-            <a:r>
-              <a:t/>
-            </a:r>
-            <a:endParaRPr sz="1200"/>
+              <a:buSzPts val="1800"/>
+              <a:buChar char="-"/>
+            </a:pPr>
+            <a:r>
+              <a:rPr lang="en" b="1"/>
+              <a:t>Government Action</a:t>
+            </a:r>
+            <a:endParaRPr b="1"/>
+          </a:p>
+          <a:p>
+            <a:pPr marL="457200" lvl="0" indent="-342900" algn="l" rtl="0">
+              <a:spcBef>
+                <a:spcPts val="0"/>
+              </a:spcBef>
+              <a:spcAft>
+                <a:spcPts val="0"/>
+              </a:spcAft>
+              <a:buSzPts val="1800"/>
+              <a:buChar char="-"/>
+            </a:pPr>
+            <a:r>
+              <a:rPr lang="en" b="1"/>
+              <a:t>Civilian Reaction</a:t>
+            </a:r>
+            <a:endParaRPr b="1"/>
+          </a:p>
+          <a:p>
+            <a:pPr marL="457200" lvl="0" indent="-342900" algn="l" rtl="0">
+              <a:spcBef>
+                <a:spcPts val="0"/>
+              </a:spcBef>
+              <a:spcAft>
+                <a:spcPts val="0"/>
+              </a:spcAft>
+              <a:buSzPts val="1800"/>
+              <a:buChar char="-"/>
+            </a:pPr>
+            <a:r>
+              <a:rPr lang="en" b="1"/>
+              <a:t>International Response</a:t>
+            </a:r>
+            <a:endParaRPr b="1"/>
+          </a:p>
+          <a:p>
+            <a:pPr marL="457200" lvl="0" indent="-342900" algn="l" rtl="0">
+              <a:spcBef>
+                <a:spcPts val="0"/>
+              </a:spcBef>
+              <a:spcAft>
+                <a:spcPts val="0"/>
+              </a:spcAft>
+              <a:buSzPts val="1800"/>
+              <a:buChar char="-"/>
+            </a:pPr>
+            <a:r>
+              <a:rPr lang="en" b="1"/>
+              <a:t>Economic Impact</a:t>
+            </a:r>
+            <a:endParaRPr b="1"/>
+          </a:p>
+          <a:p>
+            <a:pPr marL="457200" lvl="0" indent="-342900" algn="l" rtl="0">
+              <a:spcBef>
+                <a:spcPts val="0"/>
+              </a:spcBef>
+              <a:spcAft>
+                <a:spcPts val="0"/>
+              </a:spcAft>
+              <a:buSzPts val="1800"/>
+              <a:buChar char="-"/>
+            </a:pPr>
+            <a:r>
+              <a:rPr lang="en" b="1"/>
+              <a:t>Battle</a:t>
+            </a:r>
+            <a:endParaRPr b="1"/>
           </a:p>
         </p:txBody>
       </p:sp>
       <p:pic>
         <p:nvPicPr>
-          <p:cNvPr id="77" name="Google Shape;77;p16"/>
+          <p:cNvPr id="76" name="Google Shape;76;p16"/>
           <p:cNvPicPr preferRelativeResize="0"/>
           <p:nvPr/>
         </p:nvPicPr>
@@ -6554,8 +7708,1990 @@
         </p:blipFill>
         <p:spPr>
           <a:xfrm>
-            <a:off x="4407525" y="1152475"/>
-            <a:ext cx="4424776" cy="3596851"/>
+            <a:off x="3996231" y="1102425"/>
+            <a:ext cx="4836069" cy="3416399"/>
+          </a:xfrm>
+          <a:prstGeom prst="rect">
+            <a:avLst/>
+          </a:prstGeom>
+          <a:noFill/>
+          <a:ln>
+            <a:noFill/>
+          </a:ln>
+        </p:spPr>
+      </p:pic>
+    </p:spTree>
+  </p:cSld>
+  <p:clrMapOvr>
+    <a:masterClrMapping/>
+  </p:clrMapOvr>
+</p:sld>
+</file>
+
+<file path=ppt/slides/slide5.xml><?xml version="1.0" encoding="utf-8"?>
+<p:sld xmlns:a="http://schemas.openxmlformats.org/drawingml/2006/main" xmlns:r="http://schemas.openxmlformats.org/officeDocument/2006/relationships" xmlns:p="http://schemas.openxmlformats.org/presentationml/2006/main">
+  <p:cSld>
+    <p:spTree>
+      <p:nvGrpSpPr>
+        <p:cNvPr id="1" name="Shape 80"/>
+        <p:cNvGrpSpPr/>
+        <p:nvPr/>
+      </p:nvGrpSpPr>
+      <p:grpSpPr>
+        <a:xfrm>
+          <a:off x="0" y="0"/>
+          <a:ext cx="0" cy="0"/>
+          <a:chOff x="0" y="0"/>
+          <a:chExt cx="0" cy="0"/>
+        </a:xfrm>
+      </p:grpSpPr>
+      <p:sp>
+        <p:nvSpPr>
+          <p:cNvPr id="81" name="Google Shape;81;p17"/>
+          <p:cNvSpPr txBox="1">
+            <a:spLocks noGrp="1"/>
+          </p:cNvSpPr>
+          <p:nvPr>
+            <p:ph type="title"/>
+          </p:nvPr>
+        </p:nvSpPr>
+        <p:spPr>
+          <a:xfrm>
+            <a:off x="311700" y="445025"/>
+            <a:ext cx="8520600" cy="572700"/>
+          </a:xfrm>
+          <a:prstGeom prst="rect">
+            <a:avLst/>
+          </a:prstGeom>
+        </p:spPr>
+        <p:txBody>
+          <a:bodyPr spcFirstLastPara="1" wrap="square" lIns="91425" tIns="91425" rIns="91425" bIns="91425" anchor="t" anchorCtr="0">
+            <a:normAutofit fontScale="90000"/>
+          </a:bodyPr>
+          <a:lstStyle/>
+          <a:p>
+            <a:pPr marL="0" lvl="0" indent="0" algn="l" rtl="0">
+              <a:spcBef>
+                <a:spcPts val="0"/>
+              </a:spcBef>
+              <a:spcAft>
+                <a:spcPts val="0"/>
+              </a:spcAft>
+              <a:buNone/>
+            </a:pPr>
+            <a:r>
+              <a:rPr lang="en"/>
+              <a:t>War: </a:t>
+            </a:r>
+            <a:r>
+              <a:rPr lang="en" b="1"/>
+              <a:t>Government Action</a:t>
+            </a:r>
+            <a:endParaRPr b="1"/>
+          </a:p>
+        </p:txBody>
+      </p:sp>
+      <p:sp>
+        <p:nvSpPr>
+          <p:cNvPr id="82" name="Google Shape;82;p17"/>
+          <p:cNvSpPr txBox="1">
+            <a:spLocks noGrp="1"/>
+          </p:cNvSpPr>
+          <p:nvPr>
+            <p:ph type="body" idx="1"/>
+          </p:nvPr>
+        </p:nvSpPr>
+        <p:spPr>
+          <a:xfrm>
+            <a:off x="-133225" y="1152475"/>
+            <a:ext cx="4921500" cy="4079700"/>
+          </a:xfrm>
+          <a:prstGeom prst="rect">
+            <a:avLst/>
+          </a:prstGeom>
+        </p:spPr>
+        <p:txBody>
+          <a:bodyPr spcFirstLastPara="1" wrap="square" lIns="91425" tIns="91425" rIns="91425" bIns="91425" anchor="t" anchorCtr="0">
+            <a:normAutofit fontScale="85000" lnSpcReduction="20000"/>
+          </a:bodyPr>
+          <a:lstStyle/>
+          <a:p>
+            <a:pPr marL="457200" lvl="0" indent="-325755" algn="l" rtl="0">
+              <a:spcBef>
+                <a:spcPts val="0"/>
+              </a:spcBef>
+              <a:spcAft>
+                <a:spcPts val="0"/>
+              </a:spcAft>
+              <a:buSzPct val="100000"/>
+              <a:buChar char="-"/>
+            </a:pPr>
+            <a:r>
+              <a:rPr lang="en" b="1"/>
+              <a:t>Nuclear Threat</a:t>
+            </a:r>
+            <a:r>
+              <a:rPr lang="en"/>
+              <a:t>: a type of threat</a:t>
+            </a:r>
+            <a:endParaRPr/>
+          </a:p>
+          <a:p>
+            <a:pPr marL="457200" lvl="0" indent="-325755" algn="l" rtl="0">
+              <a:spcBef>
+                <a:spcPts val="0"/>
+              </a:spcBef>
+              <a:spcAft>
+                <a:spcPts val="0"/>
+              </a:spcAft>
+              <a:buSzPct val="100000"/>
+              <a:buChar char="-"/>
+            </a:pPr>
+            <a:r>
+              <a:rPr lang="en" b="1"/>
+              <a:t>Propaganda</a:t>
+            </a:r>
+            <a:r>
+              <a:rPr lang="en"/>
+              <a:t>: form of communication intended to sway the audience through presenting only one side of the argument</a:t>
+            </a:r>
+            <a:endParaRPr/>
+          </a:p>
+          <a:p>
+            <a:pPr marL="457200" lvl="0" indent="-325755" algn="l" rtl="0">
+              <a:spcBef>
+                <a:spcPts val="0"/>
+              </a:spcBef>
+              <a:spcAft>
+                <a:spcPts val="0"/>
+              </a:spcAft>
+              <a:buSzPct val="100000"/>
+              <a:buChar char="-"/>
+            </a:pPr>
+            <a:r>
+              <a:rPr lang="en" b="1"/>
+              <a:t>Accusation</a:t>
+            </a:r>
+            <a:endParaRPr b="1"/>
+          </a:p>
+          <a:p>
+            <a:pPr marL="457200" lvl="0" indent="-325755" algn="l" rtl="0">
+              <a:spcBef>
+                <a:spcPts val="0"/>
+              </a:spcBef>
+              <a:spcAft>
+                <a:spcPts val="0"/>
+              </a:spcAft>
+              <a:buSzPct val="100000"/>
+              <a:buChar char="-"/>
+            </a:pPr>
+            <a:r>
+              <a:rPr lang="en" b="1"/>
+              <a:t>Announcement</a:t>
+            </a:r>
+            <a:r>
+              <a:rPr lang="en"/>
+              <a:t>: announcing war</a:t>
+            </a:r>
+            <a:endParaRPr/>
+          </a:p>
+          <a:p>
+            <a:pPr marL="457200" lvl="0" indent="-325755" algn="l" rtl="0">
+              <a:spcBef>
+                <a:spcPts val="0"/>
+              </a:spcBef>
+              <a:spcAft>
+                <a:spcPts val="0"/>
+              </a:spcAft>
+              <a:buSzPct val="100000"/>
+              <a:buChar char="-"/>
+            </a:pPr>
+            <a:r>
+              <a:rPr lang="en" b="1"/>
+              <a:t>Military Mobilization</a:t>
+            </a:r>
+            <a:r>
+              <a:rPr lang="en"/>
+              <a:t>: assembling and readying troops and supplies for war</a:t>
+            </a:r>
+            <a:endParaRPr/>
+          </a:p>
+          <a:p>
+            <a:pPr marL="914400" lvl="1" indent="-304165" algn="l" rtl="0">
+              <a:spcBef>
+                <a:spcPts val="0"/>
+              </a:spcBef>
+              <a:spcAft>
+                <a:spcPts val="0"/>
+              </a:spcAft>
+              <a:buSzPct val="100000"/>
+              <a:buChar char="-"/>
+            </a:pPr>
+            <a:r>
+              <a:rPr lang="en" b="1"/>
+              <a:t>Conscription</a:t>
+            </a:r>
+            <a:r>
+              <a:rPr lang="en"/>
+              <a:t>: compulsory enlistment into national or military service</a:t>
+            </a:r>
+            <a:endParaRPr/>
+          </a:p>
+          <a:p>
+            <a:pPr marL="914400" lvl="1" indent="-304165" algn="l" rtl="0">
+              <a:spcBef>
+                <a:spcPts val="0"/>
+              </a:spcBef>
+              <a:spcAft>
+                <a:spcPts val="0"/>
+              </a:spcAft>
+              <a:buSzPct val="100000"/>
+              <a:buChar char="-"/>
+            </a:pPr>
+            <a:r>
+              <a:rPr lang="en" b="1"/>
+              <a:t>Convocation</a:t>
+            </a:r>
+            <a:r>
+              <a:rPr lang="en"/>
+              <a:t>: assemble army</a:t>
+            </a:r>
+            <a:endParaRPr/>
+          </a:p>
+          <a:p>
+            <a:pPr marL="914400" lvl="1" indent="-304165" algn="l" rtl="0">
+              <a:spcBef>
+                <a:spcPts val="0"/>
+              </a:spcBef>
+              <a:spcAft>
+                <a:spcPts val="0"/>
+              </a:spcAft>
+              <a:buSzPct val="100000"/>
+              <a:buChar char="-"/>
+            </a:pPr>
+            <a:r>
+              <a:rPr lang="en" b="1"/>
+              <a:t>Military Deployment</a:t>
+            </a:r>
+            <a:r>
+              <a:rPr lang="en"/>
+              <a:t>: deploying troops</a:t>
+            </a:r>
+            <a:endParaRPr/>
+          </a:p>
+          <a:p>
+            <a:pPr marL="914400" lvl="1" indent="-304165" algn="l" rtl="0">
+              <a:spcBef>
+                <a:spcPts val="0"/>
+              </a:spcBef>
+              <a:spcAft>
+                <a:spcPts val="0"/>
+              </a:spcAft>
+              <a:buSzPct val="100000"/>
+              <a:buChar char="-"/>
+            </a:pPr>
+            <a:r>
+              <a:rPr lang="en" b="1"/>
+              <a:t>Transport</a:t>
+            </a:r>
+            <a:r>
+              <a:rPr lang="en"/>
+              <a:t>: transporting troops</a:t>
+            </a:r>
+            <a:endParaRPr/>
+          </a:p>
+          <a:p>
+            <a:pPr marL="914400" lvl="1" indent="-304165" algn="l" rtl="0">
+              <a:spcBef>
+                <a:spcPts val="0"/>
+              </a:spcBef>
+              <a:spcAft>
+                <a:spcPts val="0"/>
+              </a:spcAft>
+              <a:buSzPct val="100000"/>
+              <a:buChar char="-"/>
+            </a:pPr>
+            <a:r>
+              <a:rPr lang="en" b="1"/>
+              <a:t>Invasion</a:t>
+            </a:r>
+            <a:r>
+              <a:rPr lang="en"/>
+              <a:t>: entering territory</a:t>
+            </a:r>
+            <a:endParaRPr/>
+          </a:p>
+          <a:p>
+            <a:pPr marL="457200" lvl="0" indent="-325755" algn="l" rtl="0">
+              <a:spcBef>
+                <a:spcPts val="0"/>
+              </a:spcBef>
+              <a:spcAft>
+                <a:spcPts val="0"/>
+              </a:spcAft>
+              <a:buSzPct val="100000"/>
+              <a:buChar char="-"/>
+            </a:pPr>
+            <a:r>
+              <a:rPr lang="en" b="1"/>
+              <a:t>Temporarily Closed</a:t>
+            </a:r>
+            <a:r>
+              <a:rPr lang="en"/>
+              <a:t>: facility shutdown</a:t>
+            </a:r>
+            <a:endParaRPr/>
+          </a:p>
+          <a:p>
+            <a:pPr marL="457200" lvl="0" indent="-325755" algn="l" rtl="0">
+              <a:spcBef>
+                <a:spcPts val="0"/>
+              </a:spcBef>
+              <a:spcAft>
+                <a:spcPts val="0"/>
+              </a:spcAft>
+              <a:buSzPct val="100000"/>
+              <a:buChar char="-"/>
+            </a:pPr>
+            <a:r>
+              <a:rPr lang="en" b="1"/>
+              <a:t>Cyber Attack</a:t>
+            </a:r>
+            <a:r>
+              <a:rPr lang="en"/>
+              <a:t>: cyber crime</a:t>
+            </a:r>
+            <a:endParaRPr/>
+          </a:p>
+          <a:p>
+            <a:pPr marL="457200" lvl="0" indent="-325755" algn="l" rtl="0">
+              <a:spcBef>
+                <a:spcPts val="0"/>
+              </a:spcBef>
+              <a:spcAft>
+                <a:spcPts val="0"/>
+              </a:spcAft>
+              <a:buSzPct val="100000"/>
+              <a:buChar char="-"/>
+            </a:pPr>
+            <a:r>
+              <a:rPr lang="en" b="1"/>
+              <a:t>Censorship</a:t>
+            </a:r>
+            <a:r>
+              <a:rPr lang="en"/>
+              <a:t>: practice of suppressing speech or other public communication</a:t>
+            </a:r>
+            <a:endParaRPr/>
+          </a:p>
+        </p:txBody>
+      </p:sp>
+      <p:pic>
+        <p:nvPicPr>
+          <p:cNvPr id="83" name="Google Shape;83;p17"/>
+          <p:cNvPicPr preferRelativeResize="0"/>
+          <p:nvPr/>
+        </p:nvPicPr>
+        <p:blipFill>
+          <a:blip r:embed="rId3">
+            <a:alphaModFix/>
+          </a:blip>
+          <a:stretch>
+            <a:fillRect/>
+          </a:stretch>
+        </p:blipFill>
+        <p:spPr>
+          <a:xfrm>
+            <a:off x="4788250" y="1114100"/>
+            <a:ext cx="4317874" cy="3493150"/>
+          </a:xfrm>
+          <a:prstGeom prst="rect">
+            <a:avLst/>
+          </a:prstGeom>
+          <a:noFill/>
+          <a:ln>
+            <a:noFill/>
+          </a:ln>
+        </p:spPr>
+      </p:pic>
+    </p:spTree>
+  </p:cSld>
+  <p:clrMapOvr>
+    <a:masterClrMapping/>
+  </p:clrMapOvr>
+</p:sld>
+</file>
+
+<file path=ppt/slides/slide6.xml><?xml version="1.0" encoding="utf-8"?>
+<p:sld xmlns:a="http://schemas.openxmlformats.org/drawingml/2006/main" xmlns:r="http://schemas.openxmlformats.org/officeDocument/2006/relationships" xmlns:p="http://schemas.openxmlformats.org/presentationml/2006/main">
+  <p:cSld>
+    <p:spTree>
+      <p:nvGrpSpPr>
+        <p:cNvPr id="1" name="Shape 87"/>
+        <p:cNvGrpSpPr/>
+        <p:nvPr/>
+      </p:nvGrpSpPr>
+      <p:grpSpPr>
+        <a:xfrm>
+          <a:off x="0" y="0"/>
+          <a:ext cx="0" cy="0"/>
+          <a:chOff x="0" y="0"/>
+          <a:chExt cx="0" cy="0"/>
+        </a:xfrm>
+      </p:grpSpPr>
+      <p:sp>
+        <p:nvSpPr>
+          <p:cNvPr id="88" name="Google Shape;88;p18"/>
+          <p:cNvSpPr txBox="1">
+            <a:spLocks noGrp="1"/>
+          </p:cNvSpPr>
+          <p:nvPr>
+            <p:ph type="title"/>
+          </p:nvPr>
+        </p:nvSpPr>
+        <p:spPr>
+          <a:xfrm>
+            <a:off x="311700" y="445025"/>
+            <a:ext cx="8520600" cy="572700"/>
+          </a:xfrm>
+          <a:prstGeom prst="rect">
+            <a:avLst/>
+          </a:prstGeom>
+        </p:spPr>
+        <p:txBody>
+          <a:bodyPr spcFirstLastPara="1" wrap="square" lIns="91425" tIns="91425" rIns="91425" bIns="91425" anchor="t" anchorCtr="0">
+            <a:normAutofit fontScale="90000"/>
+          </a:bodyPr>
+          <a:lstStyle/>
+          <a:p>
+            <a:pPr marL="0" lvl="0" indent="0" algn="l" rtl="0">
+              <a:spcBef>
+                <a:spcPts val="0"/>
+              </a:spcBef>
+              <a:spcAft>
+                <a:spcPts val="0"/>
+              </a:spcAft>
+              <a:buNone/>
+            </a:pPr>
+            <a:r>
+              <a:rPr lang="en"/>
+              <a:t>War: </a:t>
+            </a:r>
+            <a:r>
+              <a:rPr lang="en" b="1"/>
+              <a:t>Civilian Reaction</a:t>
+            </a:r>
+            <a:endParaRPr b="1"/>
+          </a:p>
+        </p:txBody>
+      </p:sp>
+      <p:sp>
+        <p:nvSpPr>
+          <p:cNvPr id="89" name="Google Shape;89;p18"/>
+          <p:cNvSpPr txBox="1">
+            <a:spLocks noGrp="1"/>
+          </p:cNvSpPr>
+          <p:nvPr>
+            <p:ph type="body" idx="1"/>
+          </p:nvPr>
+        </p:nvSpPr>
+        <p:spPr>
+          <a:xfrm>
+            <a:off x="-92125" y="1152475"/>
+            <a:ext cx="4576800" cy="4087200"/>
+          </a:xfrm>
+          <a:prstGeom prst="rect">
+            <a:avLst/>
+          </a:prstGeom>
+        </p:spPr>
+        <p:txBody>
+          <a:bodyPr spcFirstLastPara="1" wrap="square" lIns="91425" tIns="91425" rIns="91425" bIns="91425" anchor="t" anchorCtr="0">
+            <a:normAutofit fontScale="85000" lnSpcReduction="10000"/>
+          </a:bodyPr>
+          <a:lstStyle/>
+          <a:p>
+            <a:pPr marL="457200" lvl="0" indent="-325755" algn="l" rtl="0">
+              <a:spcBef>
+                <a:spcPts val="0"/>
+              </a:spcBef>
+              <a:spcAft>
+                <a:spcPts val="0"/>
+              </a:spcAft>
+              <a:buSzPct val="100000"/>
+              <a:buChar char="-"/>
+            </a:pPr>
+            <a:r>
+              <a:rPr lang="en" b="1"/>
+              <a:t>Fundraising</a:t>
+            </a:r>
+            <a:r>
+              <a:rPr lang="en"/>
+              <a:t>: process of gathering voluntary contributions of money or other resources</a:t>
+            </a:r>
+            <a:endParaRPr/>
+          </a:p>
+          <a:p>
+            <a:pPr marL="457200" lvl="0" indent="-325755" algn="l" rtl="0">
+              <a:spcBef>
+                <a:spcPts val="0"/>
+              </a:spcBef>
+              <a:spcAft>
+                <a:spcPts val="0"/>
+              </a:spcAft>
+              <a:buSzPct val="100000"/>
+              <a:buChar char="-"/>
+            </a:pPr>
+            <a:r>
+              <a:rPr lang="en" b="1"/>
+              <a:t>Reconstruction</a:t>
+            </a:r>
+            <a:r>
+              <a:rPr lang="en"/>
+              <a:t>: rebuild infrastructure</a:t>
+            </a:r>
+            <a:endParaRPr/>
+          </a:p>
+          <a:p>
+            <a:pPr marL="457200" lvl="0" indent="-325755" algn="l" rtl="0">
+              <a:spcBef>
+                <a:spcPts val="0"/>
+              </a:spcBef>
+              <a:spcAft>
+                <a:spcPts val="0"/>
+              </a:spcAft>
+              <a:buSzPct val="100000"/>
+              <a:buChar char="-"/>
+            </a:pPr>
+            <a:r>
+              <a:rPr lang="en" b="1"/>
+              <a:t>Resource Allocation</a:t>
+            </a:r>
+            <a:r>
+              <a:rPr lang="en"/>
+              <a:t>: allocation of resources among possible uses</a:t>
+            </a:r>
+            <a:endParaRPr/>
+          </a:p>
+          <a:p>
+            <a:pPr marL="457200" lvl="0" indent="-325755" algn="l" rtl="0">
+              <a:spcBef>
+                <a:spcPts val="0"/>
+              </a:spcBef>
+              <a:spcAft>
+                <a:spcPts val="0"/>
+              </a:spcAft>
+              <a:buSzPct val="100000"/>
+              <a:buChar char="-"/>
+            </a:pPr>
+            <a:r>
+              <a:rPr lang="en" b="1"/>
+              <a:t>Demonstration</a:t>
+            </a:r>
+            <a:r>
+              <a:rPr lang="en"/>
+              <a:t>: demonstration against war</a:t>
+            </a:r>
+            <a:endParaRPr/>
+          </a:p>
+          <a:p>
+            <a:pPr marL="457200" lvl="0" indent="-325755" algn="l" rtl="0">
+              <a:spcBef>
+                <a:spcPts val="0"/>
+              </a:spcBef>
+              <a:spcAft>
+                <a:spcPts val="0"/>
+              </a:spcAft>
+              <a:buSzPct val="100000"/>
+              <a:buChar char="-"/>
+            </a:pPr>
+            <a:r>
+              <a:rPr lang="en" b="1"/>
+              <a:t>Arrest</a:t>
+            </a:r>
+            <a:r>
+              <a:rPr lang="en"/>
+              <a:t>: arresting protesters</a:t>
+            </a:r>
+            <a:endParaRPr/>
+          </a:p>
+          <a:p>
+            <a:pPr marL="457200" lvl="0" indent="-325755" algn="l" rtl="0">
+              <a:spcBef>
+                <a:spcPts val="0"/>
+              </a:spcBef>
+              <a:spcAft>
+                <a:spcPts val="0"/>
+              </a:spcAft>
+              <a:buSzPct val="100000"/>
+              <a:buChar char="-"/>
+            </a:pPr>
+            <a:r>
+              <a:rPr lang="en" b="1"/>
+              <a:t>Transport</a:t>
+            </a:r>
+            <a:endParaRPr b="1"/>
+          </a:p>
+          <a:p>
+            <a:pPr marL="914400" lvl="1" indent="-304165" algn="l" rtl="0">
+              <a:spcBef>
+                <a:spcPts val="0"/>
+              </a:spcBef>
+              <a:spcAft>
+                <a:spcPts val="0"/>
+              </a:spcAft>
+              <a:buSzPct val="100000"/>
+              <a:buChar char="-"/>
+            </a:pPr>
+            <a:r>
+              <a:rPr lang="en" b="1"/>
+              <a:t>Escape</a:t>
+            </a:r>
+            <a:r>
+              <a:rPr lang="en"/>
+              <a:t>: flee to other countries</a:t>
+            </a:r>
+            <a:endParaRPr/>
+          </a:p>
+          <a:p>
+            <a:pPr marL="914400" lvl="1" indent="-304165" algn="l" rtl="0">
+              <a:spcBef>
+                <a:spcPts val="0"/>
+              </a:spcBef>
+              <a:spcAft>
+                <a:spcPts val="0"/>
+              </a:spcAft>
+              <a:buSzPct val="100000"/>
+              <a:buChar char="-"/>
+            </a:pPr>
+            <a:r>
+              <a:rPr lang="en" b="1"/>
+              <a:t>Medical Evacuation</a:t>
+            </a:r>
+            <a:r>
+              <a:rPr lang="en"/>
+              <a:t>: evacuate refugee</a:t>
+            </a:r>
+            <a:endParaRPr/>
+          </a:p>
+          <a:p>
+            <a:pPr marL="914400" lvl="1" indent="-304165" algn="l" rtl="0">
+              <a:spcBef>
+                <a:spcPts val="0"/>
+              </a:spcBef>
+              <a:spcAft>
+                <a:spcPts val="0"/>
+              </a:spcAft>
+              <a:buSzPct val="100000"/>
+              <a:buChar char="-"/>
+            </a:pPr>
+            <a:r>
+              <a:rPr lang="en" b="1"/>
+              <a:t>Emergency Evacuation</a:t>
+            </a:r>
+            <a:r>
+              <a:rPr lang="en"/>
+              <a:t>: seeking asylum</a:t>
+            </a:r>
+            <a:endParaRPr/>
+          </a:p>
+          <a:p>
+            <a:pPr marL="914400" lvl="1" indent="-304165" algn="l" rtl="0">
+              <a:spcBef>
+                <a:spcPts val="0"/>
+              </a:spcBef>
+              <a:spcAft>
+                <a:spcPts val="0"/>
+              </a:spcAft>
+              <a:buSzPct val="100000"/>
+              <a:buChar char="-"/>
+            </a:pPr>
+            <a:r>
+              <a:rPr lang="en" b="1"/>
+              <a:t>Housing</a:t>
+            </a:r>
+            <a:r>
+              <a:rPr lang="en"/>
+              <a:t>: seeking shelter for bombing</a:t>
+            </a:r>
+            <a:endParaRPr/>
+          </a:p>
+          <a:p>
+            <a:pPr marL="457200" lvl="0" indent="-325755" algn="l" rtl="0">
+              <a:spcBef>
+                <a:spcPts val="0"/>
+              </a:spcBef>
+              <a:spcAft>
+                <a:spcPts val="0"/>
+              </a:spcAft>
+              <a:buSzPct val="100000"/>
+              <a:buChar char="-"/>
+            </a:pPr>
+            <a:r>
+              <a:rPr lang="en" b="1"/>
+              <a:t>Conscription</a:t>
+            </a:r>
+            <a:r>
+              <a:rPr lang="en"/>
+              <a:t>: enlist for the army</a:t>
+            </a:r>
+            <a:endParaRPr/>
+          </a:p>
+          <a:p>
+            <a:pPr marL="457200" lvl="0" indent="-325755" algn="l" rtl="0">
+              <a:spcBef>
+                <a:spcPts val="0"/>
+              </a:spcBef>
+              <a:spcAft>
+                <a:spcPts val="0"/>
+              </a:spcAft>
+              <a:buSzPct val="100000"/>
+              <a:buChar char="-"/>
+            </a:pPr>
+            <a:r>
+              <a:rPr lang="en" b="1"/>
+              <a:t>First Aid</a:t>
+            </a:r>
+            <a:r>
+              <a:rPr lang="en"/>
+              <a:t>: first and immediate assistance given to any person suffering from either a minor or serious illness or injury</a:t>
+            </a:r>
+            <a:endParaRPr/>
+          </a:p>
+        </p:txBody>
+      </p:sp>
+      <p:pic>
+        <p:nvPicPr>
+          <p:cNvPr id="90" name="Google Shape;90;p18"/>
+          <p:cNvPicPr preferRelativeResize="0"/>
+          <p:nvPr/>
+        </p:nvPicPr>
+        <p:blipFill>
+          <a:blip r:embed="rId3">
+            <a:alphaModFix/>
+          </a:blip>
+          <a:stretch>
+            <a:fillRect/>
+          </a:stretch>
+        </p:blipFill>
+        <p:spPr>
+          <a:xfrm>
+            <a:off x="4484825" y="1226362"/>
+            <a:ext cx="4576901" cy="3268625"/>
+          </a:xfrm>
+          <a:prstGeom prst="rect">
+            <a:avLst/>
+          </a:prstGeom>
+          <a:noFill/>
+          <a:ln>
+            <a:noFill/>
+          </a:ln>
+        </p:spPr>
+      </p:pic>
+    </p:spTree>
+  </p:cSld>
+  <p:clrMapOvr>
+    <a:masterClrMapping/>
+  </p:clrMapOvr>
+</p:sld>
+</file>
+
+<file path=ppt/slides/slide7.xml><?xml version="1.0" encoding="utf-8"?>
+<p:sld xmlns:a="http://schemas.openxmlformats.org/drawingml/2006/main" xmlns:r="http://schemas.openxmlformats.org/officeDocument/2006/relationships" xmlns:p="http://schemas.openxmlformats.org/presentationml/2006/main">
+  <p:cSld>
+    <p:spTree>
+      <p:nvGrpSpPr>
+        <p:cNvPr id="1" name="Shape 94"/>
+        <p:cNvGrpSpPr/>
+        <p:nvPr/>
+      </p:nvGrpSpPr>
+      <p:grpSpPr>
+        <a:xfrm>
+          <a:off x="0" y="0"/>
+          <a:ext cx="0" cy="0"/>
+          <a:chOff x="0" y="0"/>
+          <a:chExt cx="0" cy="0"/>
+        </a:xfrm>
+      </p:grpSpPr>
+      <p:sp>
+        <p:nvSpPr>
+          <p:cNvPr id="95" name="Google Shape;95;p19"/>
+          <p:cNvSpPr txBox="1">
+            <a:spLocks noGrp="1"/>
+          </p:cNvSpPr>
+          <p:nvPr>
+            <p:ph type="title"/>
+          </p:nvPr>
+        </p:nvSpPr>
+        <p:spPr>
+          <a:xfrm>
+            <a:off x="311700" y="445025"/>
+            <a:ext cx="8520600" cy="572700"/>
+          </a:xfrm>
+          <a:prstGeom prst="rect">
+            <a:avLst/>
+          </a:prstGeom>
+        </p:spPr>
+        <p:txBody>
+          <a:bodyPr spcFirstLastPara="1" wrap="square" lIns="91425" tIns="91425" rIns="91425" bIns="91425" anchor="t" anchorCtr="0">
+            <a:normAutofit fontScale="90000"/>
+          </a:bodyPr>
+          <a:lstStyle/>
+          <a:p>
+            <a:pPr marL="0" lvl="0" indent="0" algn="l" rtl="0">
+              <a:spcBef>
+                <a:spcPts val="0"/>
+              </a:spcBef>
+              <a:spcAft>
+                <a:spcPts val="0"/>
+              </a:spcAft>
+              <a:buNone/>
+            </a:pPr>
+            <a:r>
+              <a:rPr lang="en"/>
+              <a:t>War: </a:t>
+            </a:r>
+            <a:r>
+              <a:rPr lang="en" b="1"/>
+              <a:t>International Response</a:t>
+            </a:r>
+            <a:endParaRPr b="1"/>
+          </a:p>
+        </p:txBody>
+      </p:sp>
+      <p:sp>
+        <p:nvSpPr>
+          <p:cNvPr id="96" name="Google Shape;96;p19"/>
+          <p:cNvSpPr txBox="1">
+            <a:spLocks noGrp="1"/>
+          </p:cNvSpPr>
+          <p:nvPr>
+            <p:ph type="body" idx="1"/>
+          </p:nvPr>
+        </p:nvSpPr>
+        <p:spPr>
+          <a:xfrm>
+            <a:off x="-125800" y="1017725"/>
+            <a:ext cx="4855800" cy="4192200"/>
+          </a:xfrm>
+          <a:prstGeom prst="rect">
+            <a:avLst/>
+          </a:prstGeom>
+        </p:spPr>
+        <p:txBody>
+          <a:bodyPr spcFirstLastPara="1" wrap="square" lIns="91425" tIns="91425" rIns="91425" bIns="91425" anchor="t" anchorCtr="0">
+            <a:normAutofit fontScale="62500" lnSpcReduction="10000"/>
+          </a:bodyPr>
+          <a:lstStyle/>
+          <a:p>
+            <a:pPr marL="457200" lvl="0" indent="-300037" algn="l" rtl="0">
+              <a:spcBef>
+                <a:spcPts val="0"/>
+              </a:spcBef>
+              <a:spcAft>
+                <a:spcPts val="0"/>
+              </a:spcAft>
+              <a:buSzPct val="100000"/>
+              <a:buChar char="-"/>
+            </a:pPr>
+            <a:r>
+              <a:rPr lang="en" b="1"/>
+              <a:t>Arms trade</a:t>
+            </a:r>
+            <a:r>
+              <a:rPr lang="en"/>
+              <a:t>: purchase weapons</a:t>
+            </a:r>
+            <a:endParaRPr/>
+          </a:p>
+          <a:p>
+            <a:pPr marL="457200" lvl="0" indent="-300037" algn="l" rtl="0">
+              <a:spcBef>
+                <a:spcPts val="0"/>
+              </a:spcBef>
+              <a:spcAft>
+                <a:spcPts val="0"/>
+              </a:spcAft>
+              <a:buSzPct val="100000"/>
+              <a:buChar char="-"/>
+            </a:pPr>
+            <a:r>
+              <a:rPr lang="en" b="1"/>
+              <a:t>Transport</a:t>
+            </a:r>
+            <a:r>
+              <a:rPr lang="en"/>
+              <a:t>: transport weapons for support</a:t>
+            </a:r>
+            <a:endParaRPr/>
+          </a:p>
+          <a:p>
+            <a:pPr marL="457200" lvl="0" indent="-300037" algn="l" rtl="0">
+              <a:spcBef>
+                <a:spcPts val="0"/>
+              </a:spcBef>
+              <a:spcAft>
+                <a:spcPts val="0"/>
+              </a:spcAft>
+              <a:buSzPct val="100000"/>
+              <a:buChar char="-"/>
+            </a:pPr>
+            <a:r>
+              <a:rPr lang="en" b="1"/>
+              <a:t>Speech</a:t>
+            </a:r>
+            <a:r>
+              <a:rPr lang="en"/>
+              <a:t>: government leader gives speech</a:t>
+            </a:r>
+            <a:endParaRPr/>
+          </a:p>
+          <a:p>
+            <a:pPr marL="457200" lvl="0" indent="-300037" algn="l" rtl="0">
+              <a:spcBef>
+                <a:spcPts val="0"/>
+              </a:spcBef>
+              <a:spcAft>
+                <a:spcPts val="0"/>
+              </a:spcAft>
+              <a:buSzPct val="100000"/>
+              <a:buChar char="-"/>
+            </a:pPr>
+            <a:r>
+              <a:rPr lang="en" b="1"/>
+              <a:t>Advocacy</a:t>
+            </a:r>
+            <a:r>
+              <a:rPr lang="en"/>
+              <a:t>: call for ceasefire</a:t>
+            </a:r>
+            <a:endParaRPr/>
+          </a:p>
+          <a:p>
+            <a:pPr marL="457200" lvl="0" indent="-300037" algn="l" rtl="0">
+              <a:spcBef>
+                <a:spcPts val="0"/>
+              </a:spcBef>
+              <a:spcAft>
+                <a:spcPts val="0"/>
+              </a:spcAft>
+              <a:buSzPct val="100000"/>
+              <a:buChar char="-"/>
+            </a:pPr>
+            <a:r>
+              <a:rPr lang="en" b="1"/>
+              <a:t>Filing</a:t>
+            </a:r>
+            <a:r>
+              <a:rPr lang="en"/>
+              <a:t>: file a case for war crime</a:t>
+            </a:r>
+            <a:endParaRPr/>
+          </a:p>
+          <a:p>
+            <a:pPr marL="457200" lvl="0" indent="-300037" algn="l" rtl="0">
+              <a:spcBef>
+                <a:spcPts val="0"/>
+              </a:spcBef>
+              <a:spcAft>
+                <a:spcPts val="0"/>
+              </a:spcAft>
+              <a:buSzPct val="100000"/>
+              <a:buChar char="-"/>
+            </a:pPr>
+            <a:r>
+              <a:rPr lang="en" b="1"/>
+              <a:t>Boycott</a:t>
+            </a:r>
+            <a:r>
+              <a:rPr lang="en"/>
+              <a:t>: act of voluntarily abstaining from using, buying, or dealing with a person, organization, or country</a:t>
+            </a:r>
+            <a:endParaRPr/>
+          </a:p>
+          <a:p>
+            <a:pPr marL="457200" lvl="0" indent="-300037" algn="l" rtl="0">
+              <a:spcBef>
+                <a:spcPts val="0"/>
+              </a:spcBef>
+              <a:spcAft>
+                <a:spcPts val="0"/>
+              </a:spcAft>
+              <a:buSzPct val="100000"/>
+              <a:buChar char="-"/>
+            </a:pPr>
+            <a:r>
+              <a:rPr lang="en" b="1"/>
+              <a:t>Journalism</a:t>
+            </a:r>
+            <a:r>
+              <a:rPr lang="en"/>
+              <a:t>: media coverage</a:t>
+            </a:r>
+            <a:endParaRPr/>
+          </a:p>
+          <a:p>
+            <a:pPr marL="457200" lvl="0" indent="-300037" algn="l" rtl="0">
+              <a:spcBef>
+                <a:spcPts val="0"/>
+              </a:spcBef>
+              <a:spcAft>
+                <a:spcPts val="0"/>
+              </a:spcAft>
+              <a:buSzPct val="100000"/>
+              <a:buChar char="-"/>
+            </a:pPr>
+            <a:r>
+              <a:rPr lang="en" b="1"/>
+              <a:t>Human Migration</a:t>
+            </a:r>
+            <a:r>
+              <a:rPr lang="en"/>
+              <a:t>: refugee migration</a:t>
+            </a:r>
+            <a:endParaRPr/>
+          </a:p>
+          <a:p>
+            <a:pPr marL="457200" lvl="0" indent="-300037" algn="l" rtl="0">
+              <a:spcBef>
+                <a:spcPts val="0"/>
+              </a:spcBef>
+              <a:spcAft>
+                <a:spcPts val="0"/>
+              </a:spcAft>
+              <a:buSzPct val="100000"/>
+              <a:buChar char="-"/>
+            </a:pPr>
+            <a:r>
+              <a:rPr lang="en" b="1"/>
+              <a:t>Censure</a:t>
+            </a:r>
+            <a:r>
+              <a:rPr lang="en"/>
+              <a:t>: condemn at social media</a:t>
+            </a:r>
+            <a:endParaRPr/>
+          </a:p>
+          <a:p>
+            <a:pPr marL="457200" lvl="0" indent="-300037" algn="l" rtl="0">
+              <a:spcBef>
+                <a:spcPts val="0"/>
+              </a:spcBef>
+              <a:spcAft>
+                <a:spcPts val="0"/>
+              </a:spcAft>
+              <a:buSzPct val="100000"/>
+              <a:buChar char="-"/>
+            </a:pPr>
+            <a:r>
+              <a:rPr lang="en" b="1"/>
+              <a:t>Housing</a:t>
+            </a:r>
+            <a:r>
+              <a:rPr lang="en"/>
+              <a:t>: refugee housing</a:t>
+            </a:r>
+            <a:endParaRPr/>
+          </a:p>
+          <a:p>
+            <a:pPr marL="457200" lvl="0" indent="-300037" algn="l" rtl="0">
+              <a:spcBef>
+                <a:spcPts val="0"/>
+              </a:spcBef>
+              <a:spcAft>
+                <a:spcPts val="0"/>
+              </a:spcAft>
+              <a:buSzPct val="100000"/>
+              <a:buChar char="-"/>
+            </a:pPr>
+            <a:r>
+              <a:rPr lang="en" b="1"/>
+              <a:t>Economic Support</a:t>
+            </a:r>
+            <a:r>
+              <a:rPr lang="en"/>
+              <a:t>: economic benefit paid to persons who cannot support themselves</a:t>
+            </a:r>
+            <a:endParaRPr/>
+          </a:p>
+          <a:p>
+            <a:pPr marL="457200" lvl="0" indent="-300037" algn="l" rtl="0">
+              <a:spcBef>
+                <a:spcPts val="0"/>
+              </a:spcBef>
+              <a:spcAft>
+                <a:spcPts val="0"/>
+              </a:spcAft>
+              <a:buSzPct val="100000"/>
+              <a:buChar char="-"/>
+            </a:pPr>
+            <a:r>
+              <a:rPr lang="en" b="1"/>
+              <a:t>Donation</a:t>
+            </a:r>
+            <a:r>
+              <a:rPr lang="en"/>
+              <a:t>: gift given by physical or legal persons, typically for charitable purposes and/or to benefit a cause</a:t>
+            </a:r>
+            <a:endParaRPr/>
+          </a:p>
+          <a:p>
+            <a:pPr marL="457200" lvl="0" indent="-300037" algn="l" rtl="0">
+              <a:spcBef>
+                <a:spcPts val="0"/>
+              </a:spcBef>
+              <a:spcAft>
+                <a:spcPts val="0"/>
+              </a:spcAft>
+              <a:buSzPct val="100000"/>
+              <a:buChar char="-"/>
+            </a:pPr>
+            <a:r>
+              <a:rPr lang="en" b="1"/>
+              <a:t>Supply</a:t>
+            </a:r>
+            <a:r>
+              <a:rPr lang="en"/>
+              <a:t>: economic activity aimed at covering the consumption needs of an economic unit </a:t>
+            </a:r>
+            <a:endParaRPr/>
+          </a:p>
+          <a:p>
+            <a:pPr marL="457200" lvl="0" indent="-300037" algn="l" rtl="0">
+              <a:spcBef>
+                <a:spcPts val="0"/>
+              </a:spcBef>
+              <a:spcAft>
+                <a:spcPts val="0"/>
+              </a:spcAft>
+              <a:buSzPct val="100000"/>
+              <a:buChar char="-"/>
+            </a:pPr>
+            <a:r>
+              <a:rPr lang="en" b="1"/>
+              <a:t>Economic Sanctions</a:t>
+            </a:r>
+            <a:r>
+              <a:rPr lang="en"/>
+              <a:t>: international economic sanctions</a:t>
+            </a:r>
+            <a:endParaRPr/>
+          </a:p>
+          <a:p>
+            <a:pPr marL="457200" lvl="0" indent="-300037" algn="l" rtl="0">
+              <a:spcBef>
+                <a:spcPts val="0"/>
+              </a:spcBef>
+              <a:spcAft>
+                <a:spcPts val="0"/>
+              </a:spcAft>
+              <a:buSzPct val="100000"/>
+              <a:buChar char="-"/>
+            </a:pPr>
+            <a:r>
+              <a:rPr lang="en" b="1"/>
+              <a:t>Financial Crisis</a:t>
+            </a:r>
+            <a:r>
+              <a:rPr lang="en"/>
+              <a:t>: domestic and international financial crisis</a:t>
+            </a:r>
+            <a:endParaRPr/>
+          </a:p>
+          <a:p>
+            <a:pPr marL="457200" lvl="0" indent="-300037" algn="l" rtl="0">
+              <a:spcBef>
+                <a:spcPts val="0"/>
+              </a:spcBef>
+              <a:spcAft>
+                <a:spcPts val="0"/>
+              </a:spcAft>
+              <a:buSzPct val="100000"/>
+              <a:buChar char="-"/>
+            </a:pPr>
+            <a:r>
+              <a:rPr lang="en" b="1"/>
+              <a:t>Military Intervention</a:t>
+            </a:r>
+            <a:r>
+              <a:rPr lang="en"/>
+              <a:t>: use of force by a State over foreign territory</a:t>
+            </a:r>
+            <a:endParaRPr/>
+          </a:p>
+          <a:p>
+            <a:pPr marL="457200" lvl="0" indent="-300037" algn="l" rtl="0">
+              <a:spcBef>
+                <a:spcPts val="0"/>
+              </a:spcBef>
+              <a:spcAft>
+                <a:spcPts val="0"/>
+              </a:spcAft>
+              <a:buSzPct val="100000"/>
+              <a:buChar char="-"/>
+            </a:pPr>
+            <a:r>
+              <a:rPr lang="en" b="1"/>
+              <a:t>Demonstration</a:t>
+            </a:r>
+            <a:r>
+              <a:rPr lang="en"/>
+              <a:t>: protest against war</a:t>
+            </a:r>
+            <a:endParaRPr/>
+          </a:p>
+        </p:txBody>
+      </p:sp>
+      <p:pic>
+        <p:nvPicPr>
+          <p:cNvPr id="97" name="Google Shape;97;p19"/>
+          <p:cNvPicPr preferRelativeResize="0"/>
+          <p:nvPr/>
+        </p:nvPicPr>
+        <p:blipFill>
+          <a:blip r:embed="rId3">
+            <a:alphaModFix/>
+          </a:blip>
+          <a:stretch>
+            <a:fillRect/>
+          </a:stretch>
+        </p:blipFill>
+        <p:spPr>
+          <a:xfrm>
+            <a:off x="4729976" y="869687"/>
+            <a:ext cx="4330900" cy="3981975"/>
+          </a:xfrm>
+          <a:prstGeom prst="rect">
+            <a:avLst/>
+          </a:prstGeom>
+          <a:noFill/>
+          <a:ln>
+            <a:noFill/>
+          </a:ln>
+        </p:spPr>
+      </p:pic>
+    </p:spTree>
+  </p:cSld>
+  <p:clrMapOvr>
+    <a:masterClrMapping/>
+  </p:clrMapOvr>
+</p:sld>
+</file>
+
+<file path=ppt/slides/slide8.xml><?xml version="1.0" encoding="utf-8"?>
+<p:sld xmlns:a="http://schemas.openxmlformats.org/drawingml/2006/main" xmlns:r="http://schemas.openxmlformats.org/officeDocument/2006/relationships" xmlns:p="http://schemas.openxmlformats.org/presentationml/2006/main">
+  <p:cSld>
+    <p:spTree>
+      <p:nvGrpSpPr>
+        <p:cNvPr id="1" name="Shape 101"/>
+        <p:cNvGrpSpPr/>
+        <p:nvPr/>
+      </p:nvGrpSpPr>
+      <p:grpSpPr>
+        <a:xfrm>
+          <a:off x="0" y="0"/>
+          <a:ext cx="0" cy="0"/>
+          <a:chOff x="0" y="0"/>
+          <a:chExt cx="0" cy="0"/>
+        </a:xfrm>
+      </p:grpSpPr>
+      <p:sp>
+        <p:nvSpPr>
+          <p:cNvPr id="102" name="Google Shape;102;p20"/>
+          <p:cNvSpPr txBox="1">
+            <a:spLocks noGrp="1"/>
+          </p:cNvSpPr>
+          <p:nvPr>
+            <p:ph type="title"/>
+          </p:nvPr>
+        </p:nvSpPr>
+        <p:spPr>
+          <a:xfrm>
+            <a:off x="311700" y="445025"/>
+            <a:ext cx="8520600" cy="572700"/>
+          </a:xfrm>
+          <a:prstGeom prst="rect">
+            <a:avLst/>
+          </a:prstGeom>
+        </p:spPr>
+        <p:txBody>
+          <a:bodyPr spcFirstLastPara="1" wrap="square" lIns="91425" tIns="91425" rIns="91425" bIns="91425" anchor="t" anchorCtr="0">
+            <a:normAutofit fontScale="90000"/>
+          </a:bodyPr>
+          <a:lstStyle/>
+          <a:p>
+            <a:pPr marL="0" lvl="0" indent="0" algn="l" rtl="0">
+              <a:spcBef>
+                <a:spcPts val="0"/>
+              </a:spcBef>
+              <a:spcAft>
+                <a:spcPts val="0"/>
+              </a:spcAft>
+              <a:buNone/>
+            </a:pPr>
+            <a:r>
+              <a:rPr lang="en"/>
+              <a:t>War: </a:t>
+            </a:r>
+            <a:r>
+              <a:rPr lang="en" b="1"/>
+              <a:t>Economic Impact</a:t>
+            </a:r>
+            <a:endParaRPr b="1"/>
+          </a:p>
+        </p:txBody>
+      </p:sp>
+      <p:sp>
+        <p:nvSpPr>
+          <p:cNvPr id="103" name="Google Shape;103;p20"/>
+          <p:cNvSpPr txBox="1">
+            <a:spLocks noGrp="1"/>
+          </p:cNvSpPr>
+          <p:nvPr>
+            <p:ph type="body" idx="1"/>
+          </p:nvPr>
+        </p:nvSpPr>
+        <p:spPr>
+          <a:xfrm>
+            <a:off x="-140625" y="1152475"/>
+            <a:ext cx="4610700" cy="3990900"/>
+          </a:xfrm>
+          <a:prstGeom prst="rect">
+            <a:avLst/>
+          </a:prstGeom>
+        </p:spPr>
+        <p:txBody>
+          <a:bodyPr spcFirstLastPara="1" wrap="square" lIns="91425" tIns="91425" rIns="91425" bIns="91425" anchor="t" anchorCtr="0">
+            <a:normAutofit fontScale="70000" lnSpcReduction="10000"/>
+          </a:bodyPr>
+          <a:lstStyle/>
+          <a:p>
+            <a:pPr marL="457200" lvl="0" indent="-308610" algn="l" rtl="0">
+              <a:spcBef>
+                <a:spcPts val="0"/>
+              </a:spcBef>
+              <a:spcAft>
+                <a:spcPts val="0"/>
+              </a:spcAft>
+              <a:buSzPct val="100000"/>
+              <a:buChar char="-"/>
+            </a:pPr>
+            <a:r>
+              <a:rPr lang="en" b="1"/>
+              <a:t>Banking Crisis</a:t>
+            </a:r>
+            <a:r>
+              <a:rPr lang="en"/>
+              <a:t>: abrupt instability in the banking industry</a:t>
+            </a:r>
+            <a:endParaRPr/>
+          </a:p>
+          <a:p>
+            <a:pPr marL="457200" lvl="0" indent="-308610" algn="l" rtl="0">
+              <a:spcBef>
+                <a:spcPts val="0"/>
+              </a:spcBef>
+              <a:spcAft>
+                <a:spcPts val="0"/>
+              </a:spcAft>
+              <a:buSzPct val="100000"/>
+              <a:buChar char="-"/>
+            </a:pPr>
+            <a:r>
+              <a:rPr lang="en" b="1"/>
+              <a:t>Business Failure</a:t>
+            </a:r>
+            <a:r>
+              <a:rPr lang="en"/>
+              <a:t>: a company ceasing operations following its inability to make a profit or to bring in enough revenue to cover its expenses</a:t>
+            </a:r>
+            <a:endParaRPr/>
+          </a:p>
+          <a:p>
+            <a:pPr marL="457200" lvl="0" indent="-308610" algn="l" rtl="0">
+              <a:spcBef>
+                <a:spcPts val="0"/>
+              </a:spcBef>
+              <a:spcAft>
+                <a:spcPts val="0"/>
+              </a:spcAft>
+              <a:buSzPct val="100000"/>
+              <a:buChar char="-"/>
+            </a:pPr>
+            <a:r>
+              <a:rPr lang="en" b="1"/>
+              <a:t>Temporarily Closed</a:t>
+            </a:r>
+            <a:r>
+              <a:rPr lang="en"/>
+              <a:t>: state that indicates that a building, installation, park, etc. is not accessible because it is closed</a:t>
+            </a:r>
+            <a:endParaRPr/>
+          </a:p>
+          <a:p>
+            <a:pPr marL="457200" lvl="0" indent="-308610" algn="l" rtl="0">
+              <a:spcBef>
+                <a:spcPts val="0"/>
+              </a:spcBef>
+              <a:spcAft>
+                <a:spcPts val="0"/>
+              </a:spcAft>
+              <a:buSzPct val="100000"/>
+              <a:buChar char="-"/>
+            </a:pPr>
+            <a:r>
+              <a:rPr lang="en" b="1"/>
+              <a:t>Bankruptcy</a:t>
+            </a:r>
+            <a:r>
+              <a:rPr lang="en"/>
+              <a:t>: legal process through which people or other entities who cannot repay debts to creditors may seek relief from some or all of their debts</a:t>
+            </a:r>
+            <a:endParaRPr/>
+          </a:p>
+          <a:p>
+            <a:pPr marL="457200" lvl="0" indent="-308610" algn="l" rtl="0">
+              <a:spcBef>
+                <a:spcPts val="0"/>
+              </a:spcBef>
+              <a:spcAft>
+                <a:spcPts val="0"/>
+              </a:spcAft>
+              <a:buSzPct val="100000"/>
+              <a:buChar char="-"/>
+            </a:pPr>
+            <a:r>
+              <a:rPr lang="en" b="1"/>
+              <a:t>Recession</a:t>
+            </a:r>
+            <a:r>
+              <a:rPr lang="en"/>
+              <a:t>: business cycle contraction; general slowdown in economic activity</a:t>
+            </a:r>
+            <a:endParaRPr/>
+          </a:p>
+          <a:p>
+            <a:pPr marL="457200" lvl="0" indent="-308610" algn="l" rtl="0">
+              <a:spcBef>
+                <a:spcPts val="0"/>
+              </a:spcBef>
+              <a:spcAft>
+                <a:spcPts val="0"/>
+              </a:spcAft>
+              <a:buSzPct val="100000"/>
+              <a:buChar char="-"/>
+            </a:pPr>
+            <a:r>
+              <a:rPr lang="en" b="1"/>
+              <a:t>Scarcity</a:t>
+            </a:r>
+            <a:r>
+              <a:rPr lang="en"/>
+              <a:t>: resource scarcity</a:t>
+            </a:r>
+            <a:endParaRPr/>
+          </a:p>
+          <a:p>
+            <a:pPr marL="457200" lvl="0" indent="-308610" algn="l" rtl="0">
+              <a:spcBef>
+                <a:spcPts val="0"/>
+              </a:spcBef>
+              <a:spcAft>
+                <a:spcPts val="0"/>
+              </a:spcAft>
+              <a:buSzPct val="100000"/>
+              <a:buChar char="-"/>
+            </a:pPr>
+            <a:r>
+              <a:rPr lang="en" b="1"/>
+              <a:t>Stock Market Crash</a:t>
+            </a:r>
+            <a:r>
+              <a:rPr lang="en"/>
+              <a:t>: sudden dramatic decline of stock prices across a significant cross-section of a stock market</a:t>
+            </a:r>
+            <a:endParaRPr/>
+          </a:p>
+          <a:p>
+            <a:pPr marL="0" lvl="0" indent="0" algn="l" rtl="0">
+              <a:spcBef>
+                <a:spcPts val="1200"/>
+              </a:spcBef>
+              <a:spcAft>
+                <a:spcPts val="1200"/>
+              </a:spcAft>
+              <a:buNone/>
+            </a:pPr>
+            <a:endParaRPr/>
+          </a:p>
+        </p:txBody>
+      </p:sp>
+      <p:pic>
+        <p:nvPicPr>
+          <p:cNvPr id="104" name="Google Shape;104;p20"/>
+          <p:cNvPicPr preferRelativeResize="0"/>
+          <p:nvPr/>
+        </p:nvPicPr>
+        <p:blipFill>
+          <a:blip r:embed="rId3">
+            <a:alphaModFix/>
+          </a:blip>
+          <a:stretch>
+            <a:fillRect/>
+          </a:stretch>
+        </p:blipFill>
+        <p:spPr>
+          <a:xfrm>
+            <a:off x="4695000" y="1223975"/>
+            <a:ext cx="4396325" cy="3273401"/>
+          </a:xfrm>
+          <a:prstGeom prst="rect">
+            <a:avLst/>
+          </a:prstGeom>
+          <a:noFill/>
+          <a:ln>
+            <a:noFill/>
+          </a:ln>
+        </p:spPr>
+      </p:pic>
+    </p:spTree>
+  </p:cSld>
+  <p:clrMapOvr>
+    <a:masterClrMapping/>
+  </p:clrMapOvr>
+</p:sld>
+</file>
+
+<file path=ppt/slides/slide9.xml><?xml version="1.0" encoding="utf-8"?>
+<p:sld xmlns:a="http://schemas.openxmlformats.org/drawingml/2006/main" xmlns:r="http://schemas.openxmlformats.org/officeDocument/2006/relationships" xmlns:p="http://schemas.openxmlformats.org/presentationml/2006/main">
+  <p:cSld>
+    <p:spTree>
+      <p:nvGrpSpPr>
+        <p:cNvPr id="1" name="Shape 108"/>
+        <p:cNvGrpSpPr/>
+        <p:nvPr/>
+      </p:nvGrpSpPr>
+      <p:grpSpPr>
+        <a:xfrm>
+          <a:off x="0" y="0"/>
+          <a:ext cx="0" cy="0"/>
+          <a:chOff x="0" y="0"/>
+          <a:chExt cx="0" cy="0"/>
+        </a:xfrm>
+      </p:grpSpPr>
+      <p:sp>
+        <p:nvSpPr>
+          <p:cNvPr id="109" name="Google Shape;109;p21"/>
+          <p:cNvSpPr txBox="1">
+            <a:spLocks noGrp="1"/>
+          </p:cNvSpPr>
+          <p:nvPr>
+            <p:ph type="title"/>
+          </p:nvPr>
+        </p:nvSpPr>
+        <p:spPr>
+          <a:xfrm>
+            <a:off x="311700" y="445025"/>
+            <a:ext cx="8520600" cy="572700"/>
+          </a:xfrm>
+          <a:prstGeom prst="rect">
+            <a:avLst/>
+          </a:prstGeom>
+        </p:spPr>
+        <p:txBody>
+          <a:bodyPr spcFirstLastPara="1" wrap="square" lIns="91425" tIns="91425" rIns="91425" bIns="91425" anchor="t" anchorCtr="0">
+            <a:normAutofit fontScale="90000"/>
+          </a:bodyPr>
+          <a:lstStyle/>
+          <a:p>
+            <a:pPr marL="0" lvl="0" indent="0" algn="l" rtl="0">
+              <a:spcBef>
+                <a:spcPts val="0"/>
+              </a:spcBef>
+              <a:spcAft>
+                <a:spcPts val="0"/>
+              </a:spcAft>
+              <a:buNone/>
+            </a:pPr>
+            <a:r>
+              <a:rPr lang="en"/>
+              <a:t>War: </a:t>
+            </a:r>
+            <a:r>
+              <a:rPr lang="en" b="1"/>
+              <a:t>Battle</a:t>
+            </a:r>
+            <a:endParaRPr b="1"/>
+          </a:p>
+        </p:txBody>
+      </p:sp>
+      <p:sp>
+        <p:nvSpPr>
+          <p:cNvPr id="110" name="Google Shape;110;p21"/>
+          <p:cNvSpPr txBox="1">
+            <a:spLocks noGrp="1"/>
+          </p:cNvSpPr>
+          <p:nvPr>
+            <p:ph type="body" idx="1"/>
+          </p:nvPr>
+        </p:nvSpPr>
+        <p:spPr>
+          <a:xfrm>
+            <a:off x="-207225" y="1017724"/>
+            <a:ext cx="4894800" cy="4176845"/>
+          </a:xfrm>
+          <a:prstGeom prst="rect">
+            <a:avLst/>
+          </a:prstGeom>
+        </p:spPr>
+        <p:txBody>
+          <a:bodyPr spcFirstLastPara="1" wrap="square" lIns="91425" tIns="91425" rIns="91425" bIns="91425" anchor="t" anchorCtr="0">
+            <a:normAutofit fontScale="70000" lnSpcReduction="20000"/>
+          </a:bodyPr>
+          <a:lstStyle/>
+          <a:p>
+            <a:pPr marL="457200" lvl="0" indent="-308610" algn="l" rtl="0">
+              <a:spcBef>
+                <a:spcPts val="0"/>
+              </a:spcBef>
+              <a:spcAft>
+                <a:spcPts val="0"/>
+              </a:spcAft>
+              <a:buSzPct val="100000"/>
+              <a:buChar char="-"/>
+            </a:pPr>
+            <a:r>
+              <a:rPr lang="en" b="1" dirty="0"/>
+              <a:t>Air-to-surface Warfare</a:t>
+            </a:r>
+            <a:r>
+              <a:rPr lang="en" dirty="0"/>
+              <a:t>: military mission utilizing aircraft to combat enemy forces on land or at sea</a:t>
+            </a:r>
+            <a:endParaRPr dirty="0"/>
+          </a:p>
+          <a:p>
+            <a:pPr marL="457200" lvl="0" indent="-308610" algn="l" rtl="0">
+              <a:spcBef>
+                <a:spcPts val="0"/>
+              </a:spcBef>
+              <a:spcAft>
+                <a:spcPts val="0"/>
+              </a:spcAft>
+              <a:buSzPct val="100000"/>
+              <a:buChar char="-"/>
+            </a:pPr>
+            <a:r>
+              <a:rPr lang="en" b="1" dirty="0"/>
+              <a:t>Aerial Warfare</a:t>
+            </a:r>
+            <a:r>
+              <a:rPr lang="en" dirty="0"/>
+              <a:t>: warfare and military operations conducted by, amongst, and against aircraft and other aerial systems</a:t>
+            </a:r>
+            <a:endParaRPr dirty="0"/>
+          </a:p>
+          <a:p>
+            <a:pPr marL="457200" lvl="0" indent="-308610" algn="l" rtl="0">
+              <a:spcBef>
+                <a:spcPts val="0"/>
+              </a:spcBef>
+              <a:spcAft>
+                <a:spcPts val="0"/>
+              </a:spcAft>
+              <a:buSzPct val="100000"/>
+              <a:buChar char="-"/>
+            </a:pPr>
+            <a:r>
+              <a:rPr lang="en" b="1" dirty="0"/>
+              <a:t>Aircraft Shootdown</a:t>
+            </a:r>
+            <a:r>
+              <a:rPr lang="en" dirty="0"/>
+              <a:t>: shooting down of a civilian or military aircraft</a:t>
+            </a:r>
+            <a:endParaRPr dirty="0"/>
+          </a:p>
+          <a:p>
+            <a:pPr marL="457200" lvl="0" indent="-308610" algn="l" rtl="0">
+              <a:spcBef>
+                <a:spcPts val="0"/>
+              </a:spcBef>
+              <a:spcAft>
+                <a:spcPts val="0"/>
+              </a:spcAft>
+              <a:buSzPct val="100000"/>
+              <a:buChar char="-"/>
+            </a:pPr>
+            <a:r>
+              <a:rPr lang="en" b="1" dirty="0"/>
+              <a:t>Bombardment</a:t>
+            </a:r>
+            <a:endParaRPr b="1" dirty="0"/>
+          </a:p>
+          <a:p>
+            <a:pPr marL="914400" lvl="1" indent="-290830" algn="l" rtl="0">
+              <a:spcBef>
+                <a:spcPts val="0"/>
+              </a:spcBef>
+              <a:spcAft>
+                <a:spcPts val="0"/>
+              </a:spcAft>
+              <a:buSzPct val="100000"/>
+              <a:buChar char="-"/>
+            </a:pPr>
+            <a:r>
+              <a:rPr lang="en" b="1" dirty="0"/>
+              <a:t>Drone Strike</a:t>
+            </a:r>
+            <a:r>
+              <a:rPr lang="en" dirty="0"/>
+              <a:t>: conventional combat mission on an individual or small-scale basis</a:t>
+            </a:r>
+            <a:endParaRPr dirty="0"/>
+          </a:p>
+          <a:p>
+            <a:pPr marL="914400" lvl="1" indent="-290830" algn="l" rtl="0">
+              <a:spcBef>
+                <a:spcPts val="0"/>
+              </a:spcBef>
+              <a:spcAft>
+                <a:spcPts val="0"/>
+              </a:spcAft>
+              <a:buSzPct val="100000"/>
+              <a:buChar char="-"/>
+            </a:pPr>
+            <a:r>
+              <a:rPr lang="en" b="1" dirty="0"/>
+              <a:t>Bombing</a:t>
+            </a:r>
+            <a:r>
+              <a:rPr lang="en" dirty="0"/>
+              <a:t>: attack by artillery fire or by dropping bombs from aircraft</a:t>
+            </a:r>
+            <a:endParaRPr dirty="0"/>
+          </a:p>
+          <a:p>
+            <a:pPr marL="457200" lvl="0" indent="-308610" algn="l" rtl="0">
+              <a:spcBef>
+                <a:spcPts val="0"/>
+              </a:spcBef>
+              <a:spcAft>
+                <a:spcPts val="0"/>
+              </a:spcAft>
+              <a:buSzPct val="100000"/>
+              <a:buChar char="-"/>
+            </a:pPr>
+            <a:r>
+              <a:rPr lang="en" b="1" dirty="0"/>
+              <a:t>Result of Attack</a:t>
+            </a:r>
+            <a:endParaRPr b="1" dirty="0"/>
+          </a:p>
+          <a:p>
+            <a:pPr marL="914400" lvl="1" indent="-290830" algn="l" rtl="0">
+              <a:spcBef>
+                <a:spcPts val="0"/>
+              </a:spcBef>
+              <a:spcAft>
+                <a:spcPts val="0"/>
+              </a:spcAft>
+              <a:buSzPct val="100000"/>
+              <a:buChar char="-"/>
+            </a:pPr>
+            <a:r>
+              <a:rPr lang="en" b="1" dirty="0"/>
+              <a:t>Conflagration</a:t>
+            </a:r>
+            <a:r>
+              <a:rPr lang="en" dirty="0"/>
+              <a:t>: large and destructive fire that threatens human life, animal life, health, and/or property</a:t>
+            </a:r>
+            <a:endParaRPr dirty="0"/>
+          </a:p>
+          <a:p>
+            <a:pPr marL="914400" lvl="1" indent="-290830" algn="l" rtl="0">
+              <a:spcBef>
+                <a:spcPts val="0"/>
+              </a:spcBef>
+              <a:spcAft>
+                <a:spcPts val="0"/>
+              </a:spcAft>
+              <a:buSzPct val="100000"/>
+              <a:buChar char="-"/>
+            </a:pPr>
+            <a:r>
+              <a:rPr lang="en" b="1" dirty="0"/>
+              <a:t>Die</a:t>
+            </a:r>
+            <a:r>
+              <a:rPr lang="en" dirty="0"/>
+              <a:t>: death</a:t>
+            </a:r>
+            <a:endParaRPr dirty="0"/>
+          </a:p>
+          <a:p>
+            <a:pPr marL="914400" lvl="1" indent="-290830" algn="l" rtl="0">
+              <a:spcBef>
+                <a:spcPts val="0"/>
+              </a:spcBef>
+              <a:spcAft>
+                <a:spcPts val="0"/>
+              </a:spcAft>
+              <a:buSzPct val="100000"/>
+              <a:buChar char="-"/>
+            </a:pPr>
+            <a:r>
+              <a:rPr lang="en" b="1" dirty="0"/>
+              <a:t>Injure</a:t>
+            </a:r>
+            <a:r>
+              <a:rPr lang="en" dirty="0"/>
+              <a:t>: injury</a:t>
+            </a:r>
+            <a:endParaRPr dirty="0"/>
+          </a:p>
+          <a:p>
+            <a:pPr marL="914400" lvl="1" indent="-290830" algn="l" rtl="0">
+              <a:spcBef>
+                <a:spcPts val="0"/>
+              </a:spcBef>
+              <a:spcAft>
+                <a:spcPts val="0"/>
+              </a:spcAft>
+              <a:buSzPct val="100000"/>
+              <a:buChar char="-"/>
+            </a:pPr>
+            <a:r>
+              <a:rPr lang="en" b="1" dirty="0"/>
+              <a:t>Destruction</a:t>
+            </a:r>
+            <a:r>
+              <a:rPr lang="en" dirty="0"/>
+              <a:t>: damage to an object, system or an idea</a:t>
+            </a:r>
+            <a:endParaRPr dirty="0"/>
+          </a:p>
+          <a:p>
+            <a:pPr marL="457200" lvl="0" indent="-308610" algn="l" rtl="0">
+              <a:spcBef>
+                <a:spcPts val="0"/>
+              </a:spcBef>
+              <a:spcAft>
+                <a:spcPts val="0"/>
+              </a:spcAft>
+              <a:buSzPct val="100000"/>
+              <a:buChar char="-"/>
+            </a:pPr>
+            <a:r>
+              <a:rPr lang="en" b="1" dirty="0"/>
+              <a:t>Landing Operation</a:t>
+            </a:r>
+            <a:r>
+              <a:rPr lang="en" dirty="0"/>
+              <a:t>: type of military action</a:t>
+            </a:r>
+            <a:endParaRPr dirty="0"/>
+          </a:p>
+          <a:p>
+            <a:pPr marL="457200" lvl="0" indent="-308610" algn="l" rtl="0">
+              <a:spcBef>
+                <a:spcPts val="0"/>
+              </a:spcBef>
+              <a:spcAft>
+                <a:spcPts val="0"/>
+              </a:spcAft>
+              <a:buSzPct val="100000"/>
+              <a:buChar char="-"/>
+            </a:pPr>
+            <a:r>
+              <a:rPr lang="en" b="1" dirty="0"/>
+              <a:t>Defense</a:t>
+            </a:r>
+            <a:r>
+              <a:rPr lang="en" dirty="0"/>
+              <a:t>: protection from attack in military operations</a:t>
+            </a:r>
+            <a:endParaRPr dirty="0"/>
+          </a:p>
+          <a:p>
+            <a:pPr marL="457200" lvl="0" indent="-308610" algn="l" rtl="0">
+              <a:spcBef>
+                <a:spcPts val="0"/>
+              </a:spcBef>
+              <a:spcAft>
+                <a:spcPts val="0"/>
+              </a:spcAft>
+              <a:buSzPct val="100000"/>
+              <a:buChar char="-"/>
+            </a:pPr>
+            <a:r>
+              <a:rPr lang="en" b="1" dirty="0"/>
+              <a:t>Besiege</a:t>
+            </a:r>
+            <a:r>
+              <a:rPr lang="en" dirty="0"/>
+              <a:t>: military blockade of a city or fortress</a:t>
+            </a:r>
+            <a:endParaRPr dirty="0"/>
+          </a:p>
+          <a:p>
+            <a:pPr marL="914400" lvl="1" indent="-290830" algn="l" rtl="0">
+              <a:spcBef>
+                <a:spcPts val="0"/>
+              </a:spcBef>
+              <a:spcAft>
+                <a:spcPts val="0"/>
+              </a:spcAft>
+              <a:buSzPct val="100000"/>
+              <a:buChar char="-"/>
+            </a:pPr>
+            <a:r>
+              <a:rPr lang="en" dirty="0"/>
+              <a:t>Blockage: effort to cut off supplies from a particular area by force</a:t>
+            </a:r>
+            <a:endParaRPr dirty="0"/>
+          </a:p>
+          <a:p>
+            <a:pPr marL="457200" lvl="0" indent="-308610" algn="l" rtl="0">
+              <a:spcBef>
+                <a:spcPts val="0"/>
+              </a:spcBef>
+              <a:spcAft>
+                <a:spcPts val="0"/>
+              </a:spcAft>
+              <a:buSzPct val="100000"/>
+              <a:buChar char="-"/>
+            </a:pPr>
+            <a:r>
+              <a:rPr lang="en" b="1" dirty="0"/>
+              <a:t>Military Occupation</a:t>
+            </a:r>
+            <a:r>
+              <a:rPr lang="en" dirty="0"/>
+              <a:t>: effective provisional control of a certain power over a territory</a:t>
+            </a:r>
+            <a:endParaRPr dirty="0"/>
+          </a:p>
+        </p:txBody>
+      </p:sp>
+      <p:pic>
+        <p:nvPicPr>
+          <p:cNvPr id="111" name="Google Shape;111;p21"/>
+          <p:cNvPicPr preferRelativeResize="0"/>
+          <p:nvPr/>
+        </p:nvPicPr>
+        <p:blipFill>
+          <a:blip r:embed="rId3">
+            <a:alphaModFix/>
+          </a:blip>
+          <a:stretch>
+            <a:fillRect/>
+          </a:stretch>
+        </p:blipFill>
+        <p:spPr>
+          <a:xfrm>
+            <a:off x="4687500" y="1492563"/>
+            <a:ext cx="4307624" cy="2736224"/>
           </a:xfrm>
           <a:prstGeom prst="rect">
             <a:avLst/>
@@ -6575,7 +9711,7 @@
 </file>
 
 <file path=ppt/theme/theme1.xml><?xml version="1.0" encoding="utf-8"?>
-<a:theme xmlns:a="http://schemas.openxmlformats.org/drawingml/2006/main" xmlns:r="http://schemas.openxmlformats.org/officeDocument/2006/relationships" name="Simple Light">
+<a:theme xmlns:a="http://schemas.openxmlformats.org/drawingml/2006/main" name="Simple Light">
   <a:themeElements>
     <a:clrScheme name="Simple Light">
       <a:dk1>
@@ -6850,11 +9986,13 @@
       </a:bgFillStyleLst>
     </a:fmtScheme>
   </a:themeElements>
+  <a:objectDefaults/>
+  <a:extraClrSchemeLst/>
 </a:theme>
 </file>
 
 <file path=ppt/theme/theme2.xml><?xml version="1.0" encoding="utf-8"?>
-<a:theme xmlns:a="http://schemas.openxmlformats.org/drawingml/2006/main" xmlns:r="http://schemas.openxmlformats.org/officeDocument/2006/relationships">
+<a:theme xmlns:a="http://schemas.openxmlformats.org/drawingml/2006/main">
   <a:themeElements>
     <a:clrScheme name="Default">
       <a:dk1>
@@ -7129,5 +10267,7 @@
       </a:bgFillStyleLst>
     </a:fmtScheme>
   </a:themeElements>
+  <a:objectDefaults/>
+  <a:extraClrSchemeLst/>
 </a:theme>
 </file>